--- a/figures/fixed_train.pptx
+++ b/figures/fixed_train.pptx
@@ -243,7 +243,7 @@
           <a:p>
             <a:fld id="{29ECB265-18A1-4B44-AB36-1A05960C5FFF}" type="datetimeFigureOut">
               <a:rPr lang="zh-CN" altLang="en-US" smtClean="0"/>
-              <a:t>2018/9/10</a:t>
+              <a:t>2018/9/13</a:t>
             </a:fld>
             <a:endParaRPr lang="zh-CN" altLang="en-US"/>
           </a:p>
@@ -413,7 +413,7 @@
           <a:p>
             <a:fld id="{29ECB265-18A1-4B44-AB36-1A05960C5FFF}" type="datetimeFigureOut">
               <a:rPr lang="zh-CN" altLang="en-US" smtClean="0"/>
-              <a:t>2018/9/10</a:t>
+              <a:t>2018/9/13</a:t>
             </a:fld>
             <a:endParaRPr lang="zh-CN" altLang="en-US"/>
           </a:p>
@@ -593,7 +593,7 @@
           <a:p>
             <a:fld id="{29ECB265-18A1-4B44-AB36-1A05960C5FFF}" type="datetimeFigureOut">
               <a:rPr lang="zh-CN" altLang="en-US" smtClean="0"/>
-              <a:t>2018/9/10</a:t>
+              <a:t>2018/9/13</a:t>
             </a:fld>
             <a:endParaRPr lang="zh-CN" altLang="en-US"/>
           </a:p>
@@ -763,7 +763,7 @@
           <a:p>
             <a:fld id="{29ECB265-18A1-4B44-AB36-1A05960C5FFF}" type="datetimeFigureOut">
               <a:rPr lang="zh-CN" altLang="en-US" smtClean="0"/>
-              <a:t>2018/9/10</a:t>
+              <a:t>2018/9/13</a:t>
             </a:fld>
             <a:endParaRPr lang="zh-CN" altLang="en-US"/>
           </a:p>
@@ -1007,7 +1007,7 @@
           <a:p>
             <a:fld id="{29ECB265-18A1-4B44-AB36-1A05960C5FFF}" type="datetimeFigureOut">
               <a:rPr lang="zh-CN" altLang="en-US" smtClean="0"/>
-              <a:t>2018/9/10</a:t>
+              <a:t>2018/9/13</a:t>
             </a:fld>
             <a:endParaRPr lang="zh-CN" altLang="en-US"/>
           </a:p>
@@ -1239,7 +1239,7 @@
           <a:p>
             <a:fld id="{29ECB265-18A1-4B44-AB36-1A05960C5FFF}" type="datetimeFigureOut">
               <a:rPr lang="zh-CN" altLang="en-US" smtClean="0"/>
-              <a:t>2018/9/10</a:t>
+              <a:t>2018/9/13</a:t>
             </a:fld>
             <a:endParaRPr lang="zh-CN" altLang="en-US"/>
           </a:p>
@@ -1606,7 +1606,7 @@
           <a:p>
             <a:fld id="{29ECB265-18A1-4B44-AB36-1A05960C5FFF}" type="datetimeFigureOut">
               <a:rPr lang="zh-CN" altLang="en-US" smtClean="0"/>
-              <a:t>2018/9/10</a:t>
+              <a:t>2018/9/13</a:t>
             </a:fld>
             <a:endParaRPr lang="zh-CN" altLang="en-US"/>
           </a:p>
@@ -1724,7 +1724,7 @@
           <a:p>
             <a:fld id="{29ECB265-18A1-4B44-AB36-1A05960C5FFF}" type="datetimeFigureOut">
               <a:rPr lang="zh-CN" altLang="en-US" smtClean="0"/>
-              <a:t>2018/9/10</a:t>
+              <a:t>2018/9/13</a:t>
             </a:fld>
             <a:endParaRPr lang="zh-CN" altLang="en-US"/>
           </a:p>
@@ -1819,7 +1819,7 @@
           <a:p>
             <a:fld id="{29ECB265-18A1-4B44-AB36-1A05960C5FFF}" type="datetimeFigureOut">
               <a:rPr lang="zh-CN" altLang="en-US" smtClean="0"/>
-              <a:t>2018/9/10</a:t>
+              <a:t>2018/9/13</a:t>
             </a:fld>
             <a:endParaRPr lang="zh-CN" altLang="en-US"/>
           </a:p>
@@ -2096,7 +2096,7 @@
           <a:p>
             <a:fld id="{29ECB265-18A1-4B44-AB36-1A05960C5FFF}" type="datetimeFigureOut">
               <a:rPr lang="zh-CN" altLang="en-US" smtClean="0"/>
-              <a:t>2018/9/10</a:t>
+              <a:t>2018/9/13</a:t>
             </a:fld>
             <a:endParaRPr lang="zh-CN" altLang="en-US"/>
           </a:p>
@@ -2353,7 +2353,7 @@
           <a:p>
             <a:fld id="{29ECB265-18A1-4B44-AB36-1A05960C5FFF}" type="datetimeFigureOut">
               <a:rPr lang="zh-CN" altLang="en-US" smtClean="0"/>
-              <a:t>2018/9/10</a:t>
+              <a:t>2018/9/13</a:t>
             </a:fld>
             <a:endParaRPr lang="zh-CN" altLang="en-US"/>
           </a:p>
@@ -2590,7 +2590,7 @@
           <a:p>
             <a:fld id="{29ECB265-18A1-4B44-AB36-1A05960C5FFF}" type="datetimeFigureOut">
               <a:rPr lang="zh-CN" altLang="en-US" smtClean="0"/>
-              <a:t>2018/9/10</a:t>
+              <a:t>2018/9/13</a:t>
             </a:fld>
             <a:endParaRPr lang="zh-CN" altLang="en-US"/>
           </a:p>
@@ -3188,202 +3188,3870 @@
           <a:chExt cx="0" cy="0"/>
         </a:xfrm>
       </p:grpSpPr>
+      <p:grpSp>
+        <p:nvGrpSpPr>
+          <p:cNvPr id="148" name="组合 147"/>
+          <p:cNvGrpSpPr/>
+          <p:nvPr/>
+        </p:nvGrpSpPr>
+        <p:grpSpPr>
+          <a:xfrm>
+            <a:off x="798402" y="1133115"/>
+            <a:ext cx="2522641" cy="2329994"/>
+            <a:chOff x="3590096" y="1133115"/>
+            <a:chExt cx="2522641" cy="2329994"/>
+          </a:xfrm>
+        </p:grpSpPr>
+        <p:sp>
+          <p:nvSpPr>
+            <p:cNvPr id="2" name="矩形 1"/>
+            <p:cNvSpPr/>
+            <p:nvPr/>
+          </p:nvSpPr>
+          <p:spPr>
+            <a:xfrm>
+              <a:off x="3590098" y="1567232"/>
+              <a:ext cx="2522639" cy="1890213"/>
+            </a:xfrm>
+            <a:prstGeom prst="rect">
+              <a:avLst/>
+            </a:prstGeom>
+            <a:noFill/>
+            <a:ln>
+              <a:solidFill>
+                <a:srgbClr val="D2D2D2"/>
+              </a:solidFill>
+              <a:prstDash val="dash"/>
+            </a:ln>
+          </p:spPr>
+          <p:style>
+            <a:lnRef idx="2">
+              <a:schemeClr val="accent1">
+                <a:shade val="50000"/>
+              </a:schemeClr>
+            </a:lnRef>
+            <a:fillRef idx="1">
+              <a:schemeClr val="accent1"/>
+            </a:fillRef>
+            <a:effectRef idx="0">
+              <a:schemeClr val="accent1"/>
+            </a:effectRef>
+            <a:fontRef idx="minor">
+              <a:schemeClr val="lt1"/>
+            </a:fontRef>
+          </p:style>
+          <p:txBody>
+            <a:bodyPr rtlCol="0" anchor="b"/>
+            <a:lstStyle/>
+            <a:p>
+              <a:endParaRPr lang="zh-CN" altLang="en-US" sz="1200" dirty="0">
+                <a:solidFill>
+                  <a:srgbClr val="525252"/>
+                </a:solidFill>
+              </a:endParaRPr>
+            </a:p>
+          </p:txBody>
+        </p:sp>
+        <mc:AlternateContent xmlns:mc="http://schemas.openxmlformats.org/markup-compatibility/2006">
+          <mc:Choice xmlns:a14="http://schemas.microsoft.com/office/drawing/2010/main" Requires="a14">
+            <p:sp>
+              <p:nvSpPr>
+                <p:cNvPr id="3" name="矩形 2"/>
+                <p:cNvSpPr/>
+                <p:nvPr/>
+              </p:nvSpPr>
+              <p:spPr>
+                <a:xfrm>
+                  <a:off x="3651513" y="1629869"/>
+                  <a:ext cx="300251" cy="300251"/>
+                </a:xfrm>
+                <a:prstGeom prst="rect">
+                  <a:avLst/>
+                </a:prstGeom>
+                <a:solidFill>
+                  <a:srgbClr val="0078D7"/>
+                </a:solidFill>
+                <a:ln>
+                  <a:solidFill>
+                    <a:srgbClr val="002050"/>
+                  </a:solidFill>
+                </a:ln>
+              </p:spPr>
+              <p:style>
+                <a:lnRef idx="2">
+                  <a:schemeClr val="accent1">
+                    <a:shade val="50000"/>
+                  </a:schemeClr>
+                </a:lnRef>
+                <a:fillRef idx="1">
+                  <a:schemeClr val="accent1"/>
+                </a:fillRef>
+                <a:effectRef idx="0">
+                  <a:schemeClr val="accent1"/>
+                </a:effectRef>
+                <a:fontRef idx="minor">
+                  <a:schemeClr val="lt1"/>
+                </a:fontRef>
+              </p:style>
+              <p:txBody>
+                <a:bodyPr lIns="0" tIns="0" rIns="0" bIns="0" rtlCol="0" anchor="ctr"/>
+                <a:lstStyle/>
+                <a:p>
+                  <a:pPr algn="just"/>
+                  <a14:m>
+                    <m:oMathPara xmlns:m="http://schemas.openxmlformats.org/officeDocument/2006/math">
+                      <m:oMathParaPr>
+                        <m:jc m:val="centerGroup"/>
+                      </m:oMathParaPr>
+                      <m:oMath xmlns:m="http://schemas.openxmlformats.org/officeDocument/2006/math">
+                        <m:sSub>
+                          <m:sSubPr>
+                            <m:ctrlPr>
+                              <a:rPr lang="en-US" altLang="zh-CN" sz="800" i="1" smtClean="0">
+                                <a:latin typeface="Cambria Math" panose="02040503050406030204" pitchFamily="18" charset="0"/>
+                              </a:rPr>
+                            </m:ctrlPr>
+                          </m:sSubPr>
+                          <m:e>
+                            <m:r>
+                              <a:rPr lang="en-US" altLang="zh-CN" sz="800" b="0" i="1" smtClean="0">
+                                <a:latin typeface="Cambria Math" panose="02040503050406030204" pitchFamily="18" charset="0"/>
+                              </a:rPr>
+                              <m:t>𝑊</m:t>
+                            </m:r>
+                          </m:e>
+                          <m:sub>
+                            <m:r>
+                              <a:rPr lang="en-US" altLang="zh-CN" sz="800" b="0" i="1" smtClean="0">
+                                <a:latin typeface="Cambria Math" panose="02040503050406030204" pitchFamily="18" charset="0"/>
+                              </a:rPr>
+                              <m:t>𝑖</m:t>
+                            </m:r>
+                          </m:sub>
+                        </m:sSub>
+                      </m:oMath>
+                    </m:oMathPara>
+                  </a14:m>
+                  <a:endParaRPr lang="zh-CN" altLang="en-US" sz="800" dirty="0"/>
+                </a:p>
+              </p:txBody>
+            </p:sp>
+          </mc:Choice>
+          <mc:Fallback>
+            <p:sp>
+              <p:nvSpPr>
+                <p:cNvPr id="3" name="矩形 2"/>
+                <p:cNvSpPr>
+                  <a:spLocks noRot="1" noChangeAspect="1" noMove="1" noResize="1" noEditPoints="1" noAdjustHandles="1" noChangeArrowheads="1" noChangeShapeType="1" noTextEdit="1"/>
+                </p:cNvSpPr>
+                <p:nvPr/>
+              </p:nvSpPr>
+              <p:spPr>
+                <a:xfrm>
+                  <a:off x="3651513" y="1629869"/>
+                  <a:ext cx="300251" cy="300251"/>
+                </a:xfrm>
+                <a:prstGeom prst="rect">
+                  <a:avLst/>
+                </a:prstGeom>
+                <a:blipFill>
+                  <a:blip r:embed="rId2"/>
+                  <a:stretch>
+                    <a:fillRect/>
+                  </a:stretch>
+                </a:blipFill>
+                <a:ln>
+                  <a:solidFill>
+                    <a:srgbClr val="002050"/>
+                  </a:solidFill>
+                </a:ln>
+              </p:spPr>
+              <p:txBody>
+                <a:bodyPr/>
+                <a:lstStyle/>
+                <a:p>
+                  <a:r>
+                    <a:rPr lang="zh-CN" altLang="en-US">
+                      <a:noFill/>
+                    </a:rPr>
+                    <a:t> </a:t>
+                  </a:r>
+                </a:p>
+              </p:txBody>
+            </p:sp>
+          </mc:Fallback>
+        </mc:AlternateContent>
+        <p:sp>
+          <p:nvSpPr>
+            <p:cNvPr id="4" name="椭圆 3"/>
+            <p:cNvSpPr/>
+            <p:nvPr/>
+          </p:nvSpPr>
+          <p:spPr>
+            <a:xfrm>
+              <a:off x="4676304" y="1985407"/>
+              <a:ext cx="300251" cy="300251"/>
+            </a:xfrm>
+            <a:prstGeom prst="ellipse">
+              <a:avLst/>
+            </a:prstGeom>
+            <a:solidFill>
+              <a:srgbClr val="E6E6E6"/>
+            </a:solidFill>
+            <a:ln>
+              <a:solidFill>
+                <a:srgbClr val="525252"/>
+              </a:solidFill>
+            </a:ln>
+          </p:spPr>
+          <p:style>
+            <a:lnRef idx="2">
+              <a:schemeClr val="accent1">
+                <a:shade val="50000"/>
+              </a:schemeClr>
+            </a:lnRef>
+            <a:fillRef idx="1">
+              <a:schemeClr val="accent1"/>
+            </a:fillRef>
+            <a:effectRef idx="0">
+              <a:schemeClr val="accent1"/>
+            </a:effectRef>
+            <a:fontRef idx="minor">
+              <a:schemeClr val="lt1"/>
+            </a:fontRef>
+          </p:style>
+          <p:txBody>
+            <a:bodyPr lIns="0" tIns="0" rIns="0" bIns="0" rtlCol="0" anchor="ctr"/>
+            <a:lstStyle/>
+            <a:p>
+              <a:pPr algn="ctr"/>
+              <a:r>
+                <a:rPr lang="en-US" altLang="zh-CN" sz="800" dirty="0" smtClean="0">
+                  <a:solidFill>
+                    <a:srgbClr val="525252"/>
+                  </a:solidFill>
+                </a:rPr>
+                <a:t>MAC</a:t>
+              </a:r>
+              <a:endParaRPr lang="zh-CN" altLang="en-US" sz="800" dirty="0">
+                <a:solidFill>
+                  <a:srgbClr val="525252"/>
+                </a:solidFill>
+              </a:endParaRPr>
+            </a:p>
+          </p:txBody>
+        </p:sp>
+        <p:sp>
+          <p:nvSpPr>
+            <p:cNvPr id="54" name="椭圆 53"/>
+            <p:cNvSpPr/>
+            <p:nvPr/>
+          </p:nvSpPr>
+          <p:spPr>
+            <a:xfrm>
+              <a:off x="5188096" y="2276389"/>
+              <a:ext cx="300251" cy="300251"/>
+            </a:xfrm>
+            <a:prstGeom prst="ellipse">
+              <a:avLst/>
+            </a:prstGeom>
+            <a:solidFill>
+              <a:srgbClr val="E6E6E6"/>
+            </a:solidFill>
+            <a:ln>
+              <a:solidFill>
+                <a:srgbClr val="525252"/>
+              </a:solidFill>
+            </a:ln>
+          </p:spPr>
+          <p:style>
+            <a:lnRef idx="2">
+              <a:schemeClr val="accent1">
+                <a:shade val="50000"/>
+              </a:schemeClr>
+            </a:lnRef>
+            <a:fillRef idx="1">
+              <a:schemeClr val="accent1"/>
+            </a:fillRef>
+            <a:effectRef idx="0">
+              <a:schemeClr val="accent1"/>
+            </a:effectRef>
+            <a:fontRef idx="minor">
+              <a:schemeClr val="lt1"/>
+            </a:fontRef>
+          </p:style>
+          <p:txBody>
+            <a:bodyPr lIns="0" tIns="0" rIns="0" bIns="0" rtlCol="0" anchor="ctr"/>
+            <a:lstStyle/>
+            <a:p>
+              <a:pPr algn="ctr"/>
+              <a:r>
+                <a:rPr lang="en-US" altLang="zh-CN" sz="800" dirty="0" smtClean="0">
+                  <a:solidFill>
+                    <a:srgbClr val="525252"/>
+                  </a:solidFill>
+                </a:rPr>
+                <a:t>MAC</a:t>
+              </a:r>
+              <a:endParaRPr lang="zh-CN" altLang="en-US" sz="800" dirty="0">
+                <a:solidFill>
+                  <a:srgbClr val="525252"/>
+                </a:solidFill>
+              </a:endParaRPr>
+            </a:p>
+          </p:txBody>
+        </p:sp>
+        <p:sp>
+          <p:nvSpPr>
+            <p:cNvPr id="55" name="椭圆 54"/>
+            <p:cNvSpPr/>
+            <p:nvPr/>
+          </p:nvSpPr>
+          <p:spPr>
+            <a:xfrm>
+              <a:off x="5694043" y="1629867"/>
+              <a:ext cx="300251" cy="300251"/>
+            </a:xfrm>
+            <a:prstGeom prst="ellipse">
+              <a:avLst/>
+            </a:prstGeom>
+            <a:solidFill>
+              <a:srgbClr val="E6E6E6"/>
+            </a:solidFill>
+            <a:ln>
+              <a:solidFill>
+                <a:srgbClr val="525252"/>
+              </a:solidFill>
+            </a:ln>
+          </p:spPr>
+          <p:style>
+            <a:lnRef idx="2">
+              <a:schemeClr val="accent1">
+                <a:shade val="50000"/>
+              </a:schemeClr>
+            </a:lnRef>
+            <a:fillRef idx="1">
+              <a:schemeClr val="accent1"/>
+            </a:fillRef>
+            <a:effectRef idx="0">
+              <a:schemeClr val="accent1"/>
+            </a:effectRef>
+            <a:fontRef idx="minor">
+              <a:schemeClr val="lt1"/>
+            </a:fontRef>
+          </p:style>
+          <p:txBody>
+            <a:bodyPr lIns="0" tIns="0" rIns="0" bIns="0" rtlCol="0" anchor="ctr"/>
+            <a:lstStyle/>
+            <a:p>
+              <a:pPr algn="ctr"/>
+              <a:r>
+                <a:rPr lang="en-US" altLang="zh-CN" sz="800" dirty="0" smtClean="0">
+                  <a:solidFill>
+                    <a:srgbClr val="525252"/>
+                  </a:solidFill>
+                </a:rPr>
+                <a:t>MAC</a:t>
+              </a:r>
+              <a:endParaRPr lang="zh-CN" altLang="en-US" sz="800" dirty="0">
+                <a:solidFill>
+                  <a:srgbClr val="525252"/>
+                </a:solidFill>
+              </a:endParaRPr>
+            </a:p>
+          </p:txBody>
+        </p:sp>
+        <mc:AlternateContent xmlns:mc="http://schemas.openxmlformats.org/markup-compatibility/2006">
+          <mc:Choice xmlns:a14="http://schemas.microsoft.com/office/drawing/2010/main" Requires="a14">
+            <p:sp>
+              <p:nvSpPr>
+                <p:cNvPr id="56" name="矩形 55"/>
+                <p:cNvSpPr/>
+                <p:nvPr/>
+              </p:nvSpPr>
+              <p:spPr>
+                <a:xfrm>
+                  <a:off x="3651513" y="2276388"/>
+                  <a:ext cx="300251" cy="300251"/>
+                </a:xfrm>
+                <a:prstGeom prst="rect">
+                  <a:avLst/>
+                </a:prstGeom>
+                <a:solidFill>
+                  <a:srgbClr val="0078D7"/>
+                </a:solidFill>
+                <a:ln>
+                  <a:solidFill>
+                    <a:srgbClr val="002050"/>
+                  </a:solidFill>
+                </a:ln>
+              </p:spPr>
+              <p:style>
+                <a:lnRef idx="2">
+                  <a:schemeClr val="accent1">
+                    <a:shade val="50000"/>
+                  </a:schemeClr>
+                </a:lnRef>
+                <a:fillRef idx="1">
+                  <a:schemeClr val="accent1"/>
+                </a:fillRef>
+                <a:effectRef idx="0">
+                  <a:schemeClr val="accent1"/>
+                </a:effectRef>
+                <a:fontRef idx="minor">
+                  <a:schemeClr val="lt1"/>
+                </a:fontRef>
+              </p:style>
+              <p:txBody>
+                <a:bodyPr rtlCol="0" anchor="ctr"/>
+                <a:lstStyle/>
+                <a:p>
+                  <a:pPr algn="ctr"/>
+                  <a14:m>
+                    <m:oMathPara xmlns:m="http://schemas.openxmlformats.org/officeDocument/2006/math">
+                      <m:oMathParaPr>
+                        <m:jc m:val="centerGroup"/>
+                      </m:oMathParaPr>
+                      <m:oMath xmlns:m="http://schemas.openxmlformats.org/officeDocument/2006/math">
+                        <m:f>
+                          <m:fPr>
+                            <m:ctrlPr>
+                              <a:rPr lang="en-US" altLang="zh-CN" sz="800" i="1" smtClean="0">
+                                <a:latin typeface="Cambria Math" panose="02040503050406030204" pitchFamily="18" charset="0"/>
+                              </a:rPr>
+                            </m:ctrlPr>
+                          </m:fPr>
+                          <m:num>
+                            <m:r>
+                              <a:rPr lang="zh-CN" altLang="en-US" sz="800" i="1" smtClean="0">
+                                <a:latin typeface="Cambria Math" panose="02040503050406030204" pitchFamily="18" charset="0"/>
+                              </a:rPr>
+                              <m:t>𝜕</m:t>
+                            </m:r>
+                            <m:r>
+                              <a:rPr lang="en-US" altLang="zh-CN" sz="800" b="0" i="1" smtClean="0">
+                                <a:latin typeface="Cambria Math" panose="02040503050406030204" pitchFamily="18" charset="0"/>
+                              </a:rPr>
+                              <m:t>𝐸</m:t>
+                            </m:r>
+                          </m:num>
+                          <m:den>
+                            <m:r>
+                              <a:rPr lang="zh-CN" altLang="en-US" sz="800" i="1" smtClean="0">
+                                <a:latin typeface="Cambria Math" panose="02040503050406030204" pitchFamily="18" charset="0"/>
+                              </a:rPr>
+                              <m:t>𝜕</m:t>
+                            </m:r>
+                            <m:sSub>
+                              <m:sSubPr>
+                                <m:ctrlPr>
+                                  <a:rPr lang="en-US" altLang="zh-CN" sz="800" i="1" smtClean="0">
+                                    <a:latin typeface="Cambria Math" panose="02040503050406030204" pitchFamily="18" charset="0"/>
+                                  </a:rPr>
+                                </m:ctrlPr>
+                              </m:sSubPr>
+                              <m:e>
+                                <m:r>
+                                  <a:rPr lang="en-US" altLang="zh-CN" sz="800" b="0" i="1" smtClean="0">
+                                    <a:latin typeface="Cambria Math" panose="02040503050406030204" pitchFamily="18" charset="0"/>
+                                  </a:rPr>
+                                  <m:t>𝑊</m:t>
+                                </m:r>
+                              </m:e>
+                              <m:sub>
+                                <m:r>
+                                  <a:rPr lang="en-US" altLang="zh-CN" sz="800" b="0" i="1" smtClean="0">
+                                    <a:latin typeface="Cambria Math" panose="02040503050406030204" pitchFamily="18" charset="0"/>
+                                  </a:rPr>
+                                  <m:t>𝑖</m:t>
+                                </m:r>
+                              </m:sub>
+                            </m:sSub>
+                          </m:den>
+                        </m:f>
+                      </m:oMath>
+                    </m:oMathPara>
+                  </a14:m>
+                  <a:endParaRPr lang="zh-CN" altLang="en-US" sz="800" dirty="0"/>
+                </a:p>
+              </p:txBody>
+            </p:sp>
+          </mc:Choice>
+          <mc:Fallback>
+            <p:sp>
+              <p:nvSpPr>
+                <p:cNvPr id="56" name="矩形 55"/>
+                <p:cNvSpPr>
+                  <a:spLocks noRot="1" noChangeAspect="1" noMove="1" noResize="1" noEditPoints="1" noAdjustHandles="1" noChangeArrowheads="1" noChangeShapeType="1" noTextEdit="1"/>
+                </p:cNvSpPr>
+                <p:nvPr/>
+              </p:nvSpPr>
+              <p:spPr>
+                <a:xfrm>
+                  <a:off x="3651513" y="2276388"/>
+                  <a:ext cx="300251" cy="300251"/>
+                </a:xfrm>
+                <a:prstGeom prst="rect">
+                  <a:avLst/>
+                </a:prstGeom>
+                <a:blipFill>
+                  <a:blip r:embed="rId3"/>
+                  <a:stretch>
+                    <a:fillRect/>
+                  </a:stretch>
+                </a:blipFill>
+                <a:ln>
+                  <a:solidFill>
+                    <a:srgbClr val="002050"/>
+                  </a:solidFill>
+                </a:ln>
+              </p:spPr>
+              <p:txBody>
+                <a:bodyPr/>
+                <a:lstStyle/>
+                <a:p>
+                  <a:r>
+                    <a:rPr lang="zh-CN" altLang="en-US">
+                      <a:noFill/>
+                    </a:rPr>
+                    <a:t> </a:t>
+                  </a:r>
+                </a:p>
+              </p:txBody>
+            </p:sp>
+          </mc:Fallback>
+        </mc:AlternateContent>
+        <mc:AlternateContent xmlns:mc="http://schemas.openxmlformats.org/markup-compatibility/2006">
+          <mc:Choice xmlns:a14="http://schemas.microsoft.com/office/drawing/2010/main" Requires="a14">
+            <p:sp>
+              <p:nvSpPr>
+                <p:cNvPr id="57" name="矩形 56"/>
+                <p:cNvSpPr/>
+                <p:nvPr/>
+              </p:nvSpPr>
+              <p:spPr>
+                <a:xfrm>
+                  <a:off x="4190601" y="1629868"/>
+                  <a:ext cx="300251" cy="300251"/>
+                </a:xfrm>
+                <a:prstGeom prst="rect">
+                  <a:avLst/>
+                </a:prstGeom>
+                <a:solidFill>
+                  <a:srgbClr val="00B0F0"/>
+                </a:solidFill>
+                <a:ln>
+                  <a:solidFill>
+                    <a:srgbClr val="002050"/>
+                  </a:solidFill>
+                </a:ln>
+              </p:spPr>
+              <p:style>
+                <a:lnRef idx="2">
+                  <a:schemeClr val="accent1">
+                    <a:shade val="50000"/>
+                  </a:schemeClr>
+                </a:lnRef>
+                <a:fillRef idx="1">
+                  <a:schemeClr val="accent1"/>
+                </a:fillRef>
+                <a:effectRef idx="0">
+                  <a:schemeClr val="accent1"/>
+                </a:effectRef>
+                <a:fontRef idx="minor">
+                  <a:schemeClr val="lt1"/>
+                </a:fontRef>
+              </p:style>
+              <p:txBody>
+                <a:bodyPr lIns="0" tIns="0" rIns="0" bIns="0" rtlCol="0" anchor="ctr"/>
+                <a:lstStyle/>
+                <a:p>
+                  <a:pPr algn="just"/>
+                  <a14:m>
+                    <m:oMathPara xmlns:m="http://schemas.openxmlformats.org/officeDocument/2006/math">
+                      <m:oMathParaPr>
+                        <m:jc m:val="centerGroup"/>
+                      </m:oMathParaPr>
+                      <m:oMath xmlns:m="http://schemas.openxmlformats.org/officeDocument/2006/math">
+                        <m:sSub>
+                          <m:sSubPr>
+                            <m:ctrlPr>
+                              <a:rPr lang="en-US" altLang="zh-CN" sz="800" i="1" smtClean="0">
+                                <a:latin typeface="Cambria Math" panose="02040503050406030204" pitchFamily="18" charset="0"/>
+                              </a:rPr>
+                            </m:ctrlPr>
+                          </m:sSubPr>
+                          <m:e>
+                            <m:r>
+                              <a:rPr lang="en-US" altLang="zh-CN" sz="800" b="0" i="1" smtClean="0">
+                                <a:latin typeface="Cambria Math" panose="02040503050406030204" pitchFamily="18" charset="0"/>
+                              </a:rPr>
+                              <m:t>𝑊</m:t>
+                            </m:r>
+                          </m:e>
+                          <m:sub>
+                            <m:r>
+                              <a:rPr lang="en-US" altLang="zh-CN" sz="800" b="0" i="1" smtClean="0">
+                                <a:latin typeface="Cambria Math" panose="02040503050406030204" pitchFamily="18" charset="0"/>
+                              </a:rPr>
+                              <m:t>𝑖</m:t>
+                            </m:r>
+                          </m:sub>
+                        </m:sSub>
+                      </m:oMath>
+                    </m:oMathPara>
+                  </a14:m>
+                  <a:endParaRPr lang="zh-CN" altLang="en-US" sz="800" dirty="0"/>
+                </a:p>
+              </p:txBody>
+            </p:sp>
+          </mc:Choice>
+          <mc:Fallback>
+            <p:sp>
+              <p:nvSpPr>
+                <p:cNvPr id="57" name="矩形 56"/>
+                <p:cNvSpPr>
+                  <a:spLocks noRot="1" noChangeAspect="1" noMove="1" noResize="1" noEditPoints="1" noAdjustHandles="1" noChangeArrowheads="1" noChangeShapeType="1" noTextEdit="1"/>
+                </p:cNvSpPr>
+                <p:nvPr/>
+              </p:nvSpPr>
+              <p:spPr>
+                <a:xfrm>
+                  <a:off x="4190601" y="1629868"/>
+                  <a:ext cx="300251" cy="300251"/>
+                </a:xfrm>
+                <a:prstGeom prst="rect">
+                  <a:avLst/>
+                </a:prstGeom>
+                <a:blipFill>
+                  <a:blip r:embed="rId4"/>
+                  <a:stretch>
+                    <a:fillRect/>
+                  </a:stretch>
+                </a:blipFill>
+                <a:ln>
+                  <a:solidFill>
+                    <a:srgbClr val="002050"/>
+                  </a:solidFill>
+                </a:ln>
+              </p:spPr>
+              <p:txBody>
+                <a:bodyPr/>
+                <a:lstStyle/>
+                <a:p>
+                  <a:r>
+                    <a:rPr lang="zh-CN" altLang="en-US">
+                      <a:noFill/>
+                    </a:rPr>
+                    <a:t> </a:t>
+                  </a:r>
+                </a:p>
+              </p:txBody>
+            </p:sp>
+          </mc:Fallback>
+        </mc:AlternateContent>
+        <mc:AlternateContent xmlns:mc="http://schemas.openxmlformats.org/markup-compatibility/2006">
+          <mc:Choice xmlns:a14="http://schemas.microsoft.com/office/drawing/2010/main" Requires="a14">
+            <p:sp>
+              <p:nvSpPr>
+                <p:cNvPr id="58" name="矩形 57"/>
+                <p:cNvSpPr/>
+                <p:nvPr/>
+              </p:nvSpPr>
+              <p:spPr>
+                <a:xfrm>
+                  <a:off x="4676304" y="1200048"/>
+                  <a:ext cx="300251" cy="300251"/>
+                </a:xfrm>
+                <a:prstGeom prst="rect">
+                  <a:avLst/>
+                </a:prstGeom>
+                <a:solidFill>
+                  <a:srgbClr val="00B0F0"/>
+                </a:solidFill>
+                <a:ln>
+                  <a:solidFill>
+                    <a:srgbClr val="002050"/>
+                  </a:solidFill>
+                </a:ln>
+              </p:spPr>
+              <p:style>
+                <a:lnRef idx="2">
+                  <a:schemeClr val="accent1">
+                    <a:shade val="50000"/>
+                  </a:schemeClr>
+                </a:lnRef>
+                <a:fillRef idx="1">
+                  <a:schemeClr val="accent1"/>
+                </a:fillRef>
+                <a:effectRef idx="0">
+                  <a:schemeClr val="accent1"/>
+                </a:effectRef>
+                <a:fontRef idx="minor">
+                  <a:schemeClr val="lt1"/>
+                </a:fontRef>
+              </p:style>
+              <p:txBody>
+                <a:bodyPr lIns="0" tIns="0" rIns="0" bIns="0" rtlCol="0" anchor="ctr"/>
+                <a:lstStyle/>
+                <a:p>
+                  <a:pPr algn="just"/>
+                  <a14:m>
+                    <m:oMathPara xmlns:m="http://schemas.openxmlformats.org/officeDocument/2006/math">
+                      <m:oMathParaPr>
+                        <m:jc m:val="center"/>
+                      </m:oMathParaPr>
+                      <m:oMath xmlns:m="http://schemas.openxmlformats.org/officeDocument/2006/math">
+                        <m:sSub>
+                          <m:sSubPr>
+                            <m:ctrlPr>
+                              <a:rPr lang="en-US" altLang="zh-CN" sz="800" i="1" smtClean="0">
+                                <a:latin typeface="Cambria Math" panose="02040503050406030204" pitchFamily="18" charset="0"/>
+                              </a:rPr>
+                            </m:ctrlPr>
+                          </m:sSubPr>
+                          <m:e>
+                            <m:r>
+                              <a:rPr lang="en-US" altLang="zh-CN" sz="800" b="0" i="1" smtClean="0">
+                                <a:latin typeface="Cambria Math" panose="02040503050406030204" pitchFamily="18" charset="0"/>
+                              </a:rPr>
+                              <m:t>𝑦</m:t>
+                            </m:r>
+                          </m:e>
+                          <m:sub>
+                            <m:r>
+                              <a:rPr lang="en-US" altLang="zh-CN" sz="800" b="0" i="1" smtClean="0">
+                                <a:latin typeface="Cambria Math" panose="02040503050406030204" pitchFamily="18" charset="0"/>
+                              </a:rPr>
+                              <m:t>𝑖</m:t>
+                            </m:r>
+                            <m:r>
+                              <a:rPr lang="en-US" altLang="zh-CN" sz="800" b="0" i="1" smtClean="0">
+                                <a:latin typeface="Cambria Math" panose="02040503050406030204" pitchFamily="18" charset="0"/>
+                              </a:rPr>
+                              <m:t>−1</m:t>
+                            </m:r>
+                          </m:sub>
+                        </m:sSub>
+                      </m:oMath>
+                    </m:oMathPara>
+                  </a14:m>
+                  <a:endParaRPr lang="zh-CN" altLang="en-US" sz="800" dirty="0"/>
+                </a:p>
+              </p:txBody>
+            </p:sp>
+          </mc:Choice>
+          <mc:Fallback>
+            <p:sp>
+              <p:nvSpPr>
+                <p:cNvPr id="58" name="矩形 57"/>
+                <p:cNvSpPr>
+                  <a:spLocks noRot="1" noChangeAspect="1" noMove="1" noResize="1" noEditPoints="1" noAdjustHandles="1" noChangeArrowheads="1" noChangeShapeType="1" noTextEdit="1"/>
+                </p:cNvSpPr>
+                <p:nvPr/>
+              </p:nvSpPr>
+              <p:spPr>
+                <a:xfrm>
+                  <a:off x="4676304" y="1200048"/>
+                  <a:ext cx="300251" cy="300251"/>
+                </a:xfrm>
+                <a:prstGeom prst="rect">
+                  <a:avLst/>
+                </a:prstGeom>
+                <a:blipFill>
+                  <a:blip r:embed="rId5"/>
+                  <a:stretch>
+                    <a:fillRect/>
+                  </a:stretch>
+                </a:blipFill>
+                <a:ln>
+                  <a:solidFill>
+                    <a:srgbClr val="002050"/>
+                  </a:solidFill>
+                </a:ln>
+              </p:spPr>
+              <p:txBody>
+                <a:bodyPr/>
+                <a:lstStyle/>
+                <a:p>
+                  <a:r>
+                    <a:rPr lang="zh-CN" altLang="en-US">
+                      <a:noFill/>
+                    </a:rPr>
+                    <a:t> </a:t>
+                  </a:r>
+                </a:p>
+              </p:txBody>
+            </p:sp>
+          </mc:Fallback>
+        </mc:AlternateContent>
+        <mc:AlternateContent xmlns:mc="http://schemas.openxmlformats.org/markup-compatibility/2006">
+          <mc:Choice xmlns:a14="http://schemas.microsoft.com/office/drawing/2010/main" Requires="a14">
+            <p:sp>
+              <p:nvSpPr>
+                <p:cNvPr id="59" name="矩形 58"/>
+                <p:cNvSpPr/>
+                <p:nvPr/>
+              </p:nvSpPr>
+              <p:spPr>
+                <a:xfrm>
+                  <a:off x="4676304" y="2594665"/>
+                  <a:ext cx="300251" cy="300251"/>
+                </a:xfrm>
+                <a:prstGeom prst="rect">
+                  <a:avLst/>
+                </a:prstGeom>
+                <a:solidFill>
+                  <a:srgbClr val="0078D7"/>
+                </a:solidFill>
+                <a:ln>
+                  <a:solidFill>
+                    <a:srgbClr val="00188F"/>
+                  </a:solidFill>
+                </a:ln>
+              </p:spPr>
+              <p:style>
+                <a:lnRef idx="2">
+                  <a:schemeClr val="accent1">
+                    <a:shade val="50000"/>
+                  </a:schemeClr>
+                </a:lnRef>
+                <a:fillRef idx="1">
+                  <a:schemeClr val="accent1"/>
+                </a:fillRef>
+                <a:effectRef idx="0">
+                  <a:schemeClr val="accent1"/>
+                </a:effectRef>
+                <a:fontRef idx="minor">
+                  <a:schemeClr val="lt1"/>
+                </a:fontRef>
+              </p:style>
+              <p:txBody>
+                <a:bodyPr lIns="0" tIns="0" rIns="0" bIns="0" rtlCol="0" anchor="ctr"/>
+                <a:lstStyle/>
+                <a:p>
+                  <a:pPr algn="just"/>
+                  <a14:m>
+                    <m:oMathPara xmlns:m="http://schemas.openxmlformats.org/officeDocument/2006/math">
+                      <m:oMathParaPr>
+                        <m:jc m:val="center"/>
+                      </m:oMathParaPr>
+                      <m:oMath xmlns:m="http://schemas.openxmlformats.org/officeDocument/2006/math">
+                        <m:sSub>
+                          <m:sSubPr>
+                            <m:ctrlPr>
+                              <a:rPr lang="en-US" altLang="zh-CN" sz="800" i="1" smtClean="0">
+                                <a:latin typeface="Cambria Math" panose="02040503050406030204" pitchFamily="18" charset="0"/>
+                              </a:rPr>
+                            </m:ctrlPr>
+                          </m:sSubPr>
+                          <m:e>
+                            <m:r>
+                              <a:rPr lang="en-US" altLang="zh-CN" sz="800" b="0" i="1" smtClean="0">
+                                <a:latin typeface="Cambria Math" panose="02040503050406030204" pitchFamily="18" charset="0"/>
+                              </a:rPr>
+                              <m:t>𝑦</m:t>
+                            </m:r>
+                          </m:e>
+                          <m:sub>
+                            <m:r>
+                              <a:rPr lang="en-US" altLang="zh-CN" sz="800" b="0" i="1" smtClean="0">
+                                <a:latin typeface="Cambria Math" panose="02040503050406030204" pitchFamily="18" charset="0"/>
+                              </a:rPr>
+                              <m:t>𝑖</m:t>
+                            </m:r>
+                          </m:sub>
+                        </m:sSub>
+                      </m:oMath>
+                    </m:oMathPara>
+                  </a14:m>
+                  <a:endParaRPr lang="zh-CN" altLang="en-US" sz="800" dirty="0"/>
+                </a:p>
+              </p:txBody>
+            </p:sp>
+          </mc:Choice>
+          <mc:Fallback>
+            <p:sp>
+              <p:nvSpPr>
+                <p:cNvPr id="59" name="矩形 58"/>
+                <p:cNvSpPr>
+                  <a:spLocks noRot="1" noChangeAspect="1" noMove="1" noResize="1" noEditPoints="1" noAdjustHandles="1" noChangeArrowheads="1" noChangeShapeType="1" noTextEdit="1"/>
+                </p:cNvSpPr>
+                <p:nvPr/>
+              </p:nvSpPr>
+              <p:spPr>
+                <a:xfrm>
+                  <a:off x="4676304" y="2594665"/>
+                  <a:ext cx="300251" cy="300251"/>
+                </a:xfrm>
+                <a:prstGeom prst="rect">
+                  <a:avLst/>
+                </a:prstGeom>
+                <a:blipFill>
+                  <a:blip r:embed="rId6"/>
+                  <a:stretch>
+                    <a:fillRect/>
+                  </a:stretch>
+                </a:blipFill>
+                <a:ln>
+                  <a:solidFill>
+                    <a:srgbClr val="00188F"/>
+                  </a:solidFill>
+                </a:ln>
+              </p:spPr>
+              <p:txBody>
+                <a:bodyPr/>
+                <a:lstStyle/>
+                <a:p>
+                  <a:r>
+                    <a:rPr lang="zh-CN" altLang="en-US">
+                      <a:noFill/>
+                    </a:rPr>
+                    <a:t> </a:t>
+                  </a:r>
+                </a:p>
+              </p:txBody>
+            </p:sp>
+          </mc:Fallback>
+        </mc:AlternateContent>
+        <mc:AlternateContent xmlns:mc="http://schemas.openxmlformats.org/markup-compatibility/2006">
+          <mc:Choice xmlns:a14="http://schemas.microsoft.com/office/drawing/2010/main" Requires="a14">
+            <p:sp>
+              <p:nvSpPr>
+                <p:cNvPr id="60" name="矩形 59"/>
+                <p:cNvSpPr/>
+                <p:nvPr/>
+              </p:nvSpPr>
+              <p:spPr>
+                <a:xfrm>
+                  <a:off x="5694042" y="2576639"/>
+                  <a:ext cx="300251" cy="300251"/>
+                </a:xfrm>
+                <a:prstGeom prst="rect">
+                  <a:avLst/>
+                </a:prstGeom>
+                <a:solidFill>
+                  <a:srgbClr val="00B0F0"/>
+                </a:solidFill>
+                <a:ln>
+                  <a:solidFill>
+                    <a:srgbClr val="002050"/>
+                  </a:solidFill>
+                </a:ln>
+              </p:spPr>
+              <p:style>
+                <a:lnRef idx="2">
+                  <a:schemeClr val="accent1">
+                    <a:shade val="50000"/>
+                  </a:schemeClr>
+                </a:lnRef>
+                <a:fillRef idx="1">
+                  <a:schemeClr val="accent1"/>
+                </a:fillRef>
+                <a:effectRef idx="0">
+                  <a:schemeClr val="accent1"/>
+                </a:effectRef>
+                <a:fontRef idx="minor">
+                  <a:schemeClr val="lt1"/>
+                </a:fontRef>
+              </p:style>
+              <p:txBody>
+                <a:bodyPr rtlCol="0" anchor="ctr"/>
+                <a:lstStyle/>
+                <a:p>
+                  <a:pPr algn="ctr"/>
+                  <a14:m>
+                    <m:oMathPara xmlns:m="http://schemas.openxmlformats.org/officeDocument/2006/math">
+                      <m:oMathParaPr>
+                        <m:jc m:val="centerGroup"/>
+                      </m:oMathParaPr>
+                      <m:oMath xmlns:m="http://schemas.openxmlformats.org/officeDocument/2006/math">
+                        <m:f>
+                          <m:fPr>
+                            <m:ctrlPr>
+                              <a:rPr lang="en-US" altLang="zh-CN" sz="800" i="1" smtClean="0">
+                                <a:latin typeface="Cambria Math" panose="02040503050406030204" pitchFamily="18" charset="0"/>
+                              </a:rPr>
+                            </m:ctrlPr>
+                          </m:fPr>
+                          <m:num>
+                            <m:r>
+                              <a:rPr lang="zh-CN" altLang="en-US" sz="800" i="1" smtClean="0">
+                                <a:latin typeface="Cambria Math" panose="02040503050406030204" pitchFamily="18" charset="0"/>
+                              </a:rPr>
+                              <m:t>𝜕</m:t>
+                            </m:r>
+                            <m:r>
+                              <a:rPr lang="en-US" altLang="zh-CN" sz="800" b="0" i="1" smtClean="0">
+                                <a:latin typeface="Cambria Math" panose="02040503050406030204" pitchFamily="18" charset="0"/>
+                              </a:rPr>
+                              <m:t>𝐸</m:t>
+                            </m:r>
+                          </m:num>
+                          <m:den>
+                            <m:r>
+                              <a:rPr lang="zh-CN" altLang="en-US" sz="800" i="1" smtClean="0">
+                                <a:latin typeface="Cambria Math" panose="02040503050406030204" pitchFamily="18" charset="0"/>
+                              </a:rPr>
+                              <m:t>𝜕</m:t>
+                            </m:r>
+                            <m:sSub>
+                              <m:sSubPr>
+                                <m:ctrlPr>
+                                  <a:rPr lang="en-US" altLang="zh-CN" sz="800" i="1" smtClean="0">
+                                    <a:latin typeface="Cambria Math" panose="02040503050406030204" pitchFamily="18" charset="0"/>
+                                  </a:rPr>
+                                </m:ctrlPr>
+                              </m:sSubPr>
+                              <m:e>
+                                <m:r>
+                                  <a:rPr lang="en-US" altLang="zh-CN" sz="800" b="0" i="1" smtClean="0">
+                                    <a:latin typeface="Cambria Math" panose="02040503050406030204" pitchFamily="18" charset="0"/>
+                                  </a:rPr>
+                                  <m:t>𝑦</m:t>
+                                </m:r>
+                              </m:e>
+                              <m:sub>
+                                <m:r>
+                                  <a:rPr lang="en-US" altLang="zh-CN" sz="800" b="0" i="1" smtClean="0">
+                                    <a:latin typeface="Cambria Math" panose="02040503050406030204" pitchFamily="18" charset="0"/>
+                                  </a:rPr>
+                                  <m:t>𝑖</m:t>
+                                </m:r>
+                              </m:sub>
+                            </m:sSub>
+                          </m:den>
+                        </m:f>
+                      </m:oMath>
+                    </m:oMathPara>
+                  </a14:m>
+                  <a:endParaRPr lang="zh-CN" altLang="en-US" sz="800" dirty="0"/>
+                </a:p>
+              </p:txBody>
+            </p:sp>
+          </mc:Choice>
+          <mc:Fallback>
+            <p:sp>
+              <p:nvSpPr>
+                <p:cNvPr id="60" name="矩形 59"/>
+                <p:cNvSpPr>
+                  <a:spLocks noRot="1" noChangeAspect="1" noMove="1" noResize="1" noEditPoints="1" noAdjustHandles="1" noChangeArrowheads="1" noChangeShapeType="1" noTextEdit="1"/>
+                </p:cNvSpPr>
+                <p:nvPr/>
+              </p:nvSpPr>
+              <p:spPr>
+                <a:xfrm>
+                  <a:off x="5694042" y="2576639"/>
+                  <a:ext cx="300251" cy="300251"/>
+                </a:xfrm>
+                <a:prstGeom prst="rect">
+                  <a:avLst/>
+                </a:prstGeom>
+                <a:blipFill>
+                  <a:blip r:embed="rId7"/>
+                  <a:stretch>
+                    <a:fillRect b="-3922"/>
+                  </a:stretch>
+                </a:blipFill>
+                <a:ln>
+                  <a:solidFill>
+                    <a:srgbClr val="002050"/>
+                  </a:solidFill>
+                </a:ln>
+              </p:spPr>
+              <p:txBody>
+                <a:bodyPr/>
+                <a:lstStyle/>
+                <a:p>
+                  <a:r>
+                    <a:rPr lang="zh-CN" altLang="en-US">
+                      <a:noFill/>
+                    </a:rPr>
+                    <a:t> </a:t>
+                  </a:r>
+                </a:p>
+              </p:txBody>
+            </p:sp>
+          </mc:Fallback>
+        </mc:AlternateContent>
+        <mc:AlternateContent xmlns:mc="http://schemas.openxmlformats.org/markup-compatibility/2006">
+          <mc:Choice xmlns:a14="http://schemas.microsoft.com/office/drawing/2010/main" Requires="a14">
+            <p:sp>
+              <p:nvSpPr>
+                <p:cNvPr id="61" name="矩形 60"/>
+                <p:cNvSpPr/>
+                <p:nvPr/>
+              </p:nvSpPr>
+              <p:spPr>
+                <a:xfrm>
+                  <a:off x="5694043" y="1201271"/>
+                  <a:ext cx="300251" cy="300251"/>
+                </a:xfrm>
+                <a:prstGeom prst="rect">
+                  <a:avLst/>
+                </a:prstGeom>
+                <a:solidFill>
+                  <a:srgbClr val="0078D7"/>
+                </a:solidFill>
+                <a:ln>
+                  <a:solidFill>
+                    <a:srgbClr val="00188F"/>
+                  </a:solidFill>
+                </a:ln>
+              </p:spPr>
+              <p:style>
+                <a:lnRef idx="2">
+                  <a:schemeClr val="accent1">
+                    <a:shade val="50000"/>
+                  </a:schemeClr>
+                </a:lnRef>
+                <a:fillRef idx="1">
+                  <a:schemeClr val="accent1"/>
+                </a:fillRef>
+                <a:effectRef idx="0">
+                  <a:schemeClr val="accent1"/>
+                </a:effectRef>
+                <a:fontRef idx="minor">
+                  <a:schemeClr val="lt1"/>
+                </a:fontRef>
+              </p:style>
+              <p:txBody>
+                <a:bodyPr rtlCol="0" anchor="ctr"/>
+                <a:lstStyle/>
+                <a:p>
+                  <a:pPr algn="ctr"/>
+                  <a14:m>
+                    <m:oMathPara xmlns:m="http://schemas.openxmlformats.org/officeDocument/2006/math">
+                      <m:oMathParaPr>
+                        <m:jc m:val="centerGroup"/>
+                      </m:oMathParaPr>
+                      <m:oMath xmlns:m="http://schemas.openxmlformats.org/officeDocument/2006/math">
+                        <m:f>
+                          <m:fPr>
+                            <m:ctrlPr>
+                              <a:rPr lang="en-US" altLang="zh-CN" sz="800" i="1" smtClean="0">
+                                <a:latin typeface="Cambria Math" panose="02040503050406030204" pitchFamily="18" charset="0"/>
+                              </a:rPr>
+                            </m:ctrlPr>
+                          </m:fPr>
+                          <m:num>
+                            <m:r>
+                              <a:rPr lang="zh-CN" altLang="en-US" sz="800" i="1" smtClean="0">
+                                <a:latin typeface="Cambria Math" panose="02040503050406030204" pitchFamily="18" charset="0"/>
+                              </a:rPr>
+                              <m:t>𝜕</m:t>
+                            </m:r>
+                            <m:r>
+                              <a:rPr lang="en-US" altLang="zh-CN" sz="800" b="0" i="1" smtClean="0">
+                                <a:latin typeface="Cambria Math" panose="02040503050406030204" pitchFamily="18" charset="0"/>
+                              </a:rPr>
+                              <m:t>𝐸</m:t>
+                            </m:r>
+                          </m:num>
+                          <m:den>
+                            <m:r>
+                              <a:rPr lang="zh-CN" altLang="en-US" sz="800" i="1" smtClean="0">
+                                <a:latin typeface="Cambria Math" panose="02040503050406030204" pitchFamily="18" charset="0"/>
+                              </a:rPr>
+                              <m:t>𝜕</m:t>
+                            </m:r>
+                            <m:sSub>
+                              <m:sSubPr>
+                                <m:ctrlPr>
+                                  <a:rPr lang="en-US" altLang="zh-CN" sz="800" i="1" smtClean="0">
+                                    <a:latin typeface="Cambria Math" panose="02040503050406030204" pitchFamily="18" charset="0"/>
+                                  </a:rPr>
+                                </m:ctrlPr>
+                              </m:sSubPr>
+                              <m:e>
+                                <m:r>
+                                  <a:rPr lang="en-US" altLang="zh-CN" sz="800" b="0" i="1" smtClean="0">
+                                    <a:latin typeface="Cambria Math" panose="02040503050406030204" pitchFamily="18" charset="0"/>
+                                  </a:rPr>
+                                  <m:t>𝑦</m:t>
+                                </m:r>
+                              </m:e>
+                              <m:sub>
+                                <m:r>
+                                  <a:rPr lang="en-US" altLang="zh-CN" sz="800" b="0" i="1" smtClean="0">
+                                    <a:latin typeface="Cambria Math" panose="02040503050406030204" pitchFamily="18" charset="0"/>
+                                  </a:rPr>
+                                  <m:t>𝑖</m:t>
+                                </m:r>
+                                <m:r>
+                                  <a:rPr lang="en-US" altLang="zh-CN" sz="800" b="0" i="1" smtClean="0">
+                                    <a:latin typeface="Cambria Math" panose="02040503050406030204" pitchFamily="18" charset="0"/>
+                                  </a:rPr>
+                                  <m:t>−1</m:t>
+                                </m:r>
+                              </m:sub>
+                            </m:sSub>
+                          </m:den>
+                        </m:f>
+                      </m:oMath>
+                    </m:oMathPara>
+                  </a14:m>
+                  <a:endParaRPr lang="zh-CN" altLang="en-US" sz="800" dirty="0"/>
+                </a:p>
+              </p:txBody>
+            </p:sp>
+          </mc:Choice>
+          <mc:Fallback>
+            <p:sp>
+              <p:nvSpPr>
+                <p:cNvPr id="61" name="矩形 60"/>
+                <p:cNvSpPr>
+                  <a:spLocks noRot="1" noChangeAspect="1" noMove="1" noResize="1" noEditPoints="1" noAdjustHandles="1" noChangeArrowheads="1" noChangeShapeType="1" noTextEdit="1"/>
+                </p:cNvSpPr>
+                <p:nvPr/>
+              </p:nvSpPr>
+              <p:spPr>
+                <a:xfrm>
+                  <a:off x="5694043" y="1201271"/>
+                  <a:ext cx="300251" cy="300251"/>
+                </a:xfrm>
+                <a:prstGeom prst="rect">
+                  <a:avLst/>
+                </a:prstGeom>
+                <a:blipFill>
+                  <a:blip r:embed="rId8"/>
+                  <a:stretch>
+                    <a:fillRect l="-5882" b="-3922"/>
+                  </a:stretch>
+                </a:blipFill>
+                <a:ln>
+                  <a:solidFill>
+                    <a:srgbClr val="00188F"/>
+                  </a:solidFill>
+                </a:ln>
+              </p:spPr>
+              <p:txBody>
+                <a:bodyPr/>
+                <a:lstStyle/>
+                <a:p>
+                  <a:r>
+                    <a:rPr lang="zh-CN" altLang="en-US">
+                      <a:noFill/>
+                    </a:rPr>
+                    <a:t> </a:t>
+                  </a:r>
+                </a:p>
+              </p:txBody>
+            </p:sp>
+          </mc:Fallback>
+        </mc:AlternateContent>
+        <p:cxnSp>
+          <p:nvCxnSpPr>
+            <p:cNvPr id="14" name="直接箭头连接符 13"/>
+            <p:cNvCxnSpPr>
+              <a:stCxn id="56" idx="0"/>
+              <a:endCxn id="3" idx="2"/>
+            </p:cNvCxnSpPr>
+            <p:nvPr/>
+          </p:nvCxnSpPr>
+          <p:spPr>
+            <a:xfrm flipV="1">
+              <a:off x="3801639" y="1930120"/>
+              <a:ext cx="0" cy="346268"/>
+            </a:xfrm>
+            <a:prstGeom prst="straightConnector1">
+              <a:avLst/>
+            </a:prstGeom>
+            <a:ln w="12700">
+              <a:solidFill>
+                <a:srgbClr val="525252"/>
+              </a:solidFill>
+              <a:tailEnd type="triangle" w="sm" len="med"/>
+            </a:ln>
+          </p:spPr>
+          <p:style>
+            <a:lnRef idx="1">
+              <a:schemeClr val="accent1"/>
+            </a:lnRef>
+            <a:fillRef idx="0">
+              <a:schemeClr val="accent1"/>
+            </a:fillRef>
+            <a:effectRef idx="0">
+              <a:schemeClr val="accent1"/>
+            </a:effectRef>
+            <a:fontRef idx="minor">
+              <a:schemeClr val="tx1"/>
+            </a:fontRef>
+          </p:style>
+        </p:cxnSp>
+        <p:cxnSp>
+          <p:nvCxnSpPr>
+            <p:cNvPr id="16" name="直接箭头连接符 15"/>
+            <p:cNvCxnSpPr>
+              <a:stCxn id="3" idx="3"/>
+              <a:endCxn id="57" idx="1"/>
+            </p:cNvCxnSpPr>
+            <p:nvPr/>
+          </p:nvCxnSpPr>
+          <p:spPr>
+            <a:xfrm flipV="1">
+              <a:off x="3951764" y="1779994"/>
+              <a:ext cx="238837" cy="1"/>
+            </a:xfrm>
+            <a:prstGeom prst="straightConnector1">
+              <a:avLst/>
+            </a:prstGeom>
+            <a:ln w="12700">
+              <a:solidFill>
+                <a:srgbClr val="525252"/>
+              </a:solidFill>
+              <a:tailEnd type="triangle" w="sm" len="med"/>
+            </a:ln>
+          </p:spPr>
+          <p:style>
+            <a:lnRef idx="1">
+              <a:schemeClr val="accent1"/>
+            </a:lnRef>
+            <a:fillRef idx="0">
+              <a:schemeClr val="accent1"/>
+            </a:fillRef>
+            <a:effectRef idx="0">
+              <a:schemeClr val="accent1"/>
+            </a:effectRef>
+            <a:fontRef idx="minor">
+              <a:schemeClr val="tx1"/>
+            </a:fontRef>
+          </p:style>
+        </p:cxnSp>
+        <p:cxnSp>
+          <p:nvCxnSpPr>
+            <p:cNvPr id="18" name="肘形连接符 17"/>
+            <p:cNvCxnSpPr>
+              <a:stCxn id="57" idx="3"/>
+              <a:endCxn id="55" idx="2"/>
+            </p:cNvCxnSpPr>
+            <p:nvPr/>
+          </p:nvCxnSpPr>
+          <p:spPr>
+            <a:xfrm flipV="1">
+              <a:off x="4490852" y="1779993"/>
+              <a:ext cx="1203191" cy="1"/>
+            </a:xfrm>
+            <a:prstGeom prst="bentConnector3">
+              <a:avLst>
+                <a:gd name="adj1" fmla="val 50000"/>
+              </a:avLst>
+            </a:prstGeom>
+            <a:ln w="12700">
+              <a:solidFill>
+                <a:srgbClr val="525252"/>
+              </a:solidFill>
+              <a:tailEnd type="triangle" w="sm" len="med"/>
+            </a:ln>
+          </p:spPr>
+          <p:style>
+            <a:lnRef idx="1">
+              <a:schemeClr val="accent1"/>
+            </a:lnRef>
+            <a:fillRef idx="0">
+              <a:schemeClr val="accent1"/>
+            </a:fillRef>
+            <a:effectRef idx="0">
+              <a:schemeClr val="accent1"/>
+            </a:effectRef>
+            <a:fontRef idx="minor">
+              <a:schemeClr val="tx1"/>
+            </a:fontRef>
+          </p:style>
+        </p:cxnSp>
+        <p:cxnSp>
+          <p:nvCxnSpPr>
+            <p:cNvPr id="22" name="直接箭头连接符 21"/>
+            <p:cNvCxnSpPr>
+              <a:stCxn id="58" idx="2"/>
+              <a:endCxn id="4" idx="0"/>
+            </p:cNvCxnSpPr>
+            <p:nvPr/>
+          </p:nvCxnSpPr>
+          <p:spPr>
+            <a:xfrm>
+              <a:off x="4826430" y="1500299"/>
+              <a:ext cx="0" cy="485108"/>
+            </a:xfrm>
+            <a:prstGeom prst="straightConnector1">
+              <a:avLst/>
+            </a:prstGeom>
+            <a:ln w="12700">
+              <a:solidFill>
+                <a:srgbClr val="525252"/>
+              </a:solidFill>
+              <a:tailEnd type="triangle" w="sm" len="med"/>
+            </a:ln>
+          </p:spPr>
+          <p:style>
+            <a:lnRef idx="1">
+              <a:schemeClr val="accent1"/>
+            </a:lnRef>
+            <a:fillRef idx="0">
+              <a:schemeClr val="accent1"/>
+            </a:fillRef>
+            <a:effectRef idx="0">
+              <a:schemeClr val="accent1"/>
+            </a:effectRef>
+            <a:fontRef idx="minor">
+              <a:schemeClr val="tx1"/>
+            </a:fontRef>
+          </p:style>
+        </p:cxnSp>
+        <p:cxnSp>
+          <p:nvCxnSpPr>
+            <p:cNvPr id="24" name="直接箭头连接符 23"/>
+            <p:cNvCxnSpPr>
+              <a:stCxn id="4" idx="4"/>
+              <a:endCxn id="59" idx="0"/>
+            </p:cNvCxnSpPr>
+            <p:nvPr/>
+          </p:nvCxnSpPr>
+          <p:spPr>
+            <a:xfrm>
+              <a:off x="4826430" y="2285658"/>
+              <a:ext cx="0" cy="309007"/>
+            </a:xfrm>
+            <a:prstGeom prst="straightConnector1">
+              <a:avLst/>
+            </a:prstGeom>
+            <a:ln w="12700">
+              <a:solidFill>
+                <a:srgbClr val="525252"/>
+              </a:solidFill>
+              <a:tailEnd type="triangle"/>
+            </a:ln>
+          </p:spPr>
+          <p:style>
+            <a:lnRef idx="1">
+              <a:schemeClr val="accent1"/>
+            </a:lnRef>
+            <a:fillRef idx="0">
+              <a:schemeClr val="accent1"/>
+            </a:fillRef>
+            <a:effectRef idx="0">
+              <a:schemeClr val="accent1"/>
+            </a:effectRef>
+            <a:fontRef idx="minor">
+              <a:schemeClr val="tx1"/>
+            </a:fontRef>
+          </p:style>
+        </p:cxnSp>
+        <p:cxnSp>
+          <p:nvCxnSpPr>
+            <p:cNvPr id="36" name="肘形连接符 35"/>
+            <p:cNvCxnSpPr>
+              <a:stCxn id="54" idx="2"/>
+              <a:endCxn id="56" idx="3"/>
+            </p:cNvCxnSpPr>
+            <p:nvPr/>
+          </p:nvCxnSpPr>
+          <p:spPr>
+            <a:xfrm rot="10800000">
+              <a:off x="3951764" y="2426515"/>
+              <a:ext cx="1236332" cy="1"/>
+            </a:xfrm>
+            <a:prstGeom prst="bentConnector3">
+              <a:avLst>
+                <a:gd name="adj1" fmla="val 50000"/>
+              </a:avLst>
+            </a:prstGeom>
+            <a:ln w="12700">
+              <a:solidFill>
+                <a:srgbClr val="525252"/>
+              </a:solidFill>
+              <a:tailEnd type="triangle" w="sm" len="med"/>
+            </a:ln>
+          </p:spPr>
+          <p:style>
+            <a:lnRef idx="1">
+              <a:schemeClr val="accent1"/>
+            </a:lnRef>
+            <a:fillRef idx="0">
+              <a:schemeClr val="accent1"/>
+            </a:fillRef>
+            <a:effectRef idx="0">
+              <a:schemeClr val="accent1"/>
+            </a:effectRef>
+            <a:fontRef idx="minor">
+              <a:schemeClr val="tx1"/>
+            </a:fontRef>
+          </p:style>
+        </p:cxnSp>
+        <p:cxnSp>
+          <p:nvCxnSpPr>
+            <p:cNvPr id="45" name="直接箭头连接符 44"/>
+            <p:cNvCxnSpPr>
+              <a:stCxn id="60" idx="0"/>
+              <a:endCxn id="55" idx="4"/>
+            </p:cNvCxnSpPr>
+            <p:nvPr/>
+          </p:nvCxnSpPr>
+          <p:spPr>
+            <a:xfrm flipV="1">
+              <a:off x="5844168" y="1930118"/>
+              <a:ext cx="1" cy="646521"/>
+            </a:xfrm>
+            <a:prstGeom prst="straightConnector1">
+              <a:avLst/>
+            </a:prstGeom>
+            <a:ln w="12700">
+              <a:solidFill>
+                <a:srgbClr val="525252"/>
+              </a:solidFill>
+              <a:tailEnd type="triangle" w="sm" len="med"/>
+            </a:ln>
+          </p:spPr>
+          <p:style>
+            <a:lnRef idx="1">
+              <a:schemeClr val="accent1"/>
+            </a:lnRef>
+            <a:fillRef idx="0">
+              <a:schemeClr val="accent1"/>
+            </a:fillRef>
+            <a:effectRef idx="0">
+              <a:schemeClr val="accent1"/>
+            </a:effectRef>
+            <a:fontRef idx="minor">
+              <a:schemeClr val="tx1"/>
+            </a:fontRef>
+          </p:style>
+        </p:cxnSp>
+        <p:cxnSp>
+          <p:nvCxnSpPr>
+            <p:cNvPr id="47" name="肘形连接符 46"/>
+            <p:cNvCxnSpPr>
+              <a:stCxn id="60" idx="0"/>
+              <a:endCxn id="54" idx="6"/>
+            </p:cNvCxnSpPr>
+            <p:nvPr/>
+          </p:nvCxnSpPr>
+          <p:spPr>
+            <a:xfrm rot="16200000" flipV="1">
+              <a:off x="5591196" y="2323666"/>
+              <a:ext cx="150124" cy="355821"/>
+            </a:xfrm>
+            <a:prstGeom prst="bentConnector2">
+              <a:avLst/>
+            </a:prstGeom>
+            <a:ln w="12700">
+              <a:solidFill>
+                <a:srgbClr val="525252"/>
+              </a:solidFill>
+              <a:tailEnd type="triangle" w="sm" len="med"/>
+            </a:ln>
+          </p:spPr>
+          <p:style>
+            <a:lnRef idx="1">
+              <a:schemeClr val="accent1"/>
+            </a:lnRef>
+            <a:fillRef idx="0">
+              <a:schemeClr val="accent1"/>
+            </a:fillRef>
+            <a:effectRef idx="0">
+              <a:schemeClr val="accent1"/>
+            </a:effectRef>
+            <a:fontRef idx="minor">
+              <a:schemeClr val="tx1"/>
+            </a:fontRef>
+          </p:style>
+        </p:cxnSp>
+        <p:cxnSp>
+          <p:nvCxnSpPr>
+            <p:cNvPr id="49" name="直接箭头连接符 48"/>
+            <p:cNvCxnSpPr>
+              <a:stCxn id="55" idx="0"/>
+              <a:endCxn id="61" idx="2"/>
+            </p:cNvCxnSpPr>
+            <p:nvPr/>
+          </p:nvCxnSpPr>
+          <p:spPr>
+            <a:xfrm flipV="1">
+              <a:off x="5844169" y="1501522"/>
+              <a:ext cx="0" cy="128345"/>
+            </a:xfrm>
+            <a:prstGeom prst="straightConnector1">
+              <a:avLst/>
+            </a:prstGeom>
+            <a:ln w="12700">
+              <a:solidFill>
+                <a:srgbClr val="525252"/>
+              </a:solidFill>
+              <a:tailEnd type="triangle" w="sm" len="med"/>
+            </a:ln>
+          </p:spPr>
+          <p:style>
+            <a:lnRef idx="1">
+              <a:schemeClr val="accent1"/>
+            </a:lnRef>
+            <a:fillRef idx="0">
+              <a:schemeClr val="accent1"/>
+            </a:fillRef>
+            <a:effectRef idx="0">
+              <a:schemeClr val="accent1"/>
+            </a:effectRef>
+            <a:fontRef idx="minor">
+              <a:schemeClr val="tx1"/>
+            </a:fontRef>
+          </p:style>
+        </p:cxnSp>
+        <p:cxnSp>
+          <p:nvCxnSpPr>
+            <p:cNvPr id="51" name="肘形连接符 50"/>
+            <p:cNvCxnSpPr>
+              <a:stCxn id="58" idx="3"/>
+              <a:endCxn id="54" idx="0"/>
+            </p:cNvCxnSpPr>
+            <p:nvPr/>
+          </p:nvCxnSpPr>
+          <p:spPr>
+            <a:xfrm>
+              <a:off x="4976555" y="1350174"/>
+              <a:ext cx="361667" cy="926215"/>
+            </a:xfrm>
+            <a:prstGeom prst="bentConnector2">
+              <a:avLst/>
+            </a:prstGeom>
+            <a:ln w="12700">
+              <a:solidFill>
+                <a:srgbClr val="525252"/>
+              </a:solidFill>
+              <a:tailEnd type="triangle" w="sm" len="med"/>
+            </a:ln>
+          </p:spPr>
+          <p:style>
+            <a:lnRef idx="1">
+              <a:schemeClr val="accent1"/>
+            </a:lnRef>
+            <a:fillRef idx="0">
+              <a:schemeClr val="accent1"/>
+            </a:fillRef>
+            <a:effectRef idx="0">
+              <a:schemeClr val="accent1"/>
+            </a:effectRef>
+            <a:fontRef idx="minor">
+              <a:schemeClr val="tx1"/>
+            </a:fontRef>
+          </p:style>
+        </p:cxnSp>
+        <p:cxnSp>
+          <p:nvCxnSpPr>
+            <p:cNvPr id="62" name="肘形连接符 61"/>
+            <p:cNvCxnSpPr>
+              <a:stCxn id="57" idx="2"/>
+              <a:endCxn id="4" idx="2"/>
+            </p:cNvCxnSpPr>
+            <p:nvPr/>
+          </p:nvCxnSpPr>
+          <p:spPr>
+            <a:xfrm rot="16200000" flipH="1">
+              <a:off x="4405808" y="1865037"/>
+              <a:ext cx="205414" cy="335577"/>
+            </a:xfrm>
+            <a:prstGeom prst="bentConnector2">
+              <a:avLst/>
+            </a:prstGeom>
+            <a:ln w="12700">
+              <a:solidFill>
+                <a:srgbClr val="525252"/>
+              </a:solidFill>
+              <a:tailEnd type="triangle" w="sm" len="med"/>
+            </a:ln>
+          </p:spPr>
+          <p:style>
+            <a:lnRef idx="1">
+              <a:schemeClr val="accent1"/>
+            </a:lnRef>
+            <a:fillRef idx="0">
+              <a:schemeClr val="accent1"/>
+            </a:fillRef>
+            <a:effectRef idx="0">
+              <a:schemeClr val="accent1"/>
+            </a:effectRef>
+            <a:fontRef idx="minor">
+              <a:schemeClr val="tx1"/>
+            </a:fontRef>
+          </p:style>
+        </p:cxnSp>
+        <mc:AlternateContent xmlns:mc="http://schemas.openxmlformats.org/markup-compatibility/2006">
+          <mc:Choice xmlns:a14="http://schemas.microsoft.com/office/drawing/2010/main" Requires="a14">
+            <p:sp>
+              <p:nvSpPr>
+                <p:cNvPr id="30" name="矩形 29"/>
+                <p:cNvSpPr/>
+                <p:nvPr/>
+              </p:nvSpPr>
+              <p:spPr>
+                <a:xfrm>
+                  <a:off x="4676303" y="3074782"/>
+                  <a:ext cx="300251" cy="300251"/>
+                </a:xfrm>
+                <a:prstGeom prst="rect">
+                  <a:avLst/>
+                </a:prstGeom>
+                <a:solidFill>
+                  <a:srgbClr val="00BCF2"/>
+                </a:solidFill>
+                <a:ln>
+                  <a:solidFill>
+                    <a:srgbClr val="00188F"/>
+                  </a:solidFill>
+                </a:ln>
+              </p:spPr>
+              <p:style>
+                <a:lnRef idx="2">
+                  <a:schemeClr val="accent1">
+                    <a:shade val="50000"/>
+                  </a:schemeClr>
+                </a:lnRef>
+                <a:fillRef idx="1">
+                  <a:schemeClr val="accent1"/>
+                </a:fillRef>
+                <a:effectRef idx="0">
+                  <a:schemeClr val="accent1"/>
+                </a:effectRef>
+                <a:fontRef idx="minor">
+                  <a:schemeClr val="lt1"/>
+                </a:fontRef>
+              </p:style>
+              <p:txBody>
+                <a:bodyPr lIns="0" tIns="0" rIns="0" bIns="0" rtlCol="0" anchor="ctr"/>
+                <a:lstStyle/>
+                <a:p>
+                  <a:pPr algn="just"/>
+                  <a14:m>
+                    <m:oMathPara xmlns:m="http://schemas.openxmlformats.org/officeDocument/2006/math">
+                      <m:oMathParaPr>
+                        <m:jc m:val="center"/>
+                      </m:oMathParaPr>
+                      <m:oMath xmlns:m="http://schemas.openxmlformats.org/officeDocument/2006/math">
+                        <m:sSub>
+                          <m:sSubPr>
+                            <m:ctrlPr>
+                              <a:rPr lang="en-US" altLang="zh-CN" sz="800" i="1" smtClean="0">
+                                <a:latin typeface="Cambria Math" panose="02040503050406030204" pitchFamily="18" charset="0"/>
+                              </a:rPr>
+                            </m:ctrlPr>
+                          </m:sSubPr>
+                          <m:e>
+                            <m:r>
+                              <a:rPr lang="en-US" altLang="zh-CN" sz="800" b="0" i="1" smtClean="0">
+                                <a:latin typeface="Cambria Math" panose="02040503050406030204" pitchFamily="18" charset="0"/>
+                              </a:rPr>
+                              <m:t>𝑦</m:t>
+                            </m:r>
+                          </m:e>
+                          <m:sub>
+                            <m:r>
+                              <a:rPr lang="en-US" altLang="zh-CN" sz="800" b="0" i="1" smtClean="0">
+                                <a:latin typeface="Cambria Math" panose="02040503050406030204" pitchFamily="18" charset="0"/>
+                              </a:rPr>
+                              <m:t>𝑖</m:t>
+                            </m:r>
+                          </m:sub>
+                        </m:sSub>
+                      </m:oMath>
+                    </m:oMathPara>
+                  </a14:m>
+                  <a:endParaRPr lang="zh-CN" altLang="en-US" sz="800" dirty="0"/>
+                </a:p>
+              </p:txBody>
+            </p:sp>
+          </mc:Choice>
+          <mc:Fallback>
+            <p:sp>
+              <p:nvSpPr>
+                <p:cNvPr id="30" name="矩形 29"/>
+                <p:cNvSpPr>
+                  <a:spLocks noRot="1" noChangeAspect="1" noMove="1" noResize="1" noEditPoints="1" noAdjustHandles="1" noChangeArrowheads="1" noChangeShapeType="1" noTextEdit="1"/>
+                </p:cNvSpPr>
+                <p:nvPr/>
+              </p:nvSpPr>
+              <p:spPr>
+                <a:xfrm>
+                  <a:off x="4676303" y="3074782"/>
+                  <a:ext cx="300251" cy="300251"/>
+                </a:xfrm>
+                <a:prstGeom prst="rect">
+                  <a:avLst/>
+                </a:prstGeom>
+                <a:blipFill>
+                  <a:blip r:embed="rId9"/>
+                  <a:stretch>
+                    <a:fillRect/>
+                  </a:stretch>
+                </a:blipFill>
+                <a:ln>
+                  <a:solidFill>
+                    <a:srgbClr val="00188F"/>
+                  </a:solidFill>
+                </a:ln>
+              </p:spPr>
+              <p:txBody>
+                <a:bodyPr/>
+                <a:lstStyle/>
+                <a:p>
+                  <a:r>
+                    <a:rPr lang="zh-CN" altLang="en-US">
+                      <a:noFill/>
+                    </a:rPr>
+                    <a:t> </a:t>
+                  </a:r>
+                </a:p>
+              </p:txBody>
+            </p:sp>
+          </mc:Fallback>
+        </mc:AlternateContent>
+        <p:cxnSp>
+          <p:nvCxnSpPr>
+            <p:cNvPr id="11" name="直接箭头连接符 10"/>
+            <p:cNvCxnSpPr>
+              <a:stCxn id="59" idx="2"/>
+              <a:endCxn id="30" idx="0"/>
+            </p:cNvCxnSpPr>
+            <p:nvPr/>
+          </p:nvCxnSpPr>
+          <p:spPr>
+            <a:xfrm flipH="1">
+              <a:off x="4826429" y="2894916"/>
+              <a:ext cx="1" cy="179866"/>
+            </a:xfrm>
+            <a:prstGeom prst="straightConnector1">
+              <a:avLst/>
+            </a:prstGeom>
+            <a:ln w="12700">
+              <a:solidFill>
+                <a:srgbClr val="525252"/>
+              </a:solidFill>
+              <a:tailEnd type="triangle" w="sm" len="med"/>
+            </a:ln>
+          </p:spPr>
+          <p:style>
+            <a:lnRef idx="1">
+              <a:schemeClr val="dk1"/>
+            </a:lnRef>
+            <a:fillRef idx="0">
+              <a:schemeClr val="dk1"/>
+            </a:fillRef>
+            <a:effectRef idx="0">
+              <a:schemeClr val="dk1"/>
+            </a:effectRef>
+            <a:fontRef idx="minor">
+              <a:schemeClr val="tx1"/>
+            </a:fontRef>
+          </p:style>
+        </p:cxnSp>
+        <mc:AlternateContent xmlns:mc="http://schemas.openxmlformats.org/markup-compatibility/2006">
+          <mc:Choice xmlns:a14="http://schemas.microsoft.com/office/drawing/2010/main" Requires="a14">
+            <p:sp>
+              <p:nvSpPr>
+                <p:cNvPr id="39" name="矩形 38"/>
+                <p:cNvSpPr/>
+                <p:nvPr/>
+              </p:nvSpPr>
+              <p:spPr>
+                <a:xfrm>
+                  <a:off x="5694042" y="3074782"/>
+                  <a:ext cx="300251" cy="300251"/>
+                </a:xfrm>
+                <a:prstGeom prst="rect">
+                  <a:avLst/>
+                </a:prstGeom>
+                <a:solidFill>
+                  <a:srgbClr val="0078D7"/>
+                </a:solidFill>
+                <a:ln>
+                  <a:solidFill>
+                    <a:srgbClr val="002050"/>
+                  </a:solidFill>
+                </a:ln>
+              </p:spPr>
+              <p:style>
+                <a:lnRef idx="2">
+                  <a:schemeClr val="accent1">
+                    <a:shade val="50000"/>
+                  </a:schemeClr>
+                </a:lnRef>
+                <a:fillRef idx="1">
+                  <a:schemeClr val="accent1"/>
+                </a:fillRef>
+                <a:effectRef idx="0">
+                  <a:schemeClr val="accent1"/>
+                </a:effectRef>
+                <a:fontRef idx="minor">
+                  <a:schemeClr val="lt1"/>
+                </a:fontRef>
+              </p:style>
+              <p:txBody>
+                <a:bodyPr rtlCol="0" anchor="ctr"/>
+                <a:lstStyle/>
+                <a:p>
+                  <a:pPr algn="ctr"/>
+                  <a14:m>
+                    <m:oMathPara xmlns:m="http://schemas.openxmlformats.org/officeDocument/2006/math">
+                      <m:oMathParaPr>
+                        <m:jc m:val="centerGroup"/>
+                      </m:oMathParaPr>
+                      <m:oMath xmlns:m="http://schemas.openxmlformats.org/officeDocument/2006/math">
+                        <m:f>
+                          <m:fPr>
+                            <m:ctrlPr>
+                              <a:rPr lang="en-US" altLang="zh-CN" sz="800" i="1" smtClean="0">
+                                <a:latin typeface="Cambria Math" panose="02040503050406030204" pitchFamily="18" charset="0"/>
+                              </a:rPr>
+                            </m:ctrlPr>
+                          </m:fPr>
+                          <m:num>
+                            <m:r>
+                              <a:rPr lang="zh-CN" altLang="en-US" sz="800" i="1" smtClean="0">
+                                <a:latin typeface="Cambria Math" panose="02040503050406030204" pitchFamily="18" charset="0"/>
+                              </a:rPr>
+                              <m:t>𝜕</m:t>
+                            </m:r>
+                            <m:r>
+                              <a:rPr lang="en-US" altLang="zh-CN" sz="800" b="0" i="1" smtClean="0">
+                                <a:latin typeface="Cambria Math" panose="02040503050406030204" pitchFamily="18" charset="0"/>
+                              </a:rPr>
+                              <m:t>𝐸</m:t>
+                            </m:r>
+                          </m:num>
+                          <m:den>
+                            <m:r>
+                              <a:rPr lang="zh-CN" altLang="en-US" sz="800" i="1" smtClean="0">
+                                <a:latin typeface="Cambria Math" panose="02040503050406030204" pitchFamily="18" charset="0"/>
+                              </a:rPr>
+                              <m:t>𝜕</m:t>
+                            </m:r>
+                            <m:sSub>
+                              <m:sSubPr>
+                                <m:ctrlPr>
+                                  <a:rPr lang="en-US" altLang="zh-CN" sz="800" i="1" smtClean="0">
+                                    <a:latin typeface="Cambria Math" panose="02040503050406030204" pitchFamily="18" charset="0"/>
+                                  </a:rPr>
+                                </m:ctrlPr>
+                              </m:sSubPr>
+                              <m:e>
+                                <m:r>
+                                  <a:rPr lang="en-US" altLang="zh-CN" sz="800" b="0" i="1" smtClean="0">
+                                    <a:latin typeface="Cambria Math" panose="02040503050406030204" pitchFamily="18" charset="0"/>
+                                  </a:rPr>
+                                  <m:t>𝑦</m:t>
+                                </m:r>
+                              </m:e>
+                              <m:sub>
+                                <m:r>
+                                  <a:rPr lang="en-US" altLang="zh-CN" sz="800" b="0" i="1" smtClean="0">
+                                    <a:latin typeface="Cambria Math" panose="02040503050406030204" pitchFamily="18" charset="0"/>
+                                  </a:rPr>
+                                  <m:t>𝑖</m:t>
+                                </m:r>
+                              </m:sub>
+                            </m:sSub>
+                          </m:den>
+                        </m:f>
+                      </m:oMath>
+                    </m:oMathPara>
+                  </a14:m>
+                  <a:endParaRPr lang="zh-CN" altLang="en-US" sz="800" dirty="0"/>
+                </a:p>
+              </p:txBody>
+            </p:sp>
+          </mc:Choice>
+          <mc:Fallback>
+            <p:sp>
+              <p:nvSpPr>
+                <p:cNvPr id="39" name="矩形 38"/>
+                <p:cNvSpPr>
+                  <a:spLocks noRot="1" noChangeAspect="1" noMove="1" noResize="1" noEditPoints="1" noAdjustHandles="1" noChangeArrowheads="1" noChangeShapeType="1" noTextEdit="1"/>
+                </p:cNvSpPr>
+                <p:nvPr/>
+              </p:nvSpPr>
+              <p:spPr>
+                <a:xfrm>
+                  <a:off x="5694042" y="3074782"/>
+                  <a:ext cx="300251" cy="300251"/>
+                </a:xfrm>
+                <a:prstGeom prst="rect">
+                  <a:avLst/>
+                </a:prstGeom>
+                <a:blipFill>
+                  <a:blip r:embed="rId10"/>
+                  <a:stretch>
+                    <a:fillRect b="-3846"/>
+                  </a:stretch>
+                </a:blipFill>
+                <a:ln>
+                  <a:solidFill>
+                    <a:srgbClr val="002050"/>
+                  </a:solidFill>
+                </a:ln>
+              </p:spPr>
+              <p:txBody>
+                <a:bodyPr/>
+                <a:lstStyle/>
+                <a:p>
+                  <a:r>
+                    <a:rPr lang="zh-CN" altLang="en-US">
+                      <a:noFill/>
+                    </a:rPr>
+                    <a:t> </a:t>
+                  </a:r>
+                </a:p>
+              </p:txBody>
+            </p:sp>
+          </mc:Fallback>
+        </mc:AlternateContent>
+        <p:cxnSp>
+          <p:nvCxnSpPr>
+            <p:cNvPr id="21" name="直接箭头连接符 20"/>
+            <p:cNvCxnSpPr>
+              <a:stCxn id="39" idx="0"/>
+              <a:endCxn id="60" idx="2"/>
+            </p:cNvCxnSpPr>
+            <p:nvPr/>
+          </p:nvCxnSpPr>
+          <p:spPr>
+            <a:xfrm flipV="1">
+              <a:off x="5844168" y="2876890"/>
+              <a:ext cx="0" cy="197892"/>
+            </a:xfrm>
+            <a:prstGeom prst="straightConnector1">
+              <a:avLst/>
+            </a:prstGeom>
+            <a:ln w="12700">
+              <a:solidFill>
+                <a:srgbClr val="525252"/>
+              </a:solidFill>
+              <a:tailEnd type="triangle"/>
+            </a:ln>
+          </p:spPr>
+          <p:style>
+            <a:lnRef idx="1">
+              <a:schemeClr val="accent1"/>
+            </a:lnRef>
+            <a:fillRef idx="0">
+              <a:schemeClr val="accent1"/>
+            </a:fillRef>
+            <a:effectRef idx="0">
+              <a:schemeClr val="accent1"/>
+            </a:effectRef>
+            <a:fontRef idx="minor">
+              <a:schemeClr val="tx1"/>
+            </a:fontRef>
+          </p:style>
+        </p:cxnSp>
+        <p:cxnSp>
+          <p:nvCxnSpPr>
+            <p:cNvPr id="33" name="直接连接符 32"/>
+            <p:cNvCxnSpPr/>
+            <p:nvPr/>
+          </p:nvCxnSpPr>
+          <p:spPr>
+            <a:xfrm flipV="1">
+              <a:off x="3590098" y="1133115"/>
+              <a:ext cx="0" cy="434117"/>
+            </a:xfrm>
+            <a:prstGeom prst="line">
+              <a:avLst/>
+            </a:prstGeom>
+            <a:ln w="12700">
+              <a:solidFill>
+                <a:srgbClr val="D2D2D2"/>
+              </a:solidFill>
+              <a:prstDash val="dash"/>
+            </a:ln>
+          </p:spPr>
+          <p:style>
+            <a:lnRef idx="1">
+              <a:schemeClr val="accent1"/>
+            </a:lnRef>
+            <a:fillRef idx="0">
+              <a:schemeClr val="accent1"/>
+            </a:fillRef>
+            <a:effectRef idx="0">
+              <a:schemeClr val="accent1"/>
+            </a:effectRef>
+            <a:fontRef idx="minor">
+              <a:schemeClr val="tx1"/>
+            </a:fontRef>
+          </p:style>
+        </p:cxnSp>
+        <p:cxnSp>
+          <p:nvCxnSpPr>
+            <p:cNvPr id="82" name="直接连接符 81"/>
+            <p:cNvCxnSpPr/>
+            <p:nvPr/>
+          </p:nvCxnSpPr>
+          <p:spPr>
+            <a:xfrm flipV="1">
+              <a:off x="6112737" y="1133115"/>
+              <a:ext cx="0" cy="434117"/>
+            </a:xfrm>
+            <a:prstGeom prst="line">
+              <a:avLst/>
+            </a:prstGeom>
+            <a:ln w="12700">
+              <a:solidFill>
+                <a:srgbClr val="D2D2D2"/>
+              </a:solidFill>
+              <a:prstDash val="dash"/>
+            </a:ln>
+          </p:spPr>
+          <p:style>
+            <a:lnRef idx="1">
+              <a:schemeClr val="accent1"/>
+            </a:lnRef>
+            <a:fillRef idx="0">
+              <a:schemeClr val="accent1"/>
+            </a:fillRef>
+            <a:effectRef idx="0">
+              <a:schemeClr val="accent1"/>
+            </a:effectRef>
+            <a:fontRef idx="minor">
+              <a:schemeClr val="tx1"/>
+            </a:fontRef>
+          </p:style>
+        </p:cxnSp>
+        <p:sp>
+          <p:nvSpPr>
+            <p:cNvPr id="34" name="文本框 33"/>
+            <p:cNvSpPr txBox="1"/>
+            <p:nvPr/>
+          </p:nvSpPr>
+          <p:spPr>
+            <a:xfrm>
+              <a:off x="3595704" y="1279832"/>
+              <a:ext cx="675185" cy="261610"/>
+            </a:xfrm>
+            <a:prstGeom prst="rect">
+              <a:avLst/>
+            </a:prstGeom>
+            <a:noFill/>
+          </p:spPr>
+          <p:txBody>
+            <a:bodyPr wrap="none" rtlCol="0">
+              <a:spAutoFit/>
+            </a:bodyPr>
+            <a:lstStyle/>
+            <a:p>
+              <a:r>
+                <a:rPr lang="en-US" altLang="zh-CN" sz="1050" dirty="0" smtClean="0"/>
+                <a:t>Layer i-1</a:t>
+              </a:r>
+              <a:endParaRPr lang="zh-CN" altLang="en-US" sz="1050" dirty="0"/>
+            </a:p>
+          </p:txBody>
+        </p:sp>
+        <p:sp>
+          <p:nvSpPr>
+            <p:cNvPr id="83" name="文本框 82"/>
+            <p:cNvSpPr txBox="1"/>
+            <p:nvPr/>
+          </p:nvSpPr>
+          <p:spPr>
+            <a:xfrm>
+              <a:off x="3590096" y="3201499"/>
+              <a:ext cx="559769" cy="261610"/>
+            </a:xfrm>
+            <a:prstGeom prst="rect">
+              <a:avLst/>
+            </a:prstGeom>
+            <a:noFill/>
+          </p:spPr>
+          <p:txBody>
+            <a:bodyPr wrap="none" rtlCol="0">
+              <a:spAutoFit/>
+            </a:bodyPr>
+            <a:lstStyle/>
+            <a:p>
+              <a:r>
+                <a:rPr lang="en-US" altLang="zh-CN" sz="1050" dirty="0" smtClean="0"/>
+                <a:t>Layer </a:t>
+              </a:r>
+              <a:r>
+                <a:rPr lang="en-US" altLang="zh-CN" sz="1050" dirty="0" err="1" smtClean="0"/>
+                <a:t>i</a:t>
+              </a:r>
+              <a:endParaRPr lang="zh-CN" altLang="en-US" sz="1050" dirty="0"/>
+            </a:p>
+          </p:txBody>
+        </p:sp>
+      </p:grpSp>
+      <p:grpSp>
+        <p:nvGrpSpPr>
+          <p:cNvPr id="147" name="组合 146"/>
+          <p:cNvGrpSpPr/>
+          <p:nvPr/>
+        </p:nvGrpSpPr>
+        <p:grpSpPr>
+          <a:xfrm>
+            <a:off x="4312575" y="1133115"/>
+            <a:ext cx="2525076" cy="1858566"/>
+            <a:chOff x="848002" y="1598879"/>
+            <a:chExt cx="2525076" cy="1858566"/>
+          </a:xfrm>
+        </p:grpSpPr>
+        <p:sp>
+          <p:nvSpPr>
+            <p:cNvPr id="43" name="矩形 42"/>
+            <p:cNvSpPr/>
+            <p:nvPr/>
+          </p:nvSpPr>
+          <p:spPr>
+            <a:xfrm>
+              <a:off x="848004" y="2031441"/>
+              <a:ext cx="2525074" cy="1426004"/>
+            </a:xfrm>
+            <a:prstGeom prst="rect">
+              <a:avLst/>
+            </a:prstGeom>
+            <a:noFill/>
+            <a:ln>
+              <a:solidFill>
+                <a:srgbClr val="D2D2D2"/>
+              </a:solidFill>
+              <a:prstDash val="dash"/>
+            </a:ln>
+          </p:spPr>
+          <p:style>
+            <a:lnRef idx="2">
+              <a:schemeClr val="accent1">
+                <a:shade val="50000"/>
+              </a:schemeClr>
+            </a:lnRef>
+            <a:fillRef idx="1">
+              <a:schemeClr val="accent1"/>
+            </a:fillRef>
+            <a:effectRef idx="0">
+              <a:schemeClr val="accent1"/>
+            </a:effectRef>
+            <a:fontRef idx="minor">
+              <a:schemeClr val="lt1"/>
+            </a:fontRef>
+          </p:style>
+          <p:txBody>
+            <a:bodyPr rtlCol="0" anchor="b"/>
+            <a:lstStyle/>
+            <a:p>
+              <a:endParaRPr lang="zh-CN" altLang="en-US" sz="1200" dirty="0">
+                <a:solidFill>
+                  <a:srgbClr val="525252"/>
+                </a:solidFill>
+              </a:endParaRPr>
+            </a:p>
+          </p:txBody>
+        </p:sp>
+        <mc:AlternateContent xmlns:mc="http://schemas.openxmlformats.org/markup-compatibility/2006">
+          <mc:Choice xmlns:a14="http://schemas.microsoft.com/office/drawing/2010/main" Requires="a14">
+            <p:sp>
+              <p:nvSpPr>
+                <p:cNvPr id="44" name="矩形 43"/>
+                <p:cNvSpPr/>
+                <p:nvPr/>
+              </p:nvSpPr>
+              <p:spPr>
+                <a:xfrm>
+                  <a:off x="909418" y="2093110"/>
+                  <a:ext cx="300251" cy="300251"/>
+                </a:xfrm>
+                <a:prstGeom prst="rect">
+                  <a:avLst/>
+                </a:prstGeom>
+                <a:solidFill>
+                  <a:srgbClr val="B4A0FF"/>
+                </a:solidFill>
+                <a:ln>
+                  <a:solidFill>
+                    <a:srgbClr val="5C2D91"/>
+                  </a:solidFill>
+                </a:ln>
+              </p:spPr>
+              <p:style>
+                <a:lnRef idx="2">
+                  <a:schemeClr val="accent1">
+                    <a:shade val="50000"/>
+                  </a:schemeClr>
+                </a:lnRef>
+                <a:fillRef idx="1">
+                  <a:schemeClr val="accent1"/>
+                </a:fillRef>
+                <a:effectRef idx="0">
+                  <a:schemeClr val="accent1"/>
+                </a:effectRef>
+                <a:fontRef idx="minor">
+                  <a:schemeClr val="lt1"/>
+                </a:fontRef>
+              </p:style>
+              <p:txBody>
+                <a:bodyPr lIns="0" tIns="0" rIns="0" bIns="0" rtlCol="0" anchor="ctr"/>
+                <a:lstStyle/>
+                <a:p>
+                  <a:pPr algn="just"/>
+                  <a14:m>
+                    <m:oMathPara xmlns:m="http://schemas.openxmlformats.org/officeDocument/2006/math">
+                      <m:oMathParaPr>
+                        <m:jc m:val="centerGroup"/>
+                      </m:oMathParaPr>
+                      <m:oMath xmlns:m="http://schemas.openxmlformats.org/officeDocument/2006/math">
+                        <m:sSub>
+                          <m:sSubPr>
+                            <m:ctrlPr>
+                              <a:rPr lang="en-US" altLang="zh-CN" sz="800" i="1" smtClean="0">
+                                <a:latin typeface="Cambria Math" panose="02040503050406030204" pitchFamily="18" charset="0"/>
+                              </a:rPr>
+                            </m:ctrlPr>
+                          </m:sSubPr>
+                          <m:e>
+                            <m:r>
+                              <a:rPr lang="en-US" altLang="zh-CN" sz="800" b="0" i="1" smtClean="0">
+                                <a:latin typeface="Cambria Math" panose="02040503050406030204" pitchFamily="18" charset="0"/>
+                              </a:rPr>
+                              <m:t>𝑊</m:t>
+                            </m:r>
+                          </m:e>
+                          <m:sub>
+                            <m:r>
+                              <a:rPr lang="en-US" altLang="zh-CN" sz="800" b="0" i="1" smtClean="0">
+                                <a:latin typeface="Cambria Math" panose="02040503050406030204" pitchFamily="18" charset="0"/>
+                              </a:rPr>
+                              <m:t>𝑖</m:t>
+                            </m:r>
+                          </m:sub>
+                        </m:sSub>
+                      </m:oMath>
+                    </m:oMathPara>
+                  </a14:m>
+                  <a:endParaRPr lang="zh-CN" altLang="en-US" sz="800" dirty="0"/>
+                </a:p>
+              </p:txBody>
+            </p:sp>
+          </mc:Choice>
+          <mc:Fallback>
+            <p:sp>
+              <p:nvSpPr>
+                <p:cNvPr id="44" name="矩形 43"/>
+                <p:cNvSpPr>
+                  <a:spLocks noRot="1" noChangeAspect="1" noMove="1" noResize="1" noEditPoints="1" noAdjustHandles="1" noChangeArrowheads="1" noChangeShapeType="1" noTextEdit="1"/>
+                </p:cNvSpPr>
+                <p:nvPr/>
+              </p:nvSpPr>
+              <p:spPr>
+                <a:xfrm>
+                  <a:off x="909418" y="2093110"/>
+                  <a:ext cx="300251" cy="300251"/>
+                </a:xfrm>
+                <a:prstGeom prst="rect">
+                  <a:avLst/>
+                </a:prstGeom>
+                <a:blipFill>
+                  <a:blip r:embed="rId11"/>
+                  <a:stretch>
+                    <a:fillRect/>
+                  </a:stretch>
+                </a:blipFill>
+                <a:ln>
+                  <a:solidFill>
+                    <a:srgbClr val="5C2D91"/>
+                  </a:solidFill>
+                </a:ln>
+              </p:spPr>
+              <p:txBody>
+                <a:bodyPr/>
+                <a:lstStyle/>
+                <a:p>
+                  <a:r>
+                    <a:rPr lang="zh-CN" altLang="en-US">
+                      <a:noFill/>
+                    </a:rPr>
+                    <a:t> </a:t>
+                  </a:r>
+                </a:p>
+              </p:txBody>
+            </p:sp>
+          </mc:Fallback>
+        </mc:AlternateContent>
+        <p:sp>
+          <p:nvSpPr>
+            <p:cNvPr id="46" name="椭圆 45"/>
+            <p:cNvSpPr/>
+            <p:nvPr/>
+          </p:nvSpPr>
+          <p:spPr>
+            <a:xfrm>
+              <a:off x="1930804" y="2425932"/>
+              <a:ext cx="300251" cy="300251"/>
+            </a:xfrm>
+            <a:prstGeom prst="ellipse">
+              <a:avLst/>
+            </a:prstGeom>
+            <a:solidFill>
+              <a:srgbClr val="E6E6E6"/>
+            </a:solidFill>
+            <a:ln>
+              <a:solidFill>
+                <a:srgbClr val="525252"/>
+              </a:solidFill>
+            </a:ln>
+          </p:spPr>
+          <p:style>
+            <a:lnRef idx="2">
+              <a:schemeClr val="accent1">
+                <a:shade val="50000"/>
+              </a:schemeClr>
+            </a:lnRef>
+            <a:fillRef idx="1">
+              <a:schemeClr val="accent1"/>
+            </a:fillRef>
+            <a:effectRef idx="0">
+              <a:schemeClr val="accent1"/>
+            </a:effectRef>
+            <a:fontRef idx="minor">
+              <a:schemeClr val="lt1"/>
+            </a:fontRef>
+          </p:style>
+          <p:txBody>
+            <a:bodyPr lIns="0" tIns="0" rIns="0" bIns="0" rtlCol="0" anchor="ctr"/>
+            <a:lstStyle/>
+            <a:p>
+              <a:pPr algn="ctr"/>
+              <a:r>
+                <a:rPr lang="en-US" altLang="zh-CN" sz="800" dirty="0" smtClean="0">
+                  <a:solidFill>
+                    <a:srgbClr val="525252"/>
+                  </a:solidFill>
+                </a:rPr>
+                <a:t>MAC</a:t>
+              </a:r>
+              <a:endParaRPr lang="zh-CN" altLang="en-US" sz="800" dirty="0">
+                <a:solidFill>
+                  <a:srgbClr val="525252"/>
+                </a:solidFill>
+              </a:endParaRPr>
+            </a:p>
+          </p:txBody>
+        </p:sp>
+        <p:sp>
+          <p:nvSpPr>
+            <p:cNvPr id="48" name="椭圆 47"/>
+            <p:cNvSpPr/>
+            <p:nvPr/>
+          </p:nvSpPr>
+          <p:spPr>
+            <a:xfrm>
+              <a:off x="2442595" y="2716914"/>
+              <a:ext cx="300251" cy="300251"/>
+            </a:xfrm>
+            <a:prstGeom prst="ellipse">
+              <a:avLst/>
+            </a:prstGeom>
+            <a:solidFill>
+              <a:srgbClr val="E6E6E6"/>
+            </a:solidFill>
+            <a:ln>
+              <a:solidFill>
+                <a:srgbClr val="525252"/>
+              </a:solidFill>
+            </a:ln>
+          </p:spPr>
+          <p:style>
+            <a:lnRef idx="2">
+              <a:schemeClr val="accent1">
+                <a:shade val="50000"/>
+              </a:schemeClr>
+            </a:lnRef>
+            <a:fillRef idx="1">
+              <a:schemeClr val="accent1"/>
+            </a:fillRef>
+            <a:effectRef idx="0">
+              <a:schemeClr val="accent1"/>
+            </a:effectRef>
+            <a:fontRef idx="minor">
+              <a:schemeClr val="lt1"/>
+            </a:fontRef>
+          </p:style>
+          <p:txBody>
+            <a:bodyPr lIns="0" tIns="0" rIns="0" bIns="0" rtlCol="0" anchor="ctr"/>
+            <a:lstStyle/>
+            <a:p>
+              <a:pPr algn="ctr"/>
+              <a:r>
+                <a:rPr lang="en-US" altLang="zh-CN" sz="800" dirty="0" smtClean="0">
+                  <a:solidFill>
+                    <a:srgbClr val="525252"/>
+                  </a:solidFill>
+                </a:rPr>
+                <a:t>MAC</a:t>
+              </a:r>
+              <a:endParaRPr lang="zh-CN" altLang="en-US" sz="800" dirty="0">
+                <a:solidFill>
+                  <a:srgbClr val="525252"/>
+                </a:solidFill>
+              </a:endParaRPr>
+            </a:p>
+          </p:txBody>
+        </p:sp>
+        <p:sp>
+          <p:nvSpPr>
+            <p:cNvPr id="50" name="椭圆 49"/>
+            <p:cNvSpPr/>
+            <p:nvPr/>
+          </p:nvSpPr>
+          <p:spPr>
+            <a:xfrm>
+              <a:off x="2956576" y="2093108"/>
+              <a:ext cx="300251" cy="300251"/>
+            </a:xfrm>
+            <a:prstGeom prst="ellipse">
+              <a:avLst/>
+            </a:prstGeom>
+            <a:solidFill>
+              <a:srgbClr val="E6E6E6"/>
+            </a:solidFill>
+            <a:ln>
+              <a:solidFill>
+                <a:srgbClr val="525252"/>
+              </a:solidFill>
+            </a:ln>
+          </p:spPr>
+          <p:style>
+            <a:lnRef idx="2">
+              <a:schemeClr val="accent1">
+                <a:shade val="50000"/>
+              </a:schemeClr>
+            </a:lnRef>
+            <a:fillRef idx="1">
+              <a:schemeClr val="accent1"/>
+            </a:fillRef>
+            <a:effectRef idx="0">
+              <a:schemeClr val="accent1"/>
+            </a:effectRef>
+            <a:fontRef idx="minor">
+              <a:schemeClr val="lt1"/>
+            </a:fontRef>
+          </p:style>
+          <p:txBody>
+            <a:bodyPr lIns="0" tIns="0" rIns="0" bIns="0" rtlCol="0" anchor="ctr"/>
+            <a:lstStyle/>
+            <a:p>
+              <a:pPr algn="ctr"/>
+              <a:r>
+                <a:rPr lang="en-US" altLang="zh-CN" sz="800" dirty="0" smtClean="0">
+                  <a:solidFill>
+                    <a:srgbClr val="525252"/>
+                  </a:solidFill>
+                </a:rPr>
+                <a:t>MAC</a:t>
+              </a:r>
+              <a:endParaRPr lang="zh-CN" altLang="en-US" sz="800" dirty="0">
+                <a:solidFill>
+                  <a:srgbClr val="525252"/>
+                </a:solidFill>
+              </a:endParaRPr>
+            </a:p>
+          </p:txBody>
+        </p:sp>
+        <mc:AlternateContent xmlns:mc="http://schemas.openxmlformats.org/markup-compatibility/2006">
+          <mc:Choice xmlns:a14="http://schemas.microsoft.com/office/drawing/2010/main" Requires="a14">
+            <p:sp>
+              <p:nvSpPr>
+                <p:cNvPr id="52" name="矩形 51"/>
+                <p:cNvSpPr/>
+                <p:nvPr/>
+              </p:nvSpPr>
+              <p:spPr>
+                <a:xfrm>
+                  <a:off x="909418" y="2716913"/>
+                  <a:ext cx="300251" cy="300251"/>
+                </a:xfrm>
+                <a:prstGeom prst="rect">
+                  <a:avLst/>
+                </a:prstGeom>
+                <a:solidFill>
+                  <a:srgbClr val="B4A0FF"/>
+                </a:solidFill>
+                <a:ln>
+                  <a:solidFill>
+                    <a:srgbClr val="5C2D91"/>
+                  </a:solidFill>
+                </a:ln>
+              </p:spPr>
+              <p:style>
+                <a:lnRef idx="2">
+                  <a:schemeClr val="accent1">
+                    <a:shade val="50000"/>
+                  </a:schemeClr>
+                </a:lnRef>
+                <a:fillRef idx="1">
+                  <a:schemeClr val="accent1"/>
+                </a:fillRef>
+                <a:effectRef idx="0">
+                  <a:schemeClr val="accent1"/>
+                </a:effectRef>
+                <a:fontRef idx="minor">
+                  <a:schemeClr val="lt1"/>
+                </a:fontRef>
+              </p:style>
+              <p:txBody>
+                <a:bodyPr rtlCol="0" anchor="ctr"/>
+                <a:lstStyle/>
+                <a:p>
+                  <a:pPr algn="ctr"/>
+                  <a14:m>
+                    <m:oMathPara xmlns:m="http://schemas.openxmlformats.org/officeDocument/2006/math">
+                      <m:oMathParaPr>
+                        <m:jc m:val="centerGroup"/>
+                      </m:oMathParaPr>
+                      <m:oMath xmlns:m="http://schemas.openxmlformats.org/officeDocument/2006/math">
+                        <m:f>
+                          <m:fPr>
+                            <m:ctrlPr>
+                              <a:rPr lang="en-US" altLang="zh-CN" sz="800" i="1" smtClean="0">
+                                <a:latin typeface="Cambria Math" panose="02040503050406030204" pitchFamily="18" charset="0"/>
+                              </a:rPr>
+                            </m:ctrlPr>
+                          </m:fPr>
+                          <m:num>
+                            <m:r>
+                              <a:rPr lang="zh-CN" altLang="en-US" sz="800" i="1" smtClean="0">
+                                <a:latin typeface="Cambria Math" panose="02040503050406030204" pitchFamily="18" charset="0"/>
+                              </a:rPr>
+                              <m:t>𝜕</m:t>
+                            </m:r>
+                            <m:r>
+                              <a:rPr lang="en-US" altLang="zh-CN" sz="800" b="0" i="1" smtClean="0">
+                                <a:latin typeface="Cambria Math" panose="02040503050406030204" pitchFamily="18" charset="0"/>
+                              </a:rPr>
+                              <m:t>𝐸</m:t>
+                            </m:r>
+                          </m:num>
+                          <m:den>
+                            <m:r>
+                              <a:rPr lang="zh-CN" altLang="en-US" sz="800" i="1" smtClean="0">
+                                <a:latin typeface="Cambria Math" panose="02040503050406030204" pitchFamily="18" charset="0"/>
+                              </a:rPr>
+                              <m:t>𝜕</m:t>
+                            </m:r>
+                            <m:sSub>
+                              <m:sSubPr>
+                                <m:ctrlPr>
+                                  <a:rPr lang="en-US" altLang="zh-CN" sz="800" i="1" smtClean="0">
+                                    <a:latin typeface="Cambria Math" panose="02040503050406030204" pitchFamily="18" charset="0"/>
+                                  </a:rPr>
+                                </m:ctrlPr>
+                              </m:sSubPr>
+                              <m:e>
+                                <m:r>
+                                  <a:rPr lang="en-US" altLang="zh-CN" sz="800" b="0" i="1" smtClean="0">
+                                    <a:latin typeface="Cambria Math" panose="02040503050406030204" pitchFamily="18" charset="0"/>
+                                  </a:rPr>
+                                  <m:t>𝑊</m:t>
+                                </m:r>
+                              </m:e>
+                              <m:sub>
+                                <m:r>
+                                  <a:rPr lang="en-US" altLang="zh-CN" sz="800" b="0" i="1" smtClean="0">
+                                    <a:latin typeface="Cambria Math" panose="02040503050406030204" pitchFamily="18" charset="0"/>
+                                  </a:rPr>
+                                  <m:t>𝑖</m:t>
+                                </m:r>
+                              </m:sub>
+                            </m:sSub>
+                          </m:den>
+                        </m:f>
+                      </m:oMath>
+                    </m:oMathPara>
+                  </a14:m>
+                  <a:endParaRPr lang="zh-CN" altLang="en-US" sz="800" dirty="0"/>
+                </a:p>
+              </p:txBody>
+            </p:sp>
+          </mc:Choice>
+          <mc:Fallback>
+            <p:sp>
+              <p:nvSpPr>
+                <p:cNvPr id="52" name="矩形 51"/>
+                <p:cNvSpPr>
+                  <a:spLocks noRot="1" noChangeAspect="1" noMove="1" noResize="1" noEditPoints="1" noAdjustHandles="1" noChangeArrowheads="1" noChangeShapeType="1" noTextEdit="1"/>
+                </p:cNvSpPr>
+                <p:nvPr/>
+              </p:nvSpPr>
+              <p:spPr>
+                <a:xfrm>
+                  <a:off x="909418" y="2716913"/>
+                  <a:ext cx="300251" cy="300251"/>
+                </a:xfrm>
+                <a:prstGeom prst="rect">
+                  <a:avLst/>
+                </a:prstGeom>
+                <a:blipFill>
+                  <a:blip r:embed="rId12"/>
+                  <a:stretch>
+                    <a:fillRect/>
+                  </a:stretch>
+                </a:blipFill>
+                <a:ln>
+                  <a:solidFill>
+                    <a:srgbClr val="5C2D91"/>
+                  </a:solidFill>
+                </a:ln>
+              </p:spPr>
+              <p:txBody>
+                <a:bodyPr/>
+                <a:lstStyle/>
+                <a:p>
+                  <a:r>
+                    <a:rPr lang="zh-CN" altLang="en-US">
+                      <a:noFill/>
+                    </a:rPr>
+                    <a:t> </a:t>
+                  </a:r>
+                </a:p>
+              </p:txBody>
+            </p:sp>
+          </mc:Fallback>
+        </mc:AlternateContent>
+        <mc:AlternateContent xmlns:mc="http://schemas.openxmlformats.org/markup-compatibility/2006">
+          <mc:Choice xmlns:a14="http://schemas.microsoft.com/office/drawing/2010/main" Requires="a14">
+            <p:sp>
+              <p:nvSpPr>
+                <p:cNvPr id="63" name="矩形 62"/>
+                <p:cNvSpPr/>
+                <p:nvPr/>
+              </p:nvSpPr>
+              <p:spPr>
+                <a:xfrm>
+                  <a:off x="1930804" y="1642732"/>
+                  <a:ext cx="300251" cy="300251"/>
+                </a:xfrm>
+                <a:prstGeom prst="rect">
+                  <a:avLst/>
+                </a:prstGeom>
+                <a:solidFill>
+                  <a:srgbClr val="B4A0FF"/>
+                </a:solidFill>
+                <a:ln>
+                  <a:solidFill>
+                    <a:srgbClr val="5C2D91"/>
+                  </a:solidFill>
+                </a:ln>
+              </p:spPr>
+              <p:style>
+                <a:lnRef idx="2">
+                  <a:schemeClr val="accent1">
+                    <a:shade val="50000"/>
+                  </a:schemeClr>
+                </a:lnRef>
+                <a:fillRef idx="1">
+                  <a:schemeClr val="accent1"/>
+                </a:fillRef>
+                <a:effectRef idx="0">
+                  <a:schemeClr val="accent1"/>
+                </a:effectRef>
+                <a:fontRef idx="minor">
+                  <a:schemeClr val="lt1"/>
+                </a:fontRef>
+              </p:style>
+              <p:txBody>
+                <a:bodyPr lIns="0" tIns="0" rIns="0" bIns="0" rtlCol="0" anchor="ctr"/>
+                <a:lstStyle/>
+                <a:p>
+                  <a:pPr algn="just"/>
+                  <a14:m>
+                    <m:oMathPara xmlns:m="http://schemas.openxmlformats.org/officeDocument/2006/math">
+                      <m:oMathParaPr>
+                        <m:jc m:val="center"/>
+                      </m:oMathParaPr>
+                      <m:oMath xmlns:m="http://schemas.openxmlformats.org/officeDocument/2006/math">
+                        <m:sSub>
+                          <m:sSubPr>
+                            <m:ctrlPr>
+                              <a:rPr lang="en-US" altLang="zh-CN" sz="800" i="1" smtClean="0">
+                                <a:latin typeface="Cambria Math" panose="02040503050406030204" pitchFamily="18" charset="0"/>
+                              </a:rPr>
+                            </m:ctrlPr>
+                          </m:sSubPr>
+                          <m:e>
+                            <m:r>
+                              <a:rPr lang="en-US" altLang="zh-CN" sz="800" b="0" i="1" smtClean="0">
+                                <a:latin typeface="Cambria Math" panose="02040503050406030204" pitchFamily="18" charset="0"/>
+                              </a:rPr>
+                              <m:t>𝑦</m:t>
+                            </m:r>
+                          </m:e>
+                          <m:sub>
+                            <m:r>
+                              <a:rPr lang="en-US" altLang="zh-CN" sz="800" b="0" i="1" smtClean="0">
+                                <a:latin typeface="Cambria Math" panose="02040503050406030204" pitchFamily="18" charset="0"/>
+                              </a:rPr>
+                              <m:t>𝑖</m:t>
+                            </m:r>
+                            <m:r>
+                              <a:rPr lang="en-US" altLang="zh-CN" sz="800" b="0" i="1" smtClean="0">
+                                <a:latin typeface="Cambria Math" panose="02040503050406030204" pitchFamily="18" charset="0"/>
+                              </a:rPr>
+                              <m:t>−1</m:t>
+                            </m:r>
+                          </m:sub>
+                        </m:sSub>
+                      </m:oMath>
+                    </m:oMathPara>
+                  </a14:m>
+                  <a:endParaRPr lang="zh-CN" altLang="en-US" sz="800" dirty="0"/>
+                </a:p>
+              </p:txBody>
+            </p:sp>
+          </mc:Choice>
+          <mc:Fallback>
+            <p:sp>
+              <p:nvSpPr>
+                <p:cNvPr id="63" name="矩形 62"/>
+                <p:cNvSpPr>
+                  <a:spLocks noRot="1" noChangeAspect="1" noMove="1" noResize="1" noEditPoints="1" noAdjustHandles="1" noChangeArrowheads="1" noChangeShapeType="1" noTextEdit="1"/>
+                </p:cNvSpPr>
+                <p:nvPr/>
+              </p:nvSpPr>
+              <p:spPr>
+                <a:xfrm>
+                  <a:off x="1930804" y="1642732"/>
+                  <a:ext cx="300251" cy="300251"/>
+                </a:xfrm>
+                <a:prstGeom prst="rect">
+                  <a:avLst/>
+                </a:prstGeom>
+                <a:blipFill>
+                  <a:blip r:embed="rId13"/>
+                  <a:stretch>
+                    <a:fillRect/>
+                  </a:stretch>
+                </a:blipFill>
+                <a:ln>
+                  <a:solidFill>
+                    <a:srgbClr val="5C2D91"/>
+                  </a:solidFill>
+                </a:ln>
+              </p:spPr>
+              <p:txBody>
+                <a:bodyPr/>
+                <a:lstStyle/>
+                <a:p>
+                  <a:r>
+                    <a:rPr lang="zh-CN" altLang="en-US">
+                      <a:noFill/>
+                    </a:rPr>
+                    <a:t> </a:t>
+                  </a:r>
+                </a:p>
+              </p:txBody>
+            </p:sp>
+          </mc:Fallback>
+        </mc:AlternateContent>
+        <mc:AlternateContent xmlns:mc="http://schemas.openxmlformats.org/markup-compatibility/2006">
+          <mc:Choice xmlns:a14="http://schemas.microsoft.com/office/drawing/2010/main" Requires="a14">
+            <p:sp>
+              <p:nvSpPr>
+                <p:cNvPr id="66" name="矩形 65"/>
+                <p:cNvSpPr/>
+                <p:nvPr/>
+              </p:nvSpPr>
+              <p:spPr>
+                <a:xfrm>
+                  <a:off x="2956576" y="1639522"/>
+                  <a:ext cx="300251" cy="300251"/>
+                </a:xfrm>
+                <a:prstGeom prst="rect">
+                  <a:avLst/>
+                </a:prstGeom>
+                <a:solidFill>
+                  <a:srgbClr val="B4A0FF"/>
+                </a:solidFill>
+                <a:ln>
+                  <a:solidFill>
+                    <a:srgbClr val="5C2D91"/>
+                  </a:solidFill>
+                </a:ln>
+              </p:spPr>
+              <p:style>
+                <a:lnRef idx="2">
+                  <a:schemeClr val="accent1">
+                    <a:shade val="50000"/>
+                  </a:schemeClr>
+                </a:lnRef>
+                <a:fillRef idx="1">
+                  <a:schemeClr val="accent1"/>
+                </a:fillRef>
+                <a:effectRef idx="0">
+                  <a:schemeClr val="accent1"/>
+                </a:effectRef>
+                <a:fontRef idx="minor">
+                  <a:schemeClr val="lt1"/>
+                </a:fontRef>
+              </p:style>
+              <p:txBody>
+                <a:bodyPr rtlCol="0" anchor="ctr"/>
+                <a:lstStyle/>
+                <a:p>
+                  <a:pPr algn="ctr"/>
+                  <a14:m>
+                    <m:oMathPara xmlns:m="http://schemas.openxmlformats.org/officeDocument/2006/math">
+                      <m:oMathParaPr>
+                        <m:jc m:val="centerGroup"/>
+                      </m:oMathParaPr>
+                      <m:oMath xmlns:m="http://schemas.openxmlformats.org/officeDocument/2006/math">
+                        <m:f>
+                          <m:fPr>
+                            <m:ctrlPr>
+                              <a:rPr lang="en-US" altLang="zh-CN" sz="800" i="1" smtClean="0">
+                                <a:latin typeface="Cambria Math" panose="02040503050406030204" pitchFamily="18" charset="0"/>
+                              </a:rPr>
+                            </m:ctrlPr>
+                          </m:fPr>
+                          <m:num>
+                            <m:r>
+                              <a:rPr lang="zh-CN" altLang="en-US" sz="800" i="1" smtClean="0">
+                                <a:latin typeface="Cambria Math" panose="02040503050406030204" pitchFamily="18" charset="0"/>
+                              </a:rPr>
+                              <m:t>𝜕</m:t>
+                            </m:r>
+                            <m:r>
+                              <a:rPr lang="en-US" altLang="zh-CN" sz="800" b="0" i="1" smtClean="0">
+                                <a:latin typeface="Cambria Math" panose="02040503050406030204" pitchFamily="18" charset="0"/>
+                              </a:rPr>
+                              <m:t>𝐸</m:t>
+                            </m:r>
+                          </m:num>
+                          <m:den>
+                            <m:r>
+                              <a:rPr lang="zh-CN" altLang="en-US" sz="800" i="1" smtClean="0">
+                                <a:latin typeface="Cambria Math" panose="02040503050406030204" pitchFamily="18" charset="0"/>
+                              </a:rPr>
+                              <m:t>𝜕</m:t>
+                            </m:r>
+                            <m:sSub>
+                              <m:sSubPr>
+                                <m:ctrlPr>
+                                  <a:rPr lang="en-US" altLang="zh-CN" sz="800" i="1" smtClean="0">
+                                    <a:latin typeface="Cambria Math" panose="02040503050406030204" pitchFamily="18" charset="0"/>
+                                  </a:rPr>
+                                </m:ctrlPr>
+                              </m:sSubPr>
+                              <m:e>
+                                <m:r>
+                                  <a:rPr lang="en-US" altLang="zh-CN" sz="800" b="0" i="1" smtClean="0">
+                                    <a:latin typeface="Cambria Math" panose="02040503050406030204" pitchFamily="18" charset="0"/>
+                                  </a:rPr>
+                                  <m:t>𝑦</m:t>
+                                </m:r>
+                              </m:e>
+                              <m:sub>
+                                <m:r>
+                                  <a:rPr lang="en-US" altLang="zh-CN" sz="800" b="0" i="1" smtClean="0">
+                                    <a:latin typeface="Cambria Math" panose="02040503050406030204" pitchFamily="18" charset="0"/>
+                                  </a:rPr>
+                                  <m:t>𝑖</m:t>
+                                </m:r>
+                                <m:r>
+                                  <a:rPr lang="en-US" altLang="zh-CN" sz="800" b="0" i="1" smtClean="0">
+                                    <a:latin typeface="Cambria Math" panose="02040503050406030204" pitchFamily="18" charset="0"/>
+                                  </a:rPr>
+                                  <m:t>−1</m:t>
+                                </m:r>
+                              </m:sub>
+                            </m:sSub>
+                          </m:den>
+                        </m:f>
+                      </m:oMath>
+                    </m:oMathPara>
+                  </a14:m>
+                  <a:endParaRPr lang="zh-CN" altLang="en-US" sz="800" dirty="0"/>
+                </a:p>
+              </p:txBody>
+            </p:sp>
+          </mc:Choice>
+          <mc:Fallback>
+            <p:sp>
+              <p:nvSpPr>
+                <p:cNvPr id="66" name="矩形 65"/>
+                <p:cNvSpPr>
+                  <a:spLocks noRot="1" noChangeAspect="1" noMove="1" noResize="1" noEditPoints="1" noAdjustHandles="1" noChangeArrowheads="1" noChangeShapeType="1" noTextEdit="1"/>
+                </p:cNvSpPr>
+                <p:nvPr/>
+              </p:nvSpPr>
+              <p:spPr>
+                <a:xfrm>
+                  <a:off x="2956576" y="1639522"/>
+                  <a:ext cx="300251" cy="300251"/>
+                </a:xfrm>
+                <a:prstGeom prst="rect">
+                  <a:avLst/>
+                </a:prstGeom>
+                <a:blipFill>
+                  <a:blip r:embed="rId14"/>
+                  <a:stretch>
+                    <a:fillRect l="-3846" b="-3922"/>
+                  </a:stretch>
+                </a:blipFill>
+                <a:ln>
+                  <a:solidFill>
+                    <a:srgbClr val="5C2D91"/>
+                  </a:solidFill>
+                </a:ln>
+              </p:spPr>
+              <p:txBody>
+                <a:bodyPr/>
+                <a:lstStyle/>
+                <a:p>
+                  <a:r>
+                    <a:rPr lang="zh-CN" altLang="en-US">
+                      <a:noFill/>
+                    </a:rPr>
+                    <a:t> </a:t>
+                  </a:r>
+                </a:p>
+              </p:txBody>
+            </p:sp>
+          </mc:Fallback>
+        </mc:AlternateContent>
+        <p:cxnSp>
+          <p:nvCxnSpPr>
+            <p:cNvPr id="67" name="直接箭头连接符 66"/>
+            <p:cNvCxnSpPr>
+              <a:stCxn id="52" idx="0"/>
+              <a:endCxn id="44" idx="2"/>
+            </p:cNvCxnSpPr>
+            <p:nvPr/>
+          </p:nvCxnSpPr>
+          <p:spPr>
+            <a:xfrm flipV="1">
+              <a:off x="1059544" y="2393361"/>
+              <a:ext cx="0" cy="323552"/>
+            </a:xfrm>
+            <a:prstGeom prst="straightConnector1">
+              <a:avLst/>
+            </a:prstGeom>
+            <a:ln w="12700">
+              <a:solidFill>
+                <a:srgbClr val="525252"/>
+              </a:solidFill>
+              <a:tailEnd type="triangle" w="sm" len="med"/>
+            </a:ln>
+          </p:spPr>
+          <p:style>
+            <a:lnRef idx="1">
+              <a:schemeClr val="accent1"/>
+            </a:lnRef>
+            <a:fillRef idx="0">
+              <a:schemeClr val="accent1"/>
+            </a:fillRef>
+            <a:effectRef idx="0">
+              <a:schemeClr val="accent1"/>
+            </a:effectRef>
+            <a:fontRef idx="minor">
+              <a:schemeClr val="tx1"/>
+            </a:fontRef>
+          </p:style>
+        </p:cxnSp>
+        <p:cxnSp>
+          <p:nvCxnSpPr>
+            <p:cNvPr id="69" name="肘形连接符 68"/>
+            <p:cNvCxnSpPr>
+              <a:stCxn id="44" idx="3"/>
+              <a:endCxn id="50" idx="2"/>
+            </p:cNvCxnSpPr>
+            <p:nvPr/>
+          </p:nvCxnSpPr>
+          <p:spPr>
+            <a:xfrm flipV="1">
+              <a:off x="1209669" y="2243234"/>
+              <a:ext cx="1746907" cy="2"/>
+            </a:xfrm>
+            <a:prstGeom prst="bentConnector3">
+              <a:avLst>
+                <a:gd name="adj1" fmla="val 50000"/>
+              </a:avLst>
+            </a:prstGeom>
+            <a:ln w="12700">
+              <a:solidFill>
+                <a:srgbClr val="525252"/>
+              </a:solidFill>
+              <a:tailEnd type="triangle" w="sm" len="med"/>
+            </a:ln>
+          </p:spPr>
+          <p:style>
+            <a:lnRef idx="1">
+              <a:schemeClr val="accent1"/>
+            </a:lnRef>
+            <a:fillRef idx="0">
+              <a:schemeClr val="accent1"/>
+            </a:fillRef>
+            <a:effectRef idx="0">
+              <a:schemeClr val="accent1"/>
+            </a:effectRef>
+            <a:fontRef idx="minor">
+              <a:schemeClr val="tx1"/>
+            </a:fontRef>
+          </p:style>
+        </p:cxnSp>
+        <p:cxnSp>
+          <p:nvCxnSpPr>
+            <p:cNvPr id="70" name="直接箭头连接符 69"/>
+            <p:cNvCxnSpPr>
+              <a:stCxn id="63" idx="2"/>
+              <a:endCxn id="46" idx="0"/>
+            </p:cNvCxnSpPr>
+            <p:nvPr/>
+          </p:nvCxnSpPr>
+          <p:spPr>
+            <a:xfrm>
+              <a:off x="2080930" y="1942983"/>
+              <a:ext cx="0" cy="482949"/>
+            </a:xfrm>
+            <a:prstGeom prst="straightConnector1">
+              <a:avLst/>
+            </a:prstGeom>
+            <a:ln w="12700">
+              <a:solidFill>
+                <a:srgbClr val="525252"/>
+              </a:solidFill>
+              <a:tailEnd type="triangle" w="sm" len="med"/>
+            </a:ln>
+          </p:spPr>
+          <p:style>
+            <a:lnRef idx="1">
+              <a:schemeClr val="accent1"/>
+            </a:lnRef>
+            <a:fillRef idx="0">
+              <a:schemeClr val="accent1"/>
+            </a:fillRef>
+            <a:effectRef idx="0">
+              <a:schemeClr val="accent1"/>
+            </a:effectRef>
+            <a:fontRef idx="minor">
+              <a:schemeClr val="tx1"/>
+            </a:fontRef>
+          </p:style>
+        </p:cxnSp>
+        <p:cxnSp>
+          <p:nvCxnSpPr>
+            <p:cNvPr id="71" name="直接箭头连接符 70"/>
+            <p:cNvCxnSpPr>
+              <a:stCxn id="46" idx="4"/>
+              <a:endCxn id="78" idx="0"/>
+            </p:cNvCxnSpPr>
+            <p:nvPr/>
+          </p:nvCxnSpPr>
+          <p:spPr>
+            <a:xfrm flipH="1">
+              <a:off x="2080929" y="2726183"/>
+              <a:ext cx="1" cy="367911"/>
+            </a:xfrm>
+            <a:prstGeom prst="straightConnector1">
+              <a:avLst/>
+            </a:prstGeom>
+            <a:ln w="12700">
+              <a:solidFill>
+                <a:srgbClr val="525252"/>
+              </a:solidFill>
+              <a:tailEnd type="triangle"/>
+            </a:ln>
+          </p:spPr>
+          <p:style>
+            <a:lnRef idx="1">
+              <a:schemeClr val="accent1"/>
+            </a:lnRef>
+            <a:fillRef idx="0">
+              <a:schemeClr val="accent1"/>
+            </a:fillRef>
+            <a:effectRef idx="0">
+              <a:schemeClr val="accent1"/>
+            </a:effectRef>
+            <a:fontRef idx="minor">
+              <a:schemeClr val="tx1"/>
+            </a:fontRef>
+          </p:style>
+        </p:cxnSp>
+        <p:cxnSp>
+          <p:nvCxnSpPr>
+            <p:cNvPr id="72" name="肘形连接符 71"/>
+            <p:cNvCxnSpPr>
+              <a:stCxn id="48" idx="2"/>
+              <a:endCxn id="52" idx="3"/>
+            </p:cNvCxnSpPr>
+            <p:nvPr/>
+          </p:nvCxnSpPr>
+          <p:spPr>
+            <a:xfrm rot="10800000">
+              <a:off x="1209669" y="2867040"/>
+              <a:ext cx="1232926" cy="1"/>
+            </a:xfrm>
+            <a:prstGeom prst="bentConnector3">
+              <a:avLst>
+                <a:gd name="adj1" fmla="val 50000"/>
+              </a:avLst>
+            </a:prstGeom>
+            <a:ln w="12700">
+              <a:solidFill>
+                <a:srgbClr val="525252"/>
+              </a:solidFill>
+              <a:tailEnd type="triangle" w="sm" len="med"/>
+            </a:ln>
+          </p:spPr>
+          <p:style>
+            <a:lnRef idx="1">
+              <a:schemeClr val="accent1"/>
+            </a:lnRef>
+            <a:fillRef idx="0">
+              <a:schemeClr val="accent1"/>
+            </a:fillRef>
+            <a:effectRef idx="0">
+              <a:schemeClr val="accent1"/>
+            </a:effectRef>
+            <a:fontRef idx="minor">
+              <a:schemeClr val="tx1"/>
+            </a:fontRef>
+          </p:style>
+        </p:cxnSp>
+        <p:cxnSp>
+          <p:nvCxnSpPr>
+            <p:cNvPr id="75" name="直接箭头连接符 74"/>
+            <p:cNvCxnSpPr>
+              <a:stCxn id="50" idx="0"/>
+              <a:endCxn id="66" idx="2"/>
+            </p:cNvCxnSpPr>
+            <p:nvPr/>
+          </p:nvCxnSpPr>
+          <p:spPr>
+            <a:xfrm flipV="1">
+              <a:off x="3106702" y="1939773"/>
+              <a:ext cx="0" cy="153335"/>
+            </a:xfrm>
+            <a:prstGeom prst="straightConnector1">
+              <a:avLst/>
+            </a:prstGeom>
+            <a:ln w="12700">
+              <a:solidFill>
+                <a:srgbClr val="525252"/>
+              </a:solidFill>
+              <a:tailEnd type="triangle" w="sm" len="med"/>
+            </a:ln>
+          </p:spPr>
+          <p:style>
+            <a:lnRef idx="1">
+              <a:schemeClr val="accent1"/>
+            </a:lnRef>
+            <a:fillRef idx="0">
+              <a:schemeClr val="accent1"/>
+            </a:fillRef>
+            <a:effectRef idx="0">
+              <a:schemeClr val="accent1"/>
+            </a:effectRef>
+            <a:fontRef idx="minor">
+              <a:schemeClr val="tx1"/>
+            </a:fontRef>
+          </p:style>
+        </p:cxnSp>
+        <p:cxnSp>
+          <p:nvCxnSpPr>
+            <p:cNvPr id="76" name="肘形连接符 75"/>
+            <p:cNvCxnSpPr>
+              <a:stCxn id="63" idx="3"/>
+              <a:endCxn id="48" idx="0"/>
+            </p:cNvCxnSpPr>
+            <p:nvPr/>
+          </p:nvCxnSpPr>
+          <p:spPr>
+            <a:xfrm>
+              <a:off x="2231055" y="1792858"/>
+              <a:ext cx="361666" cy="924056"/>
+            </a:xfrm>
+            <a:prstGeom prst="bentConnector2">
+              <a:avLst/>
+            </a:prstGeom>
+            <a:ln w="12700">
+              <a:solidFill>
+                <a:srgbClr val="525252"/>
+              </a:solidFill>
+              <a:tailEnd type="triangle" w="sm" len="med"/>
+            </a:ln>
+          </p:spPr>
+          <p:style>
+            <a:lnRef idx="1">
+              <a:schemeClr val="accent1"/>
+            </a:lnRef>
+            <a:fillRef idx="0">
+              <a:schemeClr val="accent1"/>
+            </a:fillRef>
+            <a:effectRef idx="0">
+              <a:schemeClr val="accent1"/>
+            </a:effectRef>
+            <a:fontRef idx="minor">
+              <a:schemeClr val="tx1"/>
+            </a:fontRef>
+          </p:style>
+        </p:cxnSp>
+        <p:cxnSp>
+          <p:nvCxnSpPr>
+            <p:cNvPr id="77" name="肘形连接符 76"/>
+            <p:cNvCxnSpPr>
+              <a:stCxn id="44" idx="3"/>
+              <a:endCxn id="46" idx="2"/>
+            </p:cNvCxnSpPr>
+            <p:nvPr/>
+          </p:nvCxnSpPr>
+          <p:spPr>
+            <a:xfrm>
+              <a:off x="1209669" y="2243236"/>
+              <a:ext cx="721135" cy="332822"/>
+            </a:xfrm>
+            <a:prstGeom prst="bentConnector3">
+              <a:avLst>
+                <a:gd name="adj1" fmla="val 50000"/>
+              </a:avLst>
+            </a:prstGeom>
+            <a:ln w="12700">
+              <a:solidFill>
+                <a:srgbClr val="525252"/>
+              </a:solidFill>
+              <a:tailEnd type="triangle" w="sm" len="med"/>
+            </a:ln>
+          </p:spPr>
+          <p:style>
+            <a:lnRef idx="1">
+              <a:schemeClr val="accent1"/>
+            </a:lnRef>
+            <a:fillRef idx="0">
+              <a:schemeClr val="accent1"/>
+            </a:fillRef>
+            <a:effectRef idx="0">
+              <a:schemeClr val="accent1"/>
+            </a:effectRef>
+            <a:fontRef idx="minor">
+              <a:schemeClr val="tx1"/>
+            </a:fontRef>
+          </p:style>
+        </p:cxnSp>
+        <mc:AlternateContent xmlns:mc="http://schemas.openxmlformats.org/markup-compatibility/2006">
+          <mc:Choice xmlns:a14="http://schemas.microsoft.com/office/drawing/2010/main" Requires="a14">
+            <p:sp>
+              <p:nvSpPr>
+                <p:cNvPr id="78" name="矩形 77"/>
+                <p:cNvSpPr/>
+                <p:nvPr/>
+              </p:nvSpPr>
+              <p:spPr>
+                <a:xfrm>
+                  <a:off x="1930803" y="3094094"/>
+                  <a:ext cx="300251" cy="300251"/>
+                </a:xfrm>
+                <a:prstGeom prst="rect">
+                  <a:avLst/>
+                </a:prstGeom>
+                <a:solidFill>
+                  <a:srgbClr val="B4A0FF"/>
+                </a:solidFill>
+                <a:ln>
+                  <a:solidFill>
+                    <a:srgbClr val="5C2D91"/>
+                  </a:solidFill>
+                </a:ln>
+              </p:spPr>
+              <p:style>
+                <a:lnRef idx="2">
+                  <a:schemeClr val="accent1">
+                    <a:shade val="50000"/>
+                  </a:schemeClr>
+                </a:lnRef>
+                <a:fillRef idx="1">
+                  <a:schemeClr val="accent1"/>
+                </a:fillRef>
+                <a:effectRef idx="0">
+                  <a:schemeClr val="accent1"/>
+                </a:effectRef>
+                <a:fontRef idx="minor">
+                  <a:schemeClr val="lt1"/>
+                </a:fontRef>
+              </p:style>
+              <p:txBody>
+                <a:bodyPr lIns="0" tIns="0" rIns="0" bIns="0" rtlCol="0" anchor="ctr"/>
+                <a:lstStyle/>
+                <a:p>
+                  <a:pPr algn="just"/>
+                  <a14:m>
+                    <m:oMathPara xmlns:m="http://schemas.openxmlformats.org/officeDocument/2006/math">
+                      <m:oMathParaPr>
+                        <m:jc m:val="center"/>
+                      </m:oMathParaPr>
+                      <m:oMath xmlns:m="http://schemas.openxmlformats.org/officeDocument/2006/math">
+                        <m:sSub>
+                          <m:sSubPr>
+                            <m:ctrlPr>
+                              <a:rPr lang="en-US" altLang="zh-CN" sz="800" i="1" smtClean="0">
+                                <a:latin typeface="Cambria Math" panose="02040503050406030204" pitchFamily="18" charset="0"/>
+                              </a:rPr>
+                            </m:ctrlPr>
+                          </m:sSubPr>
+                          <m:e>
+                            <m:r>
+                              <a:rPr lang="en-US" altLang="zh-CN" sz="800" b="0" i="1" smtClean="0">
+                                <a:latin typeface="Cambria Math" panose="02040503050406030204" pitchFamily="18" charset="0"/>
+                              </a:rPr>
+                              <m:t>𝑦</m:t>
+                            </m:r>
+                          </m:e>
+                          <m:sub>
+                            <m:r>
+                              <a:rPr lang="en-US" altLang="zh-CN" sz="800" b="0" i="1" smtClean="0">
+                                <a:latin typeface="Cambria Math" panose="02040503050406030204" pitchFamily="18" charset="0"/>
+                              </a:rPr>
+                              <m:t>𝑖</m:t>
+                            </m:r>
+                          </m:sub>
+                        </m:sSub>
+                      </m:oMath>
+                    </m:oMathPara>
+                  </a14:m>
+                  <a:endParaRPr lang="zh-CN" altLang="en-US" sz="800" dirty="0"/>
+                </a:p>
+              </p:txBody>
+            </p:sp>
+          </mc:Choice>
+          <mc:Fallback>
+            <p:sp>
+              <p:nvSpPr>
+                <p:cNvPr id="78" name="矩形 77"/>
+                <p:cNvSpPr>
+                  <a:spLocks noRot="1" noChangeAspect="1" noMove="1" noResize="1" noEditPoints="1" noAdjustHandles="1" noChangeArrowheads="1" noChangeShapeType="1" noTextEdit="1"/>
+                </p:cNvSpPr>
+                <p:nvPr/>
+              </p:nvSpPr>
+              <p:spPr>
+                <a:xfrm>
+                  <a:off x="1930803" y="3094094"/>
+                  <a:ext cx="300251" cy="300251"/>
+                </a:xfrm>
+                <a:prstGeom prst="rect">
+                  <a:avLst/>
+                </a:prstGeom>
+                <a:blipFill>
+                  <a:blip r:embed="rId15"/>
+                  <a:stretch>
+                    <a:fillRect/>
+                  </a:stretch>
+                </a:blipFill>
+                <a:ln>
+                  <a:solidFill>
+                    <a:srgbClr val="5C2D91"/>
+                  </a:solidFill>
+                </a:ln>
+              </p:spPr>
+              <p:txBody>
+                <a:bodyPr/>
+                <a:lstStyle/>
+                <a:p>
+                  <a:r>
+                    <a:rPr lang="zh-CN" altLang="en-US">
+                      <a:noFill/>
+                    </a:rPr>
+                    <a:t> </a:t>
+                  </a:r>
+                </a:p>
+              </p:txBody>
+            </p:sp>
+          </mc:Fallback>
+        </mc:AlternateContent>
+        <mc:AlternateContent xmlns:mc="http://schemas.openxmlformats.org/markup-compatibility/2006">
+          <mc:Choice xmlns:a14="http://schemas.microsoft.com/office/drawing/2010/main" Requires="a14">
+            <p:sp>
+              <p:nvSpPr>
+                <p:cNvPr id="80" name="矩形 79"/>
+                <p:cNvSpPr/>
+                <p:nvPr/>
+              </p:nvSpPr>
+              <p:spPr>
+                <a:xfrm>
+                  <a:off x="2956575" y="3094094"/>
+                  <a:ext cx="300251" cy="300251"/>
+                </a:xfrm>
+                <a:prstGeom prst="rect">
+                  <a:avLst/>
+                </a:prstGeom>
+                <a:solidFill>
+                  <a:srgbClr val="B4A0FF"/>
+                </a:solidFill>
+                <a:ln>
+                  <a:solidFill>
+                    <a:srgbClr val="5C2D91"/>
+                  </a:solidFill>
+                </a:ln>
+              </p:spPr>
+              <p:style>
+                <a:lnRef idx="2">
+                  <a:schemeClr val="accent1">
+                    <a:shade val="50000"/>
+                  </a:schemeClr>
+                </a:lnRef>
+                <a:fillRef idx="1">
+                  <a:schemeClr val="accent1"/>
+                </a:fillRef>
+                <a:effectRef idx="0">
+                  <a:schemeClr val="accent1"/>
+                </a:effectRef>
+                <a:fontRef idx="minor">
+                  <a:schemeClr val="lt1"/>
+                </a:fontRef>
+              </p:style>
+              <p:txBody>
+                <a:bodyPr rtlCol="0" anchor="ctr"/>
+                <a:lstStyle/>
+                <a:p>
+                  <a:pPr algn="ctr"/>
+                  <a14:m>
+                    <m:oMathPara xmlns:m="http://schemas.openxmlformats.org/officeDocument/2006/math">
+                      <m:oMathParaPr>
+                        <m:jc m:val="centerGroup"/>
+                      </m:oMathParaPr>
+                      <m:oMath xmlns:m="http://schemas.openxmlformats.org/officeDocument/2006/math">
+                        <m:f>
+                          <m:fPr>
+                            <m:ctrlPr>
+                              <a:rPr lang="en-US" altLang="zh-CN" sz="800" i="1" smtClean="0">
+                                <a:latin typeface="Cambria Math" panose="02040503050406030204" pitchFamily="18" charset="0"/>
+                              </a:rPr>
+                            </m:ctrlPr>
+                          </m:fPr>
+                          <m:num>
+                            <m:r>
+                              <a:rPr lang="zh-CN" altLang="en-US" sz="800" i="1" smtClean="0">
+                                <a:latin typeface="Cambria Math" panose="02040503050406030204" pitchFamily="18" charset="0"/>
+                              </a:rPr>
+                              <m:t>𝜕</m:t>
+                            </m:r>
+                            <m:r>
+                              <a:rPr lang="en-US" altLang="zh-CN" sz="800" b="0" i="1" smtClean="0">
+                                <a:latin typeface="Cambria Math" panose="02040503050406030204" pitchFamily="18" charset="0"/>
+                              </a:rPr>
+                              <m:t>𝐸</m:t>
+                            </m:r>
+                          </m:num>
+                          <m:den>
+                            <m:r>
+                              <a:rPr lang="zh-CN" altLang="en-US" sz="800" i="1" smtClean="0">
+                                <a:latin typeface="Cambria Math" panose="02040503050406030204" pitchFamily="18" charset="0"/>
+                              </a:rPr>
+                              <m:t>𝜕</m:t>
+                            </m:r>
+                            <m:sSub>
+                              <m:sSubPr>
+                                <m:ctrlPr>
+                                  <a:rPr lang="en-US" altLang="zh-CN" sz="800" i="1" smtClean="0">
+                                    <a:latin typeface="Cambria Math" panose="02040503050406030204" pitchFamily="18" charset="0"/>
+                                  </a:rPr>
+                                </m:ctrlPr>
+                              </m:sSubPr>
+                              <m:e>
+                                <m:r>
+                                  <a:rPr lang="en-US" altLang="zh-CN" sz="800" b="0" i="1" smtClean="0">
+                                    <a:latin typeface="Cambria Math" panose="02040503050406030204" pitchFamily="18" charset="0"/>
+                                  </a:rPr>
+                                  <m:t>𝑦</m:t>
+                                </m:r>
+                              </m:e>
+                              <m:sub>
+                                <m:r>
+                                  <a:rPr lang="en-US" altLang="zh-CN" sz="800" b="0" i="1" smtClean="0">
+                                    <a:latin typeface="Cambria Math" panose="02040503050406030204" pitchFamily="18" charset="0"/>
+                                  </a:rPr>
+                                  <m:t>𝑖</m:t>
+                                </m:r>
+                              </m:sub>
+                            </m:sSub>
+                          </m:den>
+                        </m:f>
+                      </m:oMath>
+                    </m:oMathPara>
+                  </a14:m>
+                  <a:endParaRPr lang="zh-CN" altLang="en-US" sz="800" dirty="0"/>
+                </a:p>
+              </p:txBody>
+            </p:sp>
+          </mc:Choice>
+          <mc:Fallback>
+            <p:sp>
+              <p:nvSpPr>
+                <p:cNvPr id="80" name="矩形 79"/>
+                <p:cNvSpPr>
+                  <a:spLocks noRot="1" noChangeAspect="1" noMove="1" noResize="1" noEditPoints="1" noAdjustHandles="1" noChangeArrowheads="1" noChangeShapeType="1" noTextEdit="1"/>
+                </p:cNvSpPr>
+                <p:nvPr/>
+              </p:nvSpPr>
+              <p:spPr>
+                <a:xfrm>
+                  <a:off x="2956575" y="3094094"/>
+                  <a:ext cx="300251" cy="300251"/>
+                </a:xfrm>
+                <a:prstGeom prst="rect">
+                  <a:avLst/>
+                </a:prstGeom>
+                <a:blipFill>
+                  <a:blip r:embed="rId16"/>
+                  <a:stretch>
+                    <a:fillRect b="-5882"/>
+                  </a:stretch>
+                </a:blipFill>
+                <a:ln>
+                  <a:solidFill>
+                    <a:srgbClr val="5C2D91"/>
+                  </a:solidFill>
+                </a:ln>
+              </p:spPr>
+              <p:txBody>
+                <a:bodyPr/>
+                <a:lstStyle/>
+                <a:p>
+                  <a:r>
+                    <a:rPr lang="zh-CN" altLang="en-US">
+                      <a:noFill/>
+                    </a:rPr>
+                    <a:t> </a:t>
+                  </a:r>
+                </a:p>
+              </p:txBody>
+            </p:sp>
+          </mc:Fallback>
+        </mc:AlternateContent>
+        <p:cxnSp>
+          <p:nvCxnSpPr>
+            <p:cNvPr id="81" name="直接箭头连接符 80"/>
+            <p:cNvCxnSpPr>
+              <a:stCxn id="80" idx="0"/>
+              <a:endCxn id="50" idx="4"/>
+            </p:cNvCxnSpPr>
+            <p:nvPr/>
+          </p:nvCxnSpPr>
+          <p:spPr>
+            <a:xfrm flipV="1">
+              <a:off x="3106701" y="2393359"/>
+              <a:ext cx="1" cy="700735"/>
+            </a:xfrm>
+            <a:prstGeom prst="straightConnector1">
+              <a:avLst/>
+            </a:prstGeom>
+            <a:ln w="12700">
+              <a:solidFill>
+                <a:srgbClr val="525252"/>
+              </a:solidFill>
+              <a:tailEnd type="triangle"/>
+            </a:ln>
+          </p:spPr>
+          <p:style>
+            <a:lnRef idx="1">
+              <a:schemeClr val="accent1"/>
+            </a:lnRef>
+            <a:fillRef idx="0">
+              <a:schemeClr val="accent1"/>
+            </a:fillRef>
+            <a:effectRef idx="0">
+              <a:schemeClr val="accent1"/>
+            </a:effectRef>
+            <a:fontRef idx="minor">
+              <a:schemeClr val="tx1"/>
+            </a:fontRef>
+          </p:style>
+        </p:cxnSp>
+        <p:cxnSp>
+          <p:nvCxnSpPr>
+            <p:cNvPr id="84" name="直接连接符 83"/>
+            <p:cNvCxnSpPr/>
+            <p:nvPr/>
+          </p:nvCxnSpPr>
+          <p:spPr>
+            <a:xfrm flipV="1">
+              <a:off x="848003" y="1598879"/>
+              <a:ext cx="0" cy="434117"/>
+            </a:xfrm>
+            <a:prstGeom prst="line">
+              <a:avLst/>
+            </a:prstGeom>
+            <a:ln w="12700">
+              <a:solidFill>
+                <a:srgbClr val="D2D2D2"/>
+              </a:solidFill>
+              <a:prstDash val="dash"/>
+            </a:ln>
+          </p:spPr>
+          <p:style>
+            <a:lnRef idx="1">
+              <a:schemeClr val="accent1"/>
+            </a:lnRef>
+            <a:fillRef idx="0">
+              <a:schemeClr val="accent1"/>
+            </a:fillRef>
+            <a:effectRef idx="0">
+              <a:schemeClr val="accent1"/>
+            </a:effectRef>
+            <a:fontRef idx="minor">
+              <a:schemeClr val="tx1"/>
+            </a:fontRef>
+          </p:style>
+        </p:cxnSp>
+        <p:cxnSp>
+          <p:nvCxnSpPr>
+            <p:cNvPr id="85" name="直接连接符 84"/>
+            <p:cNvCxnSpPr/>
+            <p:nvPr/>
+          </p:nvCxnSpPr>
+          <p:spPr>
+            <a:xfrm flipV="1">
+              <a:off x="3373077" y="1598879"/>
+              <a:ext cx="0" cy="434117"/>
+            </a:xfrm>
+            <a:prstGeom prst="line">
+              <a:avLst/>
+            </a:prstGeom>
+            <a:ln w="12700">
+              <a:solidFill>
+                <a:srgbClr val="D2D2D2"/>
+              </a:solidFill>
+              <a:prstDash val="dash"/>
+            </a:ln>
+          </p:spPr>
+          <p:style>
+            <a:lnRef idx="1">
+              <a:schemeClr val="accent1"/>
+            </a:lnRef>
+            <a:fillRef idx="0">
+              <a:schemeClr val="accent1"/>
+            </a:fillRef>
+            <a:effectRef idx="0">
+              <a:schemeClr val="accent1"/>
+            </a:effectRef>
+            <a:fontRef idx="minor">
+              <a:schemeClr val="tx1"/>
+            </a:fontRef>
+          </p:style>
+        </p:cxnSp>
+        <p:sp>
+          <p:nvSpPr>
+            <p:cNvPr id="86" name="文本框 85"/>
+            <p:cNvSpPr txBox="1"/>
+            <p:nvPr/>
+          </p:nvSpPr>
+          <p:spPr>
+            <a:xfrm>
+              <a:off x="853609" y="1745596"/>
+              <a:ext cx="675185" cy="261610"/>
+            </a:xfrm>
+            <a:prstGeom prst="rect">
+              <a:avLst/>
+            </a:prstGeom>
+            <a:noFill/>
+          </p:spPr>
+          <p:txBody>
+            <a:bodyPr wrap="none" rtlCol="0">
+              <a:spAutoFit/>
+            </a:bodyPr>
+            <a:lstStyle/>
+            <a:p>
+              <a:r>
+                <a:rPr lang="en-US" altLang="zh-CN" sz="1050" dirty="0" smtClean="0"/>
+                <a:t>Layer i-1</a:t>
+              </a:r>
+              <a:endParaRPr lang="zh-CN" altLang="en-US" sz="1050" dirty="0"/>
+            </a:p>
+          </p:txBody>
+        </p:sp>
+        <p:sp>
+          <p:nvSpPr>
+            <p:cNvPr id="87" name="文本框 86"/>
+            <p:cNvSpPr txBox="1"/>
+            <p:nvPr/>
+          </p:nvSpPr>
+          <p:spPr>
+            <a:xfrm>
+              <a:off x="848002" y="3145801"/>
+              <a:ext cx="559769" cy="261610"/>
+            </a:xfrm>
+            <a:prstGeom prst="rect">
+              <a:avLst/>
+            </a:prstGeom>
+            <a:noFill/>
+          </p:spPr>
+          <p:txBody>
+            <a:bodyPr wrap="none" rtlCol="0">
+              <a:spAutoFit/>
+            </a:bodyPr>
+            <a:lstStyle/>
+            <a:p>
+              <a:r>
+                <a:rPr lang="en-US" altLang="zh-CN" sz="1050" dirty="0" smtClean="0"/>
+                <a:t>Layer </a:t>
+              </a:r>
+              <a:r>
+                <a:rPr lang="en-US" altLang="zh-CN" sz="1050" dirty="0" err="1" smtClean="0"/>
+                <a:t>i</a:t>
+              </a:r>
+              <a:endParaRPr lang="zh-CN" altLang="en-US" sz="1050" dirty="0"/>
+            </a:p>
+          </p:txBody>
+        </p:sp>
+        <p:cxnSp>
+          <p:nvCxnSpPr>
+            <p:cNvPr id="125" name="直接箭头连接符 124"/>
+            <p:cNvCxnSpPr>
+              <a:endCxn id="48" idx="6"/>
+            </p:cNvCxnSpPr>
+            <p:nvPr/>
+          </p:nvCxnSpPr>
+          <p:spPr>
+            <a:xfrm flipH="1">
+              <a:off x="2742846" y="2867040"/>
+              <a:ext cx="361662" cy="0"/>
+            </a:xfrm>
+            <a:prstGeom prst="straightConnector1">
+              <a:avLst/>
+            </a:prstGeom>
+            <a:ln w="12700">
+              <a:solidFill>
+                <a:srgbClr val="525252"/>
+              </a:solidFill>
+              <a:tailEnd type="triangle" w="sm" len="med"/>
+            </a:ln>
+          </p:spPr>
+          <p:style>
+            <a:lnRef idx="1">
+              <a:schemeClr val="accent1"/>
+            </a:lnRef>
+            <a:fillRef idx="0">
+              <a:schemeClr val="accent1"/>
+            </a:fillRef>
+            <a:effectRef idx="0">
+              <a:schemeClr val="accent1"/>
+            </a:effectRef>
+            <a:fontRef idx="minor">
+              <a:schemeClr val="tx1"/>
+            </a:fontRef>
+          </p:style>
+        </p:cxnSp>
+      </p:grpSp>
       <p:sp>
         <p:nvSpPr>
-          <p:cNvPr id="2" name="矩形 1"/>
+          <p:cNvPr id="144" name="矩形 143"/>
           <p:cNvSpPr/>
           <p:nvPr/>
         </p:nvSpPr>
         <p:spPr>
           <a:xfrm>
-            <a:off x="736979" y="1617261"/>
-            <a:ext cx="2674961" cy="1277661"/>
+            <a:off x="4423666" y="3216661"/>
+            <a:ext cx="611143" cy="207583"/>
           </a:xfrm>
           <a:prstGeom prst="rect">
             <a:avLst/>
           </a:prstGeom>
-          <a:noFill/>
-          <a:ln>
-            <a:solidFill>
-              <a:srgbClr val="D2D2D2"/>
-            </a:solidFill>
-            <a:prstDash val="dash"/>
-          </a:ln>
-        </p:spPr>
-        <p:style>
-          <a:lnRef idx="2">
-            <a:schemeClr val="accent1">
-              <a:shade val="50000"/>
-            </a:schemeClr>
-          </a:lnRef>
-          <a:fillRef idx="1">
-            <a:schemeClr val="accent1"/>
-          </a:fillRef>
-          <a:effectRef idx="0">
-            <a:schemeClr val="accent1"/>
-          </a:effectRef>
-          <a:fontRef idx="minor">
-            <a:schemeClr val="lt1"/>
-          </a:fontRef>
-        </p:style>
-        <p:txBody>
-          <a:bodyPr rtlCol="0" anchor="ctr"/>
-          <a:lstStyle/>
-          <a:p>
-            <a:pPr algn="ctr"/>
-            <a:endParaRPr lang="zh-CN" altLang="en-US" sz="1600"/>
-          </a:p>
-        </p:txBody>
-      </p:sp>
-      <mc:AlternateContent xmlns:mc="http://schemas.openxmlformats.org/markup-compatibility/2006">
-        <mc:Choice xmlns:a14="http://schemas.microsoft.com/office/drawing/2010/main" Requires="a14">
-          <p:sp>
-            <p:nvSpPr>
-              <p:cNvPr id="3" name="矩形 2"/>
-              <p:cNvSpPr/>
-              <p:nvPr/>
-            </p:nvSpPr>
-            <p:spPr>
-              <a:xfrm>
-                <a:off x="798394" y="1740092"/>
-                <a:ext cx="300251" cy="300251"/>
-              </a:xfrm>
-              <a:prstGeom prst="rect">
-                <a:avLst/>
-              </a:prstGeom>
-              <a:solidFill>
-                <a:srgbClr val="0078D7"/>
-              </a:solidFill>
-              <a:ln>
-                <a:solidFill>
-                  <a:srgbClr val="002050"/>
-                </a:solidFill>
-              </a:ln>
-            </p:spPr>
-            <p:style>
-              <a:lnRef idx="2">
-                <a:schemeClr val="accent1">
-                  <a:shade val="50000"/>
-                </a:schemeClr>
-              </a:lnRef>
-              <a:fillRef idx="1">
-                <a:schemeClr val="accent1"/>
-              </a:fillRef>
-              <a:effectRef idx="0">
-                <a:schemeClr val="accent1"/>
-              </a:effectRef>
-              <a:fontRef idx="minor">
-                <a:schemeClr val="lt1"/>
-              </a:fontRef>
-            </p:style>
-            <p:txBody>
-              <a:bodyPr lIns="0" tIns="0" rIns="0" bIns="0" rtlCol="0" anchor="ctr"/>
-              <a:lstStyle/>
-              <a:p>
-                <a:pPr algn="just"/>
-                <a14:m>
-                  <m:oMathPara xmlns:m="http://schemas.openxmlformats.org/officeDocument/2006/math">
-                    <m:oMathParaPr>
-                      <m:jc m:val="centerGroup"/>
-                    </m:oMathParaPr>
-                    <m:oMath xmlns:m="http://schemas.openxmlformats.org/officeDocument/2006/math">
-                      <m:sSub>
-                        <m:sSubPr>
-                          <m:ctrlPr>
-                            <a:rPr lang="en-US" altLang="zh-CN" sz="800" i="1" smtClean="0">
-                              <a:latin typeface="Cambria Math" panose="02040503050406030204" pitchFamily="18" charset="0"/>
-                            </a:rPr>
-                          </m:ctrlPr>
-                        </m:sSubPr>
-                        <m:e>
-                          <m:r>
-                            <a:rPr lang="en-US" altLang="zh-CN" sz="800" b="0" i="1" smtClean="0">
-                              <a:latin typeface="Cambria Math" panose="02040503050406030204" pitchFamily="18" charset="0"/>
-                            </a:rPr>
-                            <m:t>𝑊</m:t>
-                          </m:r>
-                        </m:e>
-                        <m:sub>
-                          <m:r>
-                            <a:rPr lang="en-US" altLang="zh-CN" sz="800" b="0" i="1" smtClean="0">
-                              <a:latin typeface="Cambria Math" panose="02040503050406030204" pitchFamily="18" charset="0"/>
-                            </a:rPr>
-                            <m:t>𝑖</m:t>
-                          </m:r>
-                        </m:sub>
-                      </m:sSub>
-                    </m:oMath>
-                  </m:oMathPara>
-                </a14:m>
-                <a:endParaRPr lang="zh-CN" altLang="en-US" sz="800" dirty="0"/>
-              </a:p>
-            </p:txBody>
-          </p:sp>
-        </mc:Choice>
-        <mc:Fallback>
-          <p:sp>
-            <p:nvSpPr>
-              <p:cNvPr id="3" name="矩形 2"/>
-              <p:cNvSpPr>
-                <a:spLocks noRot="1" noChangeAspect="1" noMove="1" noResize="1" noEditPoints="1" noAdjustHandles="1" noChangeArrowheads="1" noChangeShapeType="1" noTextEdit="1"/>
-              </p:cNvSpPr>
-              <p:nvPr/>
-            </p:nvSpPr>
-            <p:spPr>
-              <a:xfrm>
-                <a:off x="798394" y="1740092"/>
-                <a:ext cx="300251" cy="300251"/>
-              </a:xfrm>
-              <a:prstGeom prst="rect">
-                <a:avLst/>
-              </a:prstGeom>
-              <a:blipFill>
-                <a:blip r:embed="rId2"/>
-                <a:stretch>
-                  <a:fillRect/>
-                </a:stretch>
-              </a:blipFill>
-              <a:ln>
-                <a:solidFill>
-                  <a:srgbClr val="002050"/>
-                </a:solidFill>
-              </a:ln>
-            </p:spPr>
-            <p:txBody>
-              <a:bodyPr/>
-              <a:lstStyle/>
-              <a:p>
-                <a:r>
-                  <a:rPr lang="zh-CN" altLang="en-US">
-                    <a:noFill/>
-                  </a:rPr>
-                  <a:t> </a:t>
-                </a:r>
-              </a:p>
-            </p:txBody>
-          </p:sp>
-        </mc:Fallback>
-      </mc:AlternateContent>
-      <p:sp>
-        <p:nvSpPr>
-          <p:cNvPr id="4" name="椭圆 3"/>
-          <p:cNvSpPr/>
-          <p:nvPr/>
-        </p:nvSpPr>
-        <p:spPr>
-          <a:xfrm>
-            <a:off x="1978925" y="2210938"/>
-            <a:ext cx="300251" cy="300251"/>
-          </a:xfrm>
-          <a:prstGeom prst="ellipse">
-            <a:avLst/>
-          </a:prstGeom>
           <a:solidFill>
-            <a:srgbClr val="E6E6E6"/>
+            <a:srgbClr val="B4A0FF"/>
           </a:solidFill>
           <a:ln>
             <a:solidFill>
-              <a:srgbClr val="525252"/>
+              <a:srgbClr val="5C2D91"/>
             </a:solidFill>
           </a:ln>
         </p:spPr>
@@ -3409,41 +7077,89 @@
           <a:p>
             <a:pPr algn="ctr"/>
             <a:r>
-              <a:rPr lang="en-US" altLang="zh-CN" sz="800" dirty="0" smtClean="0">
-                <a:solidFill>
-                  <a:srgbClr val="525252"/>
-                </a:solidFill>
-              </a:rPr>
-              <a:t>MAC</a:t>
+              <a:rPr lang="en-US" altLang="zh-CN" sz="800" dirty="0" smtClean="0"/>
+              <a:t>float 32</a:t>
             </a:r>
-            <a:endParaRPr lang="zh-CN" altLang="en-US" sz="800" dirty="0">
-              <a:solidFill>
-                <a:srgbClr val="525252"/>
-              </a:solidFill>
-            </a:endParaRPr>
+            <a:endParaRPr lang="zh-CN" altLang="en-US" sz="800" dirty="0"/>
           </a:p>
         </p:txBody>
       </p:sp>
       <p:sp>
         <p:nvSpPr>
-          <p:cNvPr id="54" name="椭圆 53"/>
+          <p:cNvPr id="145" name="矩形 144"/>
           <p:cNvSpPr/>
           <p:nvPr/>
         </p:nvSpPr>
         <p:spPr>
           <a:xfrm>
-            <a:off x="2429301" y="2501920"/>
-            <a:ext cx="300251" cy="300251"/>
+            <a:off x="5274102" y="3220796"/>
+            <a:ext cx="610031" cy="207583"/>
           </a:xfrm>
-          <a:prstGeom prst="ellipse">
+          <a:prstGeom prst="rect">
             <a:avLst/>
           </a:prstGeom>
           <a:solidFill>
-            <a:srgbClr val="E6E6E6"/>
+            <a:srgbClr val="0078D7"/>
           </a:solidFill>
           <a:ln>
             <a:solidFill>
-              <a:srgbClr val="525252"/>
+              <a:srgbClr val="00188F"/>
+            </a:solidFill>
+          </a:ln>
+        </p:spPr>
+        <p:style>
+          <a:lnRef idx="2">
+            <a:schemeClr val="accent1">
+              <a:shade val="50000"/>
+            </a:schemeClr>
+          </a:lnRef>
+          <a:fillRef idx="1">
+            <a:schemeClr val="accent1"/>
+          </a:fillRef>
+          <a:effectRef idx="0">
+            <a:schemeClr val="accent1"/>
+          </a:effectRef>
+          <a:fontRef idx="minor">
+            <a:schemeClr val="lt1"/>
+          </a:fontRef>
+        </p:style>
+        <p:txBody>
+          <a:bodyPr rtlCol="0" anchor="ctr"/>
+          <a:lstStyle/>
+          <a:p>
+            <a:pPr algn="ctr"/>
+            <a:r>
+              <a:rPr lang="en-US" altLang="zh-CN" sz="800" dirty="0" err="1" smtClean="0"/>
+              <a:t>int</a:t>
+            </a:r>
+            <a:r>
+              <a:rPr lang="en-US" altLang="zh-CN" sz="800" dirty="0" smtClean="0"/>
+              <a:t> 32</a:t>
+            </a:r>
+            <a:endParaRPr lang="zh-CN" altLang="en-US" sz="800" dirty="0"/>
+          </a:p>
+        </p:txBody>
+      </p:sp>
+      <p:sp>
+        <p:nvSpPr>
+          <p:cNvPr id="146" name="矩形 145"/>
+          <p:cNvSpPr/>
+          <p:nvPr/>
+        </p:nvSpPr>
+        <p:spPr>
+          <a:xfrm>
+            <a:off x="6123427" y="3216660"/>
+            <a:ext cx="604686" cy="207583"/>
+          </a:xfrm>
+          <a:prstGeom prst="rect">
+            <a:avLst/>
+          </a:prstGeom>
+          <a:solidFill>
+            <a:srgbClr val="00B0F0"/>
+          </a:solidFill>
+          <a:ln>
+            <a:solidFill>
+              <a:srgbClr val="002050"/>
             </a:solidFill>
           </a:ln>
         </p:spPr>
@@ -3469,1367 +7185,17 @@
           <a:p>
             <a:pPr algn="ctr"/>
             <a:r>
-              <a:rPr lang="en-US" altLang="zh-CN" sz="800" dirty="0" smtClean="0">
-                <a:solidFill>
-                  <a:srgbClr val="525252"/>
-                </a:solidFill>
-              </a:rPr>
-              <a:t>MAC</a:t>
+              <a:rPr lang="en-US" altLang="zh-CN" sz="800" dirty="0" err="1" smtClean="0"/>
+              <a:t>int</a:t>
             </a:r>
-            <a:endParaRPr lang="zh-CN" altLang="en-US" sz="800" dirty="0">
-              <a:solidFill>
-                <a:srgbClr val="525252"/>
-              </a:solidFill>
-            </a:endParaRPr>
+            <a:r>
+              <a:rPr lang="en-US" altLang="zh-CN" sz="800" dirty="0" smtClean="0"/>
+              <a:t> 8</a:t>
+            </a:r>
+            <a:endParaRPr lang="zh-CN" altLang="en-US" sz="800" dirty="0"/>
           </a:p>
         </p:txBody>
       </p:sp>
-      <p:sp>
-        <p:nvSpPr>
-          <p:cNvPr id="55" name="椭圆 54"/>
-          <p:cNvSpPr/>
-          <p:nvPr/>
-        </p:nvSpPr>
-        <p:spPr>
-          <a:xfrm>
-            <a:off x="2920619" y="1740090"/>
-            <a:ext cx="300251" cy="300251"/>
-          </a:xfrm>
-          <a:prstGeom prst="ellipse">
-            <a:avLst/>
-          </a:prstGeom>
-          <a:solidFill>
-            <a:srgbClr val="E6E6E6"/>
-          </a:solidFill>
-          <a:ln>
-            <a:solidFill>
-              <a:srgbClr val="525252"/>
-            </a:solidFill>
-          </a:ln>
-        </p:spPr>
-        <p:style>
-          <a:lnRef idx="2">
-            <a:schemeClr val="accent1">
-              <a:shade val="50000"/>
-            </a:schemeClr>
-          </a:lnRef>
-          <a:fillRef idx="1">
-            <a:schemeClr val="accent1"/>
-          </a:fillRef>
-          <a:effectRef idx="0">
-            <a:schemeClr val="accent1"/>
-          </a:effectRef>
-          <a:fontRef idx="minor">
-            <a:schemeClr val="lt1"/>
-          </a:fontRef>
-        </p:style>
-        <p:txBody>
-          <a:bodyPr lIns="0" tIns="0" rIns="0" bIns="0" rtlCol="0" anchor="ctr"/>
-          <a:lstStyle/>
-          <a:p>
-            <a:pPr algn="ctr"/>
-            <a:r>
-              <a:rPr lang="en-US" altLang="zh-CN" sz="800" dirty="0" smtClean="0">
-                <a:solidFill>
-                  <a:srgbClr val="525252"/>
-                </a:solidFill>
-              </a:rPr>
-              <a:t>MAC</a:t>
-            </a:r>
-            <a:endParaRPr lang="zh-CN" altLang="en-US" sz="800" dirty="0">
-              <a:solidFill>
-                <a:srgbClr val="525252"/>
-              </a:solidFill>
-            </a:endParaRPr>
-          </a:p>
-        </p:txBody>
-      </p:sp>
-      <mc:AlternateContent xmlns:mc="http://schemas.openxmlformats.org/markup-compatibility/2006">
-        <mc:Choice xmlns:a14="http://schemas.microsoft.com/office/drawing/2010/main" Requires="a14">
-          <p:sp>
-            <p:nvSpPr>
-              <p:cNvPr id="56" name="矩形 55"/>
-              <p:cNvSpPr/>
-              <p:nvPr/>
-            </p:nvSpPr>
-            <p:spPr>
-              <a:xfrm>
-                <a:off x="798394" y="2501919"/>
-                <a:ext cx="300251" cy="300251"/>
-              </a:xfrm>
-              <a:prstGeom prst="rect">
-                <a:avLst/>
-              </a:prstGeom>
-              <a:solidFill>
-                <a:srgbClr val="0078D7"/>
-              </a:solidFill>
-              <a:ln>
-                <a:solidFill>
-                  <a:srgbClr val="002050"/>
-                </a:solidFill>
-              </a:ln>
-            </p:spPr>
-            <p:style>
-              <a:lnRef idx="2">
-                <a:schemeClr val="accent1">
-                  <a:shade val="50000"/>
-                </a:schemeClr>
-              </a:lnRef>
-              <a:fillRef idx="1">
-                <a:schemeClr val="accent1"/>
-              </a:fillRef>
-              <a:effectRef idx="0">
-                <a:schemeClr val="accent1"/>
-              </a:effectRef>
-              <a:fontRef idx="minor">
-                <a:schemeClr val="lt1"/>
-              </a:fontRef>
-            </p:style>
-            <p:txBody>
-              <a:bodyPr rtlCol="0" anchor="ctr"/>
-              <a:lstStyle/>
-              <a:p>
-                <a:pPr algn="ctr"/>
-                <a14:m>
-                  <m:oMathPara xmlns:m="http://schemas.openxmlformats.org/officeDocument/2006/math">
-                    <m:oMathParaPr>
-                      <m:jc m:val="centerGroup"/>
-                    </m:oMathParaPr>
-                    <m:oMath xmlns:m="http://schemas.openxmlformats.org/officeDocument/2006/math">
-                      <m:f>
-                        <m:fPr>
-                          <m:ctrlPr>
-                            <a:rPr lang="en-US" altLang="zh-CN" sz="800" i="1" smtClean="0">
-                              <a:latin typeface="Cambria Math" panose="02040503050406030204" pitchFamily="18" charset="0"/>
-                            </a:rPr>
-                          </m:ctrlPr>
-                        </m:fPr>
-                        <m:num>
-                          <m:r>
-                            <a:rPr lang="zh-CN" altLang="en-US" sz="800" i="1" smtClean="0">
-                              <a:latin typeface="Cambria Math" panose="02040503050406030204" pitchFamily="18" charset="0"/>
-                            </a:rPr>
-                            <m:t>𝜕</m:t>
-                          </m:r>
-                          <m:r>
-                            <a:rPr lang="en-US" altLang="zh-CN" sz="800" b="0" i="1" smtClean="0">
-                              <a:latin typeface="Cambria Math" panose="02040503050406030204" pitchFamily="18" charset="0"/>
-                            </a:rPr>
-                            <m:t>𝐸</m:t>
-                          </m:r>
-                        </m:num>
-                        <m:den>
-                          <m:r>
-                            <a:rPr lang="zh-CN" altLang="en-US" sz="800" i="1" smtClean="0">
-                              <a:latin typeface="Cambria Math" panose="02040503050406030204" pitchFamily="18" charset="0"/>
-                            </a:rPr>
-                            <m:t>𝜕</m:t>
-                          </m:r>
-                          <m:sSub>
-                            <m:sSubPr>
-                              <m:ctrlPr>
-                                <a:rPr lang="en-US" altLang="zh-CN" sz="800" i="1" smtClean="0">
-                                  <a:latin typeface="Cambria Math" panose="02040503050406030204" pitchFamily="18" charset="0"/>
-                                </a:rPr>
-                              </m:ctrlPr>
-                            </m:sSubPr>
-                            <m:e>
-                              <m:r>
-                                <a:rPr lang="en-US" altLang="zh-CN" sz="800" b="0" i="1" smtClean="0">
-                                  <a:latin typeface="Cambria Math" panose="02040503050406030204" pitchFamily="18" charset="0"/>
-                                </a:rPr>
-                                <m:t>𝑊</m:t>
-                              </m:r>
-                            </m:e>
-                            <m:sub>
-                              <m:r>
-                                <a:rPr lang="en-US" altLang="zh-CN" sz="800" b="0" i="1" smtClean="0">
-                                  <a:latin typeface="Cambria Math" panose="02040503050406030204" pitchFamily="18" charset="0"/>
-                                </a:rPr>
-                                <m:t>𝑖</m:t>
-                              </m:r>
-                            </m:sub>
-                          </m:sSub>
-                        </m:den>
-                      </m:f>
-                    </m:oMath>
-                  </m:oMathPara>
-                </a14:m>
-                <a:endParaRPr lang="zh-CN" altLang="en-US" sz="800" dirty="0"/>
-              </a:p>
-            </p:txBody>
-          </p:sp>
-        </mc:Choice>
-        <mc:Fallback>
-          <p:sp>
-            <p:nvSpPr>
-              <p:cNvPr id="56" name="矩形 55"/>
-              <p:cNvSpPr>
-                <a:spLocks noRot="1" noChangeAspect="1" noMove="1" noResize="1" noEditPoints="1" noAdjustHandles="1" noChangeArrowheads="1" noChangeShapeType="1" noTextEdit="1"/>
-              </p:cNvSpPr>
-              <p:nvPr/>
-            </p:nvSpPr>
-            <p:spPr>
-              <a:xfrm>
-                <a:off x="798394" y="2501919"/>
-                <a:ext cx="300251" cy="300251"/>
-              </a:xfrm>
-              <a:prstGeom prst="rect">
-                <a:avLst/>
-              </a:prstGeom>
-              <a:blipFill>
-                <a:blip r:embed="rId3"/>
-                <a:stretch>
-                  <a:fillRect/>
-                </a:stretch>
-              </a:blipFill>
-              <a:ln>
-                <a:solidFill>
-                  <a:srgbClr val="002050"/>
-                </a:solidFill>
-              </a:ln>
-            </p:spPr>
-            <p:txBody>
-              <a:bodyPr/>
-              <a:lstStyle/>
-              <a:p>
-                <a:r>
-                  <a:rPr lang="zh-CN" altLang="en-US">
-                    <a:noFill/>
-                  </a:rPr>
-                  <a:t> </a:t>
-                </a:r>
-              </a:p>
-            </p:txBody>
-          </p:sp>
-        </mc:Fallback>
-      </mc:AlternateContent>
-      <mc:AlternateContent xmlns:mc="http://schemas.openxmlformats.org/markup-compatibility/2006">
-        <mc:Choice xmlns:a14="http://schemas.microsoft.com/office/drawing/2010/main" Requires="a14">
-          <p:sp>
-            <p:nvSpPr>
-              <p:cNvPr id="57" name="矩形 56"/>
-              <p:cNvSpPr/>
-              <p:nvPr/>
-            </p:nvSpPr>
-            <p:spPr>
-              <a:xfrm>
-                <a:off x="1446662" y="1740091"/>
-                <a:ext cx="300251" cy="300251"/>
-              </a:xfrm>
-              <a:prstGeom prst="rect">
-                <a:avLst/>
-              </a:prstGeom>
-              <a:solidFill>
-                <a:srgbClr val="00B0F0"/>
-              </a:solidFill>
-              <a:ln>
-                <a:solidFill>
-                  <a:srgbClr val="002050"/>
-                </a:solidFill>
-              </a:ln>
-            </p:spPr>
-            <p:style>
-              <a:lnRef idx="2">
-                <a:schemeClr val="accent1">
-                  <a:shade val="50000"/>
-                </a:schemeClr>
-              </a:lnRef>
-              <a:fillRef idx="1">
-                <a:schemeClr val="accent1"/>
-              </a:fillRef>
-              <a:effectRef idx="0">
-                <a:schemeClr val="accent1"/>
-              </a:effectRef>
-              <a:fontRef idx="minor">
-                <a:schemeClr val="lt1"/>
-              </a:fontRef>
-            </p:style>
-            <p:txBody>
-              <a:bodyPr lIns="0" tIns="0" rIns="0" bIns="0" rtlCol="0" anchor="ctr"/>
-              <a:lstStyle/>
-              <a:p>
-                <a:pPr algn="just"/>
-                <a14:m>
-                  <m:oMathPara xmlns:m="http://schemas.openxmlformats.org/officeDocument/2006/math">
-                    <m:oMathParaPr>
-                      <m:jc m:val="centerGroup"/>
-                    </m:oMathParaPr>
-                    <m:oMath xmlns:m="http://schemas.openxmlformats.org/officeDocument/2006/math">
-                      <m:sSub>
-                        <m:sSubPr>
-                          <m:ctrlPr>
-                            <a:rPr lang="en-US" altLang="zh-CN" sz="800" i="1" smtClean="0">
-                              <a:latin typeface="Cambria Math" panose="02040503050406030204" pitchFamily="18" charset="0"/>
-                            </a:rPr>
-                          </m:ctrlPr>
-                        </m:sSubPr>
-                        <m:e>
-                          <m:r>
-                            <a:rPr lang="en-US" altLang="zh-CN" sz="800" b="0" i="1" smtClean="0">
-                              <a:latin typeface="Cambria Math" panose="02040503050406030204" pitchFamily="18" charset="0"/>
-                            </a:rPr>
-                            <m:t>𝑊</m:t>
-                          </m:r>
-                        </m:e>
-                        <m:sub>
-                          <m:r>
-                            <a:rPr lang="en-US" altLang="zh-CN" sz="800" b="0" i="1" smtClean="0">
-                              <a:latin typeface="Cambria Math" panose="02040503050406030204" pitchFamily="18" charset="0"/>
-                            </a:rPr>
-                            <m:t>𝑖</m:t>
-                          </m:r>
-                        </m:sub>
-                      </m:sSub>
-                    </m:oMath>
-                  </m:oMathPara>
-                </a14:m>
-                <a:endParaRPr lang="zh-CN" altLang="en-US" sz="800" dirty="0"/>
-              </a:p>
-            </p:txBody>
-          </p:sp>
-        </mc:Choice>
-        <mc:Fallback>
-          <p:sp>
-            <p:nvSpPr>
-              <p:cNvPr id="57" name="矩形 56"/>
-              <p:cNvSpPr>
-                <a:spLocks noRot="1" noChangeAspect="1" noMove="1" noResize="1" noEditPoints="1" noAdjustHandles="1" noChangeArrowheads="1" noChangeShapeType="1" noTextEdit="1"/>
-              </p:cNvSpPr>
-              <p:nvPr/>
-            </p:nvSpPr>
-            <p:spPr>
-              <a:xfrm>
-                <a:off x="1446662" y="1740091"/>
-                <a:ext cx="300251" cy="300251"/>
-              </a:xfrm>
-              <a:prstGeom prst="rect">
-                <a:avLst/>
-              </a:prstGeom>
-              <a:blipFill>
-                <a:blip r:embed="rId4"/>
-                <a:stretch>
-                  <a:fillRect/>
-                </a:stretch>
-              </a:blipFill>
-              <a:ln>
-                <a:solidFill>
-                  <a:srgbClr val="002050"/>
-                </a:solidFill>
-              </a:ln>
-            </p:spPr>
-            <p:txBody>
-              <a:bodyPr/>
-              <a:lstStyle/>
-              <a:p>
-                <a:r>
-                  <a:rPr lang="zh-CN" altLang="en-US">
-                    <a:noFill/>
-                  </a:rPr>
-                  <a:t> </a:t>
-                </a:r>
-              </a:p>
-            </p:txBody>
-          </p:sp>
-        </mc:Fallback>
-      </mc:AlternateContent>
-      <mc:AlternateContent xmlns:mc="http://schemas.openxmlformats.org/markup-compatibility/2006">
-        <mc:Choice xmlns:a14="http://schemas.microsoft.com/office/drawing/2010/main" Requires="a14">
-          <p:sp>
-            <p:nvSpPr>
-              <p:cNvPr id="58" name="矩形 57"/>
-              <p:cNvSpPr/>
-              <p:nvPr/>
-            </p:nvSpPr>
-            <p:spPr>
-              <a:xfrm>
-                <a:off x="1978925" y="1183145"/>
-                <a:ext cx="300251" cy="300251"/>
-              </a:xfrm>
-              <a:prstGeom prst="rect">
-                <a:avLst/>
-              </a:prstGeom>
-              <a:solidFill>
-                <a:srgbClr val="00B0F0"/>
-              </a:solidFill>
-              <a:ln>
-                <a:solidFill>
-                  <a:srgbClr val="002050"/>
-                </a:solidFill>
-              </a:ln>
-            </p:spPr>
-            <p:style>
-              <a:lnRef idx="2">
-                <a:schemeClr val="accent1">
-                  <a:shade val="50000"/>
-                </a:schemeClr>
-              </a:lnRef>
-              <a:fillRef idx="1">
-                <a:schemeClr val="accent1"/>
-              </a:fillRef>
-              <a:effectRef idx="0">
-                <a:schemeClr val="accent1"/>
-              </a:effectRef>
-              <a:fontRef idx="minor">
-                <a:schemeClr val="lt1"/>
-              </a:fontRef>
-            </p:style>
-            <p:txBody>
-              <a:bodyPr lIns="0" tIns="0" rIns="0" bIns="0" rtlCol="0" anchor="ctr"/>
-              <a:lstStyle/>
-              <a:p>
-                <a:pPr algn="just"/>
-                <a14:m>
-                  <m:oMathPara xmlns:m="http://schemas.openxmlformats.org/officeDocument/2006/math">
-                    <m:oMathParaPr>
-                      <m:jc m:val="center"/>
-                    </m:oMathParaPr>
-                    <m:oMath xmlns:m="http://schemas.openxmlformats.org/officeDocument/2006/math">
-                      <m:sSub>
-                        <m:sSubPr>
-                          <m:ctrlPr>
-                            <a:rPr lang="en-US" altLang="zh-CN" sz="800" i="1" smtClean="0">
-                              <a:latin typeface="Cambria Math" panose="02040503050406030204" pitchFamily="18" charset="0"/>
-                            </a:rPr>
-                          </m:ctrlPr>
-                        </m:sSubPr>
-                        <m:e>
-                          <m:r>
-                            <a:rPr lang="en-US" altLang="zh-CN" sz="800" b="0" i="1" smtClean="0">
-                              <a:latin typeface="Cambria Math" panose="02040503050406030204" pitchFamily="18" charset="0"/>
-                            </a:rPr>
-                            <m:t>𝑦</m:t>
-                          </m:r>
-                        </m:e>
-                        <m:sub>
-                          <m:r>
-                            <a:rPr lang="en-US" altLang="zh-CN" sz="800" b="0" i="1" smtClean="0">
-                              <a:latin typeface="Cambria Math" panose="02040503050406030204" pitchFamily="18" charset="0"/>
-                            </a:rPr>
-                            <m:t>𝑖</m:t>
-                          </m:r>
-                          <m:r>
-                            <a:rPr lang="en-US" altLang="zh-CN" sz="800" b="0" i="1" smtClean="0">
-                              <a:latin typeface="Cambria Math" panose="02040503050406030204" pitchFamily="18" charset="0"/>
-                            </a:rPr>
-                            <m:t>−1</m:t>
-                          </m:r>
-                        </m:sub>
-                      </m:sSub>
-                    </m:oMath>
-                  </m:oMathPara>
-                </a14:m>
-                <a:endParaRPr lang="zh-CN" altLang="en-US" sz="800" dirty="0"/>
-              </a:p>
-            </p:txBody>
-          </p:sp>
-        </mc:Choice>
-        <mc:Fallback>
-          <p:sp>
-            <p:nvSpPr>
-              <p:cNvPr id="58" name="矩形 57"/>
-              <p:cNvSpPr>
-                <a:spLocks noRot="1" noChangeAspect="1" noMove="1" noResize="1" noEditPoints="1" noAdjustHandles="1" noChangeArrowheads="1" noChangeShapeType="1" noTextEdit="1"/>
-              </p:cNvSpPr>
-              <p:nvPr/>
-            </p:nvSpPr>
-            <p:spPr>
-              <a:xfrm>
-                <a:off x="1978925" y="1183145"/>
-                <a:ext cx="300251" cy="300251"/>
-              </a:xfrm>
-              <a:prstGeom prst="rect">
-                <a:avLst/>
-              </a:prstGeom>
-              <a:blipFill>
-                <a:blip r:embed="rId5"/>
-                <a:stretch>
-                  <a:fillRect/>
-                </a:stretch>
-              </a:blipFill>
-              <a:ln>
-                <a:solidFill>
-                  <a:srgbClr val="002050"/>
-                </a:solidFill>
-              </a:ln>
-            </p:spPr>
-            <p:txBody>
-              <a:bodyPr/>
-              <a:lstStyle/>
-              <a:p>
-                <a:r>
-                  <a:rPr lang="zh-CN" altLang="en-US">
-                    <a:noFill/>
-                  </a:rPr>
-                  <a:t> </a:t>
-                </a:r>
-              </a:p>
-            </p:txBody>
-          </p:sp>
-        </mc:Fallback>
-      </mc:AlternateContent>
-      <mc:AlternateContent xmlns:mc="http://schemas.openxmlformats.org/markup-compatibility/2006">
-        <mc:Choice xmlns:a14="http://schemas.microsoft.com/office/drawing/2010/main" Requires="a14">
-          <p:sp>
-            <p:nvSpPr>
-              <p:cNvPr id="59" name="矩形 58"/>
-              <p:cNvSpPr/>
-              <p:nvPr/>
-            </p:nvSpPr>
-            <p:spPr>
-              <a:xfrm>
-                <a:off x="1978925" y="3093156"/>
-                <a:ext cx="300251" cy="300251"/>
-              </a:xfrm>
-              <a:prstGeom prst="rect">
-                <a:avLst/>
-              </a:prstGeom>
-            </p:spPr>
-            <p:style>
-              <a:lnRef idx="2">
-                <a:schemeClr val="accent1">
-                  <a:shade val="50000"/>
-                </a:schemeClr>
-              </a:lnRef>
-              <a:fillRef idx="1">
-                <a:schemeClr val="accent1"/>
-              </a:fillRef>
-              <a:effectRef idx="0">
-                <a:schemeClr val="accent1"/>
-              </a:effectRef>
-              <a:fontRef idx="minor">
-                <a:schemeClr val="lt1"/>
-              </a:fontRef>
-            </p:style>
-            <p:txBody>
-              <a:bodyPr lIns="0" tIns="0" rIns="0" bIns="0" rtlCol="0" anchor="ctr"/>
-              <a:lstStyle/>
-              <a:p>
-                <a:pPr algn="just"/>
-                <a14:m>
-                  <m:oMathPara xmlns:m="http://schemas.openxmlformats.org/officeDocument/2006/math">
-                    <m:oMathParaPr>
-                      <m:jc m:val="center"/>
-                    </m:oMathParaPr>
-                    <m:oMath xmlns:m="http://schemas.openxmlformats.org/officeDocument/2006/math">
-                      <m:sSub>
-                        <m:sSubPr>
-                          <m:ctrlPr>
-                            <a:rPr lang="en-US" altLang="zh-CN" sz="800" i="1" smtClean="0">
-                              <a:latin typeface="Cambria Math" panose="02040503050406030204" pitchFamily="18" charset="0"/>
-                            </a:rPr>
-                          </m:ctrlPr>
-                        </m:sSubPr>
-                        <m:e>
-                          <m:r>
-                            <a:rPr lang="en-US" altLang="zh-CN" sz="800" b="0" i="1" smtClean="0">
-                              <a:latin typeface="Cambria Math" panose="02040503050406030204" pitchFamily="18" charset="0"/>
-                            </a:rPr>
-                            <m:t>𝑦</m:t>
-                          </m:r>
-                        </m:e>
-                        <m:sub>
-                          <m:r>
-                            <a:rPr lang="en-US" altLang="zh-CN" sz="800" b="0" i="1" smtClean="0">
-                              <a:latin typeface="Cambria Math" panose="02040503050406030204" pitchFamily="18" charset="0"/>
-                            </a:rPr>
-                            <m:t>𝑖</m:t>
-                          </m:r>
-                        </m:sub>
-                      </m:sSub>
-                    </m:oMath>
-                  </m:oMathPara>
-                </a14:m>
-                <a:endParaRPr lang="zh-CN" altLang="en-US" sz="800" dirty="0"/>
-              </a:p>
-            </p:txBody>
-          </p:sp>
-        </mc:Choice>
-        <mc:Fallback>
-          <p:sp>
-            <p:nvSpPr>
-              <p:cNvPr id="59" name="矩形 58"/>
-              <p:cNvSpPr>
-                <a:spLocks noRot="1" noChangeAspect="1" noMove="1" noResize="1" noEditPoints="1" noAdjustHandles="1" noChangeArrowheads="1" noChangeShapeType="1" noTextEdit="1"/>
-              </p:cNvSpPr>
-              <p:nvPr/>
-            </p:nvSpPr>
-            <p:spPr>
-              <a:xfrm>
-                <a:off x="1978925" y="3093156"/>
-                <a:ext cx="300251" cy="300251"/>
-              </a:xfrm>
-              <a:prstGeom prst="rect">
-                <a:avLst/>
-              </a:prstGeom>
-              <a:blipFill>
-                <a:blip r:embed="rId6"/>
-                <a:stretch>
-                  <a:fillRect/>
-                </a:stretch>
-              </a:blipFill>
-            </p:spPr>
-            <p:txBody>
-              <a:bodyPr/>
-              <a:lstStyle/>
-              <a:p>
-                <a:r>
-                  <a:rPr lang="zh-CN" altLang="en-US">
-                    <a:noFill/>
-                  </a:rPr>
-                  <a:t> </a:t>
-                </a:r>
-              </a:p>
-            </p:txBody>
-          </p:sp>
-        </mc:Fallback>
-      </mc:AlternateContent>
-      <mc:AlternateContent xmlns:mc="http://schemas.openxmlformats.org/markup-compatibility/2006">
-        <mc:Choice xmlns:a14="http://schemas.microsoft.com/office/drawing/2010/main" Requires="a14">
-          <p:sp>
-            <p:nvSpPr>
-              <p:cNvPr id="60" name="矩形 59"/>
-              <p:cNvSpPr/>
-              <p:nvPr/>
-            </p:nvSpPr>
-            <p:spPr>
-              <a:xfrm>
-                <a:off x="2920618" y="3093155"/>
-                <a:ext cx="300251" cy="300251"/>
-              </a:xfrm>
-              <a:prstGeom prst="rect">
-                <a:avLst/>
-              </a:prstGeom>
-              <a:solidFill>
-                <a:srgbClr val="00B0F0"/>
-              </a:solidFill>
-              <a:ln>
-                <a:solidFill>
-                  <a:srgbClr val="002050"/>
-                </a:solidFill>
-              </a:ln>
-            </p:spPr>
-            <p:style>
-              <a:lnRef idx="2">
-                <a:schemeClr val="accent1">
-                  <a:shade val="50000"/>
-                </a:schemeClr>
-              </a:lnRef>
-              <a:fillRef idx="1">
-                <a:schemeClr val="accent1"/>
-              </a:fillRef>
-              <a:effectRef idx="0">
-                <a:schemeClr val="accent1"/>
-              </a:effectRef>
-              <a:fontRef idx="minor">
-                <a:schemeClr val="lt1"/>
-              </a:fontRef>
-            </p:style>
-            <p:txBody>
-              <a:bodyPr rtlCol="0" anchor="ctr"/>
-              <a:lstStyle/>
-              <a:p>
-                <a:pPr algn="ctr"/>
-                <a14:m>
-                  <m:oMathPara xmlns:m="http://schemas.openxmlformats.org/officeDocument/2006/math">
-                    <m:oMathParaPr>
-                      <m:jc m:val="centerGroup"/>
-                    </m:oMathParaPr>
-                    <m:oMath xmlns:m="http://schemas.openxmlformats.org/officeDocument/2006/math">
-                      <m:f>
-                        <m:fPr>
-                          <m:ctrlPr>
-                            <a:rPr lang="en-US" altLang="zh-CN" sz="800" i="1" smtClean="0">
-                              <a:latin typeface="Cambria Math" panose="02040503050406030204" pitchFamily="18" charset="0"/>
-                            </a:rPr>
-                          </m:ctrlPr>
-                        </m:fPr>
-                        <m:num>
-                          <m:r>
-                            <a:rPr lang="zh-CN" altLang="en-US" sz="800" i="1" smtClean="0">
-                              <a:latin typeface="Cambria Math" panose="02040503050406030204" pitchFamily="18" charset="0"/>
-                            </a:rPr>
-                            <m:t>𝜕</m:t>
-                          </m:r>
-                          <m:r>
-                            <a:rPr lang="en-US" altLang="zh-CN" sz="800" b="0" i="1" smtClean="0">
-                              <a:latin typeface="Cambria Math" panose="02040503050406030204" pitchFamily="18" charset="0"/>
-                            </a:rPr>
-                            <m:t>𝐸</m:t>
-                          </m:r>
-                        </m:num>
-                        <m:den>
-                          <m:r>
-                            <a:rPr lang="zh-CN" altLang="en-US" sz="800" i="1" smtClean="0">
-                              <a:latin typeface="Cambria Math" panose="02040503050406030204" pitchFamily="18" charset="0"/>
-                            </a:rPr>
-                            <m:t>𝜕</m:t>
-                          </m:r>
-                          <m:sSub>
-                            <m:sSubPr>
-                              <m:ctrlPr>
-                                <a:rPr lang="en-US" altLang="zh-CN" sz="800" i="1" smtClean="0">
-                                  <a:latin typeface="Cambria Math" panose="02040503050406030204" pitchFamily="18" charset="0"/>
-                                </a:rPr>
-                              </m:ctrlPr>
-                            </m:sSubPr>
-                            <m:e>
-                              <m:r>
-                                <a:rPr lang="en-US" altLang="zh-CN" sz="800" b="0" i="1" smtClean="0">
-                                  <a:latin typeface="Cambria Math" panose="02040503050406030204" pitchFamily="18" charset="0"/>
-                                </a:rPr>
-                                <m:t>𝑦</m:t>
-                              </m:r>
-                            </m:e>
-                            <m:sub>
-                              <m:r>
-                                <a:rPr lang="en-US" altLang="zh-CN" sz="800" b="0" i="1" smtClean="0">
-                                  <a:latin typeface="Cambria Math" panose="02040503050406030204" pitchFamily="18" charset="0"/>
-                                </a:rPr>
-                                <m:t>𝑖</m:t>
-                              </m:r>
-                            </m:sub>
-                          </m:sSub>
-                        </m:den>
-                      </m:f>
-                    </m:oMath>
-                  </m:oMathPara>
-                </a14:m>
-                <a:endParaRPr lang="zh-CN" altLang="en-US" sz="800" dirty="0"/>
-              </a:p>
-            </p:txBody>
-          </p:sp>
-        </mc:Choice>
-        <mc:Fallback>
-          <p:sp>
-            <p:nvSpPr>
-              <p:cNvPr id="60" name="矩形 59"/>
-              <p:cNvSpPr>
-                <a:spLocks noRot="1" noChangeAspect="1" noMove="1" noResize="1" noEditPoints="1" noAdjustHandles="1" noChangeArrowheads="1" noChangeShapeType="1" noTextEdit="1"/>
-              </p:cNvSpPr>
-              <p:nvPr/>
-            </p:nvSpPr>
-            <p:spPr>
-              <a:xfrm>
-                <a:off x="2920618" y="3093155"/>
-                <a:ext cx="300251" cy="300251"/>
-              </a:xfrm>
-              <a:prstGeom prst="rect">
-                <a:avLst/>
-              </a:prstGeom>
-              <a:blipFill>
-                <a:blip r:embed="rId7"/>
-                <a:stretch>
-                  <a:fillRect b="-3846"/>
-                </a:stretch>
-              </a:blipFill>
-              <a:ln>
-                <a:solidFill>
-                  <a:srgbClr val="002050"/>
-                </a:solidFill>
-              </a:ln>
-            </p:spPr>
-            <p:txBody>
-              <a:bodyPr/>
-              <a:lstStyle/>
-              <a:p>
-                <a:r>
-                  <a:rPr lang="zh-CN" altLang="en-US">
-                    <a:noFill/>
-                  </a:rPr>
-                  <a:t> </a:t>
-                </a:r>
-              </a:p>
-            </p:txBody>
-          </p:sp>
-        </mc:Fallback>
-      </mc:AlternateContent>
-      <mc:AlternateContent xmlns:mc="http://schemas.openxmlformats.org/markup-compatibility/2006">
-        <mc:Choice xmlns:a14="http://schemas.microsoft.com/office/drawing/2010/main" Requires="a14">
-          <p:sp>
-            <p:nvSpPr>
-              <p:cNvPr id="61" name="矩形 60"/>
-              <p:cNvSpPr/>
-              <p:nvPr/>
-            </p:nvSpPr>
-            <p:spPr>
-              <a:xfrm>
-                <a:off x="2920619" y="1185419"/>
-                <a:ext cx="300251" cy="300251"/>
-              </a:xfrm>
-              <a:prstGeom prst="rect">
-                <a:avLst/>
-              </a:prstGeom>
-            </p:spPr>
-            <p:style>
-              <a:lnRef idx="2">
-                <a:schemeClr val="accent1">
-                  <a:shade val="50000"/>
-                </a:schemeClr>
-              </a:lnRef>
-              <a:fillRef idx="1">
-                <a:schemeClr val="accent1"/>
-              </a:fillRef>
-              <a:effectRef idx="0">
-                <a:schemeClr val="accent1"/>
-              </a:effectRef>
-              <a:fontRef idx="minor">
-                <a:schemeClr val="lt1"/>
-              </a:fontRef>
-            </p:style>
-            <p:txBody>
-              <a:bodyPr rtlCol="0" anchor="ctr"/>
-              <a:lstStyle/>
-              <a:p>
-                <a:pPr algn="ctr"/>
-                <a14:m>
-                  <m:oMathPara xmlns:m="http://schemas.openxmlformats.org/officeDocument/2006/math">
-                    <m:oMathParaPr>
-                      <m:jc m:val="centerGroup"/>
-                    </m:oMathParaPr>
-                    <m:oMath xmlns:m="http://schemas.openxmlformats.org/officeDocument/2006/math">
-                      <m:f>
-                        <m:fPr>
-                          <m:ctrlPr>
-                            <a:rPr lang="en-US" altLang="zh-CN" sz="800" i="1" smtClean="0">
-                              <a:latin typeface="Cambria Math" panose="02040503050406030204" pitchFamily="18" charset="0"/>
-                            </a:rPr>
-                          </m:ctrlPr>
-                        </m:fPr>
-                        <m:num>
-                          <m:r>
-                            <a:rPr lang="zh-CN" altLang="en-US" sz="800" i="1" smtClean="0">
-                              <a:latin typeface="Cambria Math" panose="02040503050406030204" pitchFamily="18" charset="0"/>
-                            </a:rPr>
-                            <m:t>𝜕</m:t>
-                          </m:r>
-                          <m:r>
-                            <a:rPr lang="en-US" altLang="zh-CN" sz="800" b="0" i="1" smtClean="0">
-                              <a:latin typeface="Cambria Math" panose="02040503050406030204" pitchFamily="18" charset="0"/>
-                            </a:rPr>
-                            <m:t>𝐸</m:t>
-                          </m:r>
-                        </m:num>
-                        <m:den>
-                          <m:r>
-                            <a:rPr lang="zh-CN" altLang="en-US" sz="800" i="1" smtClean="0">
-                              <a:latin typeface="Cambria Math" panose="02040503050406030204" pitchFamily="18" charset="0"/>
-                            </a:rPr>
-                            <m:t>𝜕</m:t>
-                          </m:r>
-                          <m:sSub>
-                            <m:sSubPr>
-                              <m:ctrlPr>
-                                <a:rPr lang="en-US" altLang="zh-CN" sz="800" i="1" smtClean="0">
-                                  <a:latin typeface="Cambria Math" panose="02040503050406030204" pitchFamily="18" charset="0"/>
-                                </a:rPr>
-                              </m:ctrlPr>
-                            </m:sSubPr>
-                            <m:e>
-                              <m:r>
-                                <a:rPr lang="en-US" altLang="zh-CN" sz="800" b="0" i="1" smtClean="0">
-                                  <a:latin typeface="Cambria Math" panose="02040503050406030204" pitchFamily="18" charset="0"/>
-                                </a:rPr>
-                                <m:t>𝑦</m:t>
-                              </m:r>
-                            </m:e>
-                            <m:sub>
-                              <m:r>
-                                <a:rPr lang="en-US" altLang="zh-CN" sz="800" b="0" i="1" smtClean="0">
-                                  <a:latin typeface="Cambria Math" panose="02040503050406030204" pitchFamily="18" charset="0"/>
-                                </a:rPr>
-                                <m:t>𝑖</m:t>
-                              </m:r>
-                              <m:r>
-                                <a:rPr lang="en-US" altLang="zh-CN" sz="800" b="0" i="1" smtClean="0">
-                                  <a:latin typeface="Cambria Math" panose="02040503050406030204" pitchFamily="18" charset="0"/>
-                                </a:rPr>
-                                <m:t>−1</m:t>
-                              </m:r>
-                            </m:sub>
-                          </m:sSub>
-                        </m:den>
-                      </m:f>
-                    </m:oMath>
-                  </m:oMathPara>
-                </a14:m>
-                <a:endParaRPr lang="zh-CN" altLang="en-US" sz="800" dirty="0"/>
-              </a:p>
-            </p:txBody>
-          </p:sp>
-        </mc:Choice>
-        <mc:Fallback>
-          <p:sp>
-            <p:nvSpPr>
-              <p:cNvPr id="61" name="矩形 60"/>
-              <p:cNvSpPr>
-                <a:spLocks noRot="1" noChangeAspect="1" noMove="1" noResize="1" noEditPoints="1" noAdjustHandles="1" noChangeArrowheads="1" noChangeShapeType="1" noTextEdit="1"/>
-              </p:cNvSpPr>
-              <p:nvPr/>
-            </p:nvSpPr>
-            <p:spPr>
-              <a:xfrm>
-                <a:off x="2920619" y="1185419"/>
-                <a:ext cx="300251" cy="300251"/>
-              </a:xfrm>
-              <a:prstGeom prst="rect">
-                <a:avLst/>
-              </a:prstGeom>
-              <a:blipFill>
-                <a:blip r:embed="rId8"/>
-                <a:stretch>
-                  <a:fillRect l="-5882" b="-3846"/>
-                </a:stretch>
-              </a:blipFill>
-            </p:spPr>
-            <p:txBody>
-              <a:bodyPr/>
-              <a:lstStyle/>
-              <a:p>
-                <a:r>
-                  <a:rPr lang="zh-CN" altLang="en-US">
-                    <a:noFill/>
-                  </a:rPr>
-                  <a:t> </a:t>
-                </a:r>
-              </a:p>
-            </p:txBody>
-          </p:sp>
-        </mc:Fallback>
-      </mc:AlternateContent>
-      <p:cxnSp>
-        <p:nvCxnSpPr>
-          <p:cNvPr id="14" name="直接箭头连接符 13"/>
-          <p:cNvCxnSpPr>
-            <a:stCxn id="56" idx="0"/>
-            <a:endCxn id="3" idx="2"/>
-          </p:cNvCxnSpPr>
-          <p:nvPr/>
-        </p:nvCxnSpPr>
-        <p:spPr>
-          <a:xfrm flipV="1">
-            <a:off x="948520" y="2040343"/>
-            <a:ext cx="0" cy="461576"/>
-          </a:xfrm>
-          <a:prstGeom prst="straightConnector1">
-            <a:avLst/>
-          </a:prstGeom>
-          <a:ln w="12700">
-            <a:solidFill>
-              <a:srgbClr val="525252"/>
-            </a:solidFill>
-            <a:tailEnd type="triangle" w="sm" len="med"/>
-          </a:ln>
-        </p:spPr>
-        <p:style>
-          <a:lnRef idx="1">
-            <a:schemeClr val="accent1"/>
-          </a:lnRef>
-          <a:fillRef idx="0">
-            <a:schemeClr val="accent1"/>
-          </a:fillRef>
-          <a:effectRef idx="0">
-            <a:schemeClr val="accent1"/>
-          </a:effectRef>
-          <a:fontRef idx="minor">
-            <a:schemeClr val="tx1"/>
-          </a:fontRef>
-        </p:style>
-      </p:cxnSp>
-      <p:cxnSp>
-        <p:nvCxnSpPr>
-          <p:cNvPr id="16" name="直接箭头连接符 15"/>
-          <p:cNvCxnSpPr>
-            <a:stCxn id="3" idx="3"/>
-            <a:endCxn id="57" idx="1"/>
-          </p:cNvCxnSpPr>
-          <p:nvPr/>
-        </p:nvCxnSpPr>
-        <p:spPr>
-          <a:xfrm flipV="1">
-            <a:off x="1098645" y="1890217"/>
-            <a:ext cx="348017" cy="1"/>
-          </a:xfrm>
-          <a:prstGeom prst="straightConnector1">
-            <a:avLst/>
-          </a:prstGeom>
-          <a:ln w="12700">
-            <a:solidFill>
-              <a:srgbClr val="525252"/>
-            </a:solidFill>
-            <a:tailEnd type="triangle" w="sm" len="med"/>
-          </a:ln>
-        </p:spPr>
-        <p:style>
-          <a:lnRef idx="1">
-            <a:schemeClr val="accent1"/>
-          </a:lnRef>
-          <a:fillRef idx="0">
-            <a:schemeClr val="accent1"/>
-          </a:fillRef>
-          <a:effectRef idx="0">
-            <a:schemeClr val="accent1"/>
-          </a:effectRef>
-          <a:fontRef idx="minor">
-            <a:schemeClr val="tx1"/>
-          </a:fontRef>
-        </p:style>
-      </p:cxnSp>
-      <p:cxnSp>
-        <p:nvCxnSpPr>
-          <p:cNvPr id="18" name="肘形连接符 17"/>
-          <p:cNvCxnSpPr>
-            <a:stCxn id="57" idx="3"/>
-            <a:endCxn id="55" idx="2"/>
-          </p:cNvCxnSpPr>
-          <p:nvPr/>
-        </p:nvCxnSpPr>
-        <p:spPr>
-          <a:xfrm flipV="1">
-            <a:off x="1746913" y="1890216"/>
-            <a:ext cx="1173706" cy="1"/>
-          </a:xfrm>
-          <a:prstGeom prst="bentConnector3">
-            <a:avLst>
-              <a:gd name="adj1" fmla="val 50000"/>
-            </a:avLst>
-          </a:prstGeom>
-          <a:ln w="12700">
-            <a:solidFill>
-              <a:srgbClr val="525252"/>
-            </a:solidFill>
-            <a:tailEnd type="triangle" w="sm" len="med"/>
-          </a:ln>
-        </p:spPr>
-        <p:style>
-          <a:lnRef idx="1">
-            <a:schemeClr val="accent1"/>
-          </a:lnRef>
-          <a:fillRef idx="0">
-            <a:schemeClr val="accent1"/>
-          </a:fillRef>
-          <a:effectRef idx="0">
-            <a:schemeClr val="accent1"/>
-          </a:effectRef>
-          <a:fontRef idx="minor">
-            <a:schemeClr val="tx1"/>
-          </a:fontRef>
-        </p:style>
-      </p:cxnSp>
-      <p:cxnSp>
-        <p:nvCxnSpPr>
-          <p:cNvPr id="22" name="直接箭头连接符 21"/>
-          <p:cNvCxnSpPr>
-            <a:stCxn id="58" idx="2"/>
-            <a:endCxn id="4" idx="0"/>
-          </p:cNvCxnSpPr>
-          <p:nvPr/>
-        </p:nvCxnSpPr>
-        <p:spPr>
-          <a:xfrm>
-            <a:off x="2129051" y="1483396"/>
-            <a:ext cx="0" cy="727542"/>
-          </a:xfrm>
-          <a:prstGeom prst="straightConnector1">
-            <a:avLst/>
-          </a:prstGeom>
-          <a:ln w="12700">
-            <a:solidFill>
-              <a:srgbClr val="525252"/>
-            </a:solidFill>
-            <a:tailEnd type="triangle" w="sm" len="med"/>
-          </a:ln>
-        </p:spPr>
-        <p:style>
-          <a:lnRef idx="1">
-            <a:schemeClr val="accent1"/>
-          </a:lnRef>
-          <a:fillRef idx="0">
-            <a:schemeClr val="accent1"/>
-          </a:fillRef>
-          <a:effectRef idx="0">
-            <a:schemeClr val="accent1"/>
-          </a:effectRef>
-          <a:fontRef idx="minor">
-            <a:schemeClr val="tx1"/>
-          </a:fontRef>
-        </p:style>
-      </p:cxnSp>
-      <p:cxnSp>
-        <p:nvCxnSpPr>
-          <p:cNvPr id="24" name="直接箭头连接符 23"/>
-          <p:cNvCxnSpPr>
-            <a:stCxn id="4" idx="4"/>
-            <a:endCxn id="59" idx="0"/>
-          </p:cNvCxnSpPr>
-          <p:nvPr/>
-        </p:nvCxnSpPr>
-        <p:spPr>
-          <a:xfrm>
-            <a:off x="2129051" y="2511189"/>
-            <a:ext cx="0" cy="581967"/>
-          </a:xfrm>
-          <a:prstGeom prst="straightConnector1">
-            <a:avLst/>
-          </a:prstGeom>
-          <a:ln w="12700">
-            <a:solidFill>
-              <a:srgbClr val="525252"/>
-            </a:solidFill>
-            <a:tailEnd type="triangle"/>
-          </a:ln>
-        </p:spPr>
-        <p:style>
-          <a:lnRef idx="1">
-            <a:schemeClr val="accent1"/>
-          </a:lnRef>
-          <a:fillRef idx="0">
-            <a:schemeClr val="accent1"/>
-          </a:fillRef>
-          <a:effectRef idx="0">
-            <a:schemeClr val="accent1"/>
-          </a:effectRef>
-          <a:fontRef idx="minor">
-            <a:schemeClr val="tx1"/>
-          </a:fontRef>
-        </p:style>
-      </p:cxnSp>
-      <p:cxnSp>
-        <p:nvCxnSpPr>
-          <p:cNvPr id="36" name="肘形连接符 35"/>
-          <p:cNvCxnSpPr>
-            <a:stCxn id="54" idx="2"/>
-            <a:endCxn id="56" idx="3"/>
-          </p:cNvCxnSpPr>
-          <p:nvPr/>
-        </p:nvCxnSpPr>
-        <p:spPr>
-          <a:xfrm rot="10800000">
-            <a:off x="1098645" y="2652046"/>
-            <a:ext cx="1330656" cy="1"/>
-          </a:xfrm>
-          <a:prstGeom prst="bentConnector3">
-            <a:avLst>
-              <a:gd name="adj1" fmla="val 50000"/>
-            </a:avLst>
-          </a:prstGeom>
-          <a:ln w="12700">
-            <a:solidFill>
-              <a:srgbClr val="525252"/>
-            </a:solidFill>
-            <a:tailEnd type="triangle" w="sm" len="med"/>
-          </a:ln>
-        </p:spPr>
-        <p:style>
-          <a:lnRef idx="1">
-            <a:schemeClr val="accent1"/>
-          </a:lnRef>
-          <a:fillRef idx="0">
-            <a:schemeClr val="accent1"/>
-          </a:fillRef>
-          <a:effectRef idx="0">
-            <a:schemeClr val="accent1"/>
-          </a:effectRef>
-          <a:fontRef idx="minor">
-            <a:schemeClr val="tx1"/>
-          </a:fontRef>
-        </p:style>
-      </p:cxnSp>
-      <p:cxnSp>
-        <p:nvCxnSpPr>
-          <p:cNvPr id="45" name="直接箭头连接符 44"/>
-          <p:cNvCxnSpPr>
-            <a:stCxn id="60" idx="0"/>
-            <a:endCxn id="55" idx="4"/>
-          </p:cNvCxnSpPr>
-          <p:nvPr/>
-        </p:nvCxnSpPr>
-        <p:spPr>
-          <a:xfrm flipV="1">
-            <a:off x="3070744" y="2040341"/>
-            <a:ext cx="1" cy="1052814"/>
-          </a:xfrm>
-          <a:prstGeom prst="straightConnector1">
-            <a:avLst/>
-          </a:prstGeom>
-          <a:ln w="12700">
-            <a:solidFill>
-              <a:srgbClr val="525252"/>
-            </a:solidFill>
-            <a:tailEnd type="triangle" w="sm" len="med"/>
-          </a:ln>
-        </p:spPr>
-        <p:style>
-          <a:lnRef idx="1">
-            <a:schemeClr val="accent1"/>
-          </a:lnRef>
-          <a:fillRef idx="0">
-            <a:schemeClr val="accent1"/>
-          </a:fillRef>
-          <a:effectRef idx="0">
-            <a:schemeClr val="accent1"/>
-          </a:effectRef>
-          <a:fontRef idx="minor">
-            <a:schemeClr val="tx1"/>
-          </a:fontRef>
-        </p:style>
-      </p:cxnSp>
-      <p:cxnSp>
-        <p:nvCxnSpPr>
-          <p:cNvPr id="47" name="肘形连接符 46"/>
-          <p:cNvCxnSpPr>
-            <a:stCxn id="60" idx="0"/>
-            <a:endCxn id="54" idx="6"/>
-          </p:cNvCxnSpPr>
-          <p:nvPr/>
-        </p:nvCxnSpPr>
-        <p:spPr>
-          <a:xfrm rot="16200000" flipV="1">
-            <a:off x="2679594" y="2702005"/>
-            <a:ext cx="441109" cy="341192"/>
-          </a:xfrm>
-          <a:prstGeom prst="bentConnector2">
-            <a:avLst/>
-          </a:prstGeom>
-          <a:ln w="12700">
-            <a:solidFill>
-              <a:srgbClr val="525252"/>
-            </a:solidFill>
-            <a:tailEnd type="triangle" w="sm" len="med"/>
-          </a:ln>
-        </p:spPr>
-        <p:style>
-          <a:lnRef idx="1">
-            <a:schemeClr val="accent1"/>
-          </a:lnRef>
-          <a:fillRef idx="0">
-            <a:schemeClr val="accent1"/>
-          </a:fillRef>
-          <a:effectRef idx="0">
-            <a:schemeClr val="accent1"/>
-          </a:effectRef>
-          <a:fontRef idx="minor">
-            <a:schemeClr val="tx1"/>
-          </a:fontRef>
-        </p:style>
-      </p:cxnSp>
-      <p:cxnSp>
-        <p:nvCxnSpPr>
-          <p:cNvPr id="49" name="直接箭头连接符 48"/>
-          <p:cNvCxnSpPr>
-            <a:stCxn id="55" idx="0"/>
-            <a:endCxn id="61" idx="2"/>
-          </p:cNvCxnSpPr>
-          <p:nvPr/>
-        </p:nvCxnSpPr>
-        <p:spPr>
-          <a:xfrm flipV="1">
-            <a:off x="3070745" y="1485670"/>
-            <a:ext cx="0" cy="254420"/>
-          </a:xfrm>
-          <a:prstGeom prst="straightConnector1">
-            <a:avLst/>
-          </a:prstGeom>
-          <a:ln w="12700">
-            <a:solidFill>
-              <a:srgbClr val="525252"/>
-            </a:solidFill>
-            <a:tailEnd type="triangle" w="sm" len="med"/>
-          </a:ln>
-        </p:spPr>
-        <p:style>
-          <a:lnRef idx="1">
-            <a:schemeClr val="accent1"/>
-          </a:lnRef>
-          <a:fillRef idx="0">
-            <a:schemeClr val="accent1"/>
-          </a:fillRef>
-          <a:effectRef idx="0">
-            <a:schemeClr val="accent1"/>
-          </a:effectRef>
-          <a:fontRef idx="minor">
-            <a:schemeClr val="tx1"/>
-          </a:fontRef>
-        </p:style>
-      </p:cxnSp>
-      <p:cxnSp>
-        <p:nvCxnSpPr>
-          <p:cNvPr id="51" name="肘形连接符 50"/>
-          <p:cNvCxnSpPr>
-            <a:stCxn id="58" idx="3"/>
-            <a:endCxn id="54" idx="0"/>
-          </p:cNvCxnSpPr>
-          <p:nvPr/>
-        </p:nvCxnSpPr>
-        <p:spPr>
-          <a:xfrm>
-            <a:off x="2279176" y="1333271"/>
-            <a:ext cx="300251" cy="1168649"/>
-          </a:xfrm>
-          <a:prstGeom prst="bentConnector2">
-            <a:avLst/>
-          </a:prstGeom>
-          <a:ln w="12700">
-            <a:solidFill>
-              <a:srgbClr val="525252"/>
-            </a:solidFill>
-            <a:tailEnd type="triangle" w="sm" len="med"/>
-          </a:ln>
-        </p:spPr>
-        <p:style>
-          <a:lnRef idx="1">
-            <a:schemeClr val="accent1"/>
-          </a:lnRef>
-          <a:fillRef idx="0">
-            <a:schemeClr val="accent1"/>
-          </a:fillRef>
-          <a:effectRef idx="0">
-            <a:schemeClr val="accent1"/>
-          </a:effectRef>
-          <a:fontRef idx="minor">
-            <a:schemeClr val="tx1"/>
-          </a:fontRef>
-        </p:style>
-      </p:cxnSp>
-      <p:cxnSp>
-        <p:nvCxnSpPr>
-          <p:cNvPr id="62" name="肘形连接符 61"/>
-          <p:cNvCxnSpPr>
-            <a:stCxn id="57" idx="2"/>
-            <a:endCxn id="4" idx="2"/>
-          </p:cNvCxnSpPr>
-          <p:nvPr/>
-        </p:nvCxnSpPr>
-        <p:spPr>
-          <a:xfrm rot="16200000" flipH="1">
-            <a:off x="1627495" y="2009634"/>
-            <a:ext cx="320722" cy="382137"/>
-          </a:xfrm>
-          <a:prstGeom prst="bentConnector2">
-            <a:avLst/>
-          </a:prstGeom>
-          <a:ln w="12700">
-            <a:solidFill>
-              <a:srgbClr val="525252"/>
-            </a:solidFill>
-            <a:tailEnd type="triangle" w="sm" len="med"/>
-          </a:ln>
-        </p:spPr>
-        <p:style>
-          <a:lnRef idx="1">
-            <a:schemeClr val="accent1"/>
-          </a:lnRef>
-          <a:fillRef idx="0">
-            <a:schemeClr val="accent1"/>
-          </a:fillRef>
-          <a:effectRef idx="0">
-            <a:schemeClr val="accent1"/>
-          </a:effectRef>
-          <a:fontRef idx="minor">
-            <a:schemeClr val="tx1"/>
-          </a:fontRef>
-        </p:style>
-      </p:cxnSp>
     </p:spTree>
     <p:extLst>
       <p:ext uri="{BB962C8B-B14F-4D97-AF65-F5344CB8AC3E}">

--- a/figures/fixed_train.pptx
+++ b/figures/fixed_train.pptx
@@ -2,12 +2,12 @@
 <file path=ppt/presentation.xml><?xml version="1.0" encoding="utf-8"?>
 <p:presentation xmlns:a="http://schemas.openxmlformats.org/drawingml/2006/main" xmlns:r="http://schemas.openxmlformats.org/officeDocument/2006/relationships" xmlns:p="http://schemas.openxmlformats.org/presentationml/2006/main" saveSubsetFonts="1">
   <p:sldMasterIdLst>
-    <p:sldMasterId id="2147483672" r:id="rId1"/>
+    <p:sldMasterId id="2147483684" r:id="rId1"/>
   </p:sldMasterIdLst>
   <p:sldIdLst>
     <p:sldId id="256" r:id="rId2"/>
   </p:sldIdLst>
-  <p:sldSz cx="7770813" cy="5400675"/>
+  <p:sldSz cx="7770813" cy="7200900"/>
   <p:notesSz cx="6858000" cy="9144000"/>
   <p:defaultTextStyle>
     <a:defPPr>
@@ -141,15 +141,15 @@
         </p:nvSpPr>
         <p:spPr>
           <a:xfrm>
-            <a:off x="582811" y="883861"/>
-            <a:ext cx="6605191" cy="1880235"/>
+            <a:off x="582811" y="1178481"/>
+            <a:ext cx="6605191" cy="2506980"/>
           </a:xfrm>
         </p:spPr>
         <p:txBody>
           <a:bodyPr anchor="b"/>
           <a:lstStyle>
             <a:lvl1pPr algn="ctr">
-              <a:defRPr sz="4725"/>
+              <a:defRPr sz="5099"/>
             </a:lvl1pPr>
           </a:lstStyle>
           <a:p>
@@ -173,8 +173,8 @@
         </p:nvSpPr>
         <p:spPr>
           <a:xfrm>
-            <a:off x="971352" y="2836605"/>
-            <a:ext cx="5828110" cy="1303913"/>
+            <a:off x="971352" y="3782140"/>
+            <a:ext cx="5828110" cy="1738550"/>
           </a:xfrm>
         </p:spPr>
         <p:txBody>
@@ -182,39 +182,39 @@
           <a:lstStyle>
             <a:lvl1pPr marL="0" indent="0" algn="ctr">
               <a:buNone/>
-              <a:defRPr sz="1890"/>
+              <a:defRPr sz="2040"/>
             </a:lvl1pPr>
-            <a:lvl2pPr marL="360045" indent="0" algn="ctr">
+            <a:lvl2pPr marL="388529" indent="0" algn="ctr">
               <a:buNone/>
-              <a:defRPr sz="1575"/>
+              <a:defRPr sz="1700"/>
             </a:lvl2pPr>
-            <a:lvl3pPr marL="720090" indent="0" algn="ctr">
+            <a:lvl3pPr marL="777057" indent="0" algn="ctr">
               <a:buNone/>
-              <a:defRPr sz="1418"/>
+              <a:defRPr sz="1530"/>
             </a:lvl3pPr>
-            <a:lvl4pPr marL="1080135" indent="0" algn="ctr">
+            <a:lvl4pPr marL="1165586" indent="0" algn="ctr">
               <a:buNone/>
-              <a:defRPr sz="1260"/>
+              <a:defRPr sz="1360"/>
             </a:lvl4pPr>
-            <a:lvl5pPr marL="1440180" indent="0" algn="ctr">
+            <a:lvl5pPr marL="1554114" indent="0" algn="ctr">
               <a:buNone/>
-              <a:defRPr sz="1260"/>
+              <a:defRPr sz="1360"/>
             </a:lvl5pPr>
-            <a:lvl6pPr marL="1800225" indent="0" algn="ctr">
+            <a:lvl6pPr marL="1942643" indent="0" algn="ctr">
               <a:buNone/>
-              <a:defRPr sz="1260"/>
+              <a:defRPr sz="1360"/>
             </a:lvl6pPr>
-            <a:lvl7pPr marL="2160270" indent="0" algn="ctr">
+            <a:lvl7pPr marL="2331171" indent="0" algn="ctr">
               <a:buNone/>
-              <a:defRPr sz="1260"/>
+              <a:defRPr sz="1360"/>
             </a:lvl7pPr>
-            <a:lvl8pPr marL="2520315" indent="0" algn="ctr">
+            <a:lvl8pPr marL="2719700" indent="0" algn="ctr">
               <a:buNone/>
-              <a:defRPr sz="1260"/>
+              <a:defRPr sz="1360"/>
             </a:lvl8pPr>
-            <a:lvl9pPr marL="2880360" indent="0" algn="ctr">
+            <a:lvl9pPr marL="3108228" indent="0" algn="ctr">
               <a:buNone/>
-              <a:defRPr sz="1260"/>
+              <a:defRPr sz="1360"/>
             </a:lvl9pPr>
           </a:lstStyle>
           <a:p>
@@ -243,7 +243,7 @@
           <a:p>
             <a:fld id="{29ECB265-18A1-4B44-AB36-1A05960C5FFF}" type="datetimeFigureOut">
               <a:rPr lang="zh-CN" altLang="en-US" smtClean="0"/>
-              <a:t>2018/9/13</a:t>
+              <a:t>2018/9/18</a:t>
             </a:fld>
             <a:endParaRPr lang="zh-CN" altLang="en-US"/>
           </a:p>
@@ -294,7 +294,7 @@
     </p:spTree>
     <p:extLst>
       <p:ext uri="{BB962C8B-B14F-4D97-AF65-F5344CB8AC3E}">
-        <p14:creationId xmlns:p14="http://schemas.microsoft.com/office/powerpoint/2010/main" val="2527679716"/>
+        <p14:creationId xmlns:p14="http://schemas.microsoft.com/office/powerpoint/2010/main" val="3022795609"/>
       </p:ext>
     </p:extLst>
   </p:cSld>
@@ -413,7 +413,7 @@
           <a:p>
             <a:fld id="{29ECB265-18A1-4B44-AB36-1A05960C5FFF}" type="datetimeFigureOut">
               <a:rPr lang="zh-CN" altLang="en-US" smtClean="0"/>
-              <a:t>2018/9/13</a:t>
+              <a:t>2018/9/18</a:t>
             </a:fld>
             <a:endParaRPr lang="zh-CN" altLang="en-US"/>
           </a:p>
@@ -464,7 +464,7 @@
     </p:spTree>
     <p:extLst>
       <p:ext uri="{BB962C8B-B14F-4D97-AF65-F5344CB8AC3E}">
-        <p14:creationId xmlns:p14="http://schemas.microsoft.com/office/powerpoint/2010/main" val="266296656"/>
+        <p14:creationId xmlns:p14="http://schemas.microsoft.com/office/powerpoint/2010/main" val="4257382756"/>
       </p:ext>
     </p:extLst>
   </p:cSld>
@@ -503,8 +503,8 @@
         </p:nvSpPr>
         <p:spPr>
           <a:xfrm>
-            <a:off x="5560988" y="287536"/>
-            <a:ext cx="1675582" cy="4576822"/>
+            <a:off x="5560988" y="383381"/>
+            <a:ext cx="1675582" cy="6102430"/>
           </a:xfrm>
         </p:spPr>
         <p:txBody>
@@ -531,8 +531,8 @@
         </p:nvSpPr>
         <p:spPr>
           <a:xfrm>
-            <a:off x="534244" y="287536"/>
-            <a:ext cx="4929609" cy="4576822"/>
+            <a:off x="534244" y="383381"/>
+            <a:ext cx="4929609" cy="6102430"/>
           </a:xfrm>
         </p:spPr>
         <p:txBody>
@@ -593,7 +593,7 @@
           <a:p>
             <a:fld id="{29ECB265-18A1-4B44-AB36-1A05960C5FFF}" type="datetimeFigureOut">
               <a:rPr lang="zh-CN" altLang="en-US" smtClean="0"/>
-              <a:t>2018/9/13</a:t>
+              <a:t>2018/9/18</a:t>
             </a:fld>
             <a:endParaRPr lang="zh-CN" altLang="en-US"/>
           </a:p>
@@ -644,7 +644,7 @@
     </p:spTree>
     <p:extLst>
       <p:ext uri="{BB962C8B-B14F-4D97-AF65-F5344CB8AC3E}">
-        <p14:creationId xmlns:p14="http://schemas.microsoft.com/office/powerpoint/2010/main" val="4229842233"/>
+        <p14:creationId xmlns:p14="http://schemas.microsoft.com/office/powerpoint/2010/main" val="3646993905"/>
       </p:ext>
     </p:extLst>
   </p:cSld>
@@ -763,7 +763,7 @@
           <a:p>
             <a:fld id="{29ECB265-18A1-4B44-AB36-1A05960C5FFF}" type="datetimeFigureOut">
               <a:rPr lang="zh-CN" altLang="en-US" smtClean="0"/>
-              <a:t>2018/9/13</a:t>
+              <a:t>2018/9/18</a:t>
             </a:fld>
             <a:endParaRPr lang="zh-CN" altLang="en-US"/>
           </a:p>
@@ -814,7 +814,7 @@
     </p:spTree>
     <p:extLst>
       <p:ext uri="{BB962C8B-B14F-4D97-AF65-F5344CB8AC3E}">
-        <p14:creationId xmlns:p14="http://schemas.microsoft.com/office/powerpoint/2010/main" val="210122913"/>
+        <p14:creationId xmlns:p14="http://schemas.microsoft.com/office/powerpoint/2010/main" val="1359935733"/>
       </p:ext>
     </p:extLst>
   </p:cSld>
@@ -853,15 +853,15 @@
         </p:nvSpPr>
         <p:spPr>
           <a:xfrm>
-            <a:off x="530197" y="1346420"/>
-            <a:ext cx="6702326" cy="2246530"/>
+            <a:off x="530197" y="1795226"/>
+            <a:ext cx="6702326" cy="2995374"/>
           </a:xfrm>
         </p:spPr>
         <p:txBody>
           <a:bodyPr anchor="b"/>
           <a:lstStyle>
             <a:lvl1pPr>
-              <a:defRPr sz="4725"/>
+              <a:defRPr sz="5099"/>
             </a:lvl1pPr>
           </a:lstStyle>
           <a:p>
@@ -885,8 +885,8 @@
         </p:nvSpPr>
         <p:spPr>
           <a:xfrm>
-            <a:off x="530197" y="3614203"/>
-            <a:ext cx="6702326" cy="1181397"/>
+            <a:off x="530197" y="4818938"/>
+            <a:ext cx="6702326" cy="1575196"/>
           </a:xfrm>
         </p:spPr>
         <p:txBody>
@@ -894,15 +894,15 @@
           <a:lstStyle>
             <a:lvl1pPr marL="0" indent="0">
               <a:buNone/>
-              <a:defRPr sz="1890">
+              <a:defRPr sz="2040">
                 <a:solidFill>
                   <a:schemeClr val="tx1"/>
                 </a:solidFill>
               </a:defRPr>
             </a:lvl1pPr>
-            <a:lvl2pPr marL="360045" indent="0">
+            <a:lvl2pPr marL="388529" indent="0">
               <a:buNone/>
-              <a:defRPr sz="1575">
+              <a:defRPr sz="1700">
                 <a:solidFill>
                   <a:schemeClr val="tx1">
                     <a:tint val="75000"/>
@@ -910,9 +910,9 @@
                 </a:solidFill>
               </a:defRPr>
             </a:lvl2pPr>
-            <a:lvl3pPr marL="720090" indent="0">
+            <a:lvl3pPr marL="777057" indent="0">
               <a:buNone/>
-              <a:defRPr sz="1418">
+              <a:defRPr sz="1530">
                 <a:solidFill>
                   <a:schemeClr val="tx1">
                     <a:tint val="75000"/>
@@ -920,9 +920,9 @@
                 </a:solidFill>
               </a:defRPr>
             </a:lvl3pPr>
-            <a:lvl4pPr marL="1080135" indent="0">
+            <a:lvl4pPr marL="1165586" indent="0">
               <a:buNone/>
-              <a:defRPr sz="1260">
+              <a:defRPr sz="1360">
                 <a:solidFill>
                   <a:schemeClr val="tx1">
                     <a:tint val="75000"/>
@@ -930,9 +930,9 @@
                 </a:solidFill>
               </a:defRPr>
             </a:lvl4pPr>
-            <a:lvl5pPr marL="1440180" indent="0">
+            <a:lvl5pPr marL="1554114" indent="0">
               <a:buNone/>
-              <a:defRPr sz="1260">
+              <a:defRPr sz="1360">
                 <a:solidFill>
                   <a:schemeClr val="tx1">
                     <a:tint val="75000"/>
@@ -940,9 +940,9 @@
                 </a:solidFill>
               </a:defRPr>
             </a:lvl5pPr>
-            <a:lvl6pPr marL="1800225" indent="0">
+            <a:lvl6pPr marL="1942643" indent="0">
               <a:buNone/>
-              <a:defRPr sz="1260">
+              <a:defRPr sz="1360">
                 <a:solidFill>
                   <a:schemeClr val="tx1">
                     <a:tint val="75000"/>
@@ -950,9 +950,9 @@
                 </a:solidFill>
               </a:defRPr>
             </a:lvl6pPr>
-            <a:lvl7pPr marL="2160270" indent="0">
+            <a:lvl7pPr marL="2331171" indent="0">
               <a:buNone/>
-              <a:defRPr sz="1260">
+              <a:defRPr sz="1360">
                 <a:solidFill>
                   <a:schemeClr val="tx1">
                     <a:tint val="75000"/>
@@ -960,9 +960,9 @@
                 </a:solidFill>
               </a:defRPr>
             </a:lvl7pPr>
-            <a:lvl8pPr marL="2520315" indent="0">
+            <a:lvl8pPr marL="2719700" indent="0">
               <a:buNone/>
-              <a:defRPr sz="1260">
+              <a:defRPr sz="1360">
                 <a:solidFill>
                   <a:schemeClr val="tx1">
                     <a:tint val="75000"/>
@@ -970,9 +970,9 @@
                 </a:solidFill>
               </a:defRPr>
             </a:lvl8pPr>
-            <a:lvl9pPr marL="2880360" indent="0">
+            <a:lvl9pPr marL="3108228" indent="0">
               <a:buNone/>
-              <a:defRPr sz="1260">
+              <a:defRPr sz="1360">
                 <a:solidFill>
                   <a:schemeClr val="tx1">
                     <a:tint val="75000"/>
@@ -1007,7 +1007,7 @@
           <a:p>
             <a:fld id="{29ECB265-18A1-4B44-AB36-1A05960C5FFF}" type="datetimeFigureOut">
               <a:rPr lang="zh-CN" altLang="en-US" smtClean="0"/>
-              <a:t>2018/9/13</a:t>
+              <a:t>2018/9/18</a:t>
             </a:fld>
             <a:endParaRPr lang="zh-CN" altLang="en-US"/>
           </a:p>
@@ -1058,7 +1058,7 @@
     </p:spTree>
     <p:extLst>
       <p:ext uri="{BB962C8B-B14F-4D97-AF65-F5344CB8AC3E}">
-        <p14:creationId xmlns:p14="http://schemas.microsoft.com/office/powerpoint/2010/main" val="1480739368"/>
+        <p14:creationId xmlns:p14="http://schemas.microsoft.com/office/powerpoint/2010/main" val="1381666764"/>
       </p:ext>
     </p:extLst>
   </p:cSld>
@@ -1120,8 +1120,8 @@
         </p:nvSpPr>
         <p:spPr>
           <a:xfrm>
-            <a:off x="534243" y="1437680"/>
-            <a:ext cx="3302596" cy="3426679"/>
+            <a:off x="534243" y="1916906"/>
+            <a:ext cx="3302596" cy="4568905"/>
           </a:xfrm>
         </p:spPr>
         <p:txBody>
@@ -1177,8 +1177,8 @@
         </p:nvSpPr>
         <p:spPr>
           <a:xfrm>
-            <a:off x="3933974" y="1437680"/>
-            <a:ext cx="3302596" cy="3426679"/>
+            <a:off x="3933974" y="1916906"/>
+            <a:ext cx="3302596" cy="4568905"/>
           </a:xfrm>
         </p:spPr>
         <p:txBody>
@@ -1239,7 +1239,7 @@
           <a:p>
             <a:fld id="{29ECB265-18A1-4B44-AB36-1A05960C5FFF}" type="datetimeFigureOut">
               <a:rPr lang="zh-CN" altLang="en-US" smtClean="0"/>
-              <a:t>2018/9/13</a:t>
+              <a:t>2018/9/18</a:t>
             </a:fld>
             <a:endParaRPr lang="zh-CN" altLang="en-US"/>
           </a:p>
@@ -1290,7 +1290,7 @@
     </p:spTree>
     <p:extLst>
       <p:ext uri="{BB962C8B-B14F-4D97-AF65-F5344CB8AC3E}">
-        <p14:creationId xmlns:p14="http://schemas.microsoft.com/office/powerpoint/2010/main" val="3893284150"/>
+        <p14:creationId xmlns:p14="http://schemas.microsoft.com/office/powerpoint/2010/main" val="2919112320"/>
       </p:ext>
     </p:extLst>
   </p:cSld>
@@ -1329,8 +1329,8 @@
         </p:nvSpPr>
         <p:spPr>
           <a:xfrm>
-            <a:off x="535256" y="287537"/>
-            <a:ext cx="6702326" cy="1043881"/>
+            <a:off x="535256" y="383383"/>
+            <a:ext cx="6702326" cy="1391841"/>
           </a:xfrm>
         </p:spPr>
         <p:txBody>
@@ -1357,8 +1357,8 @@
         </p:nvSpPr>
         <p:spPr>
           <a:xfrm>
-            <a:off x="535256" y="1323916"/>
-            <a:ext cx="3287418" cy="648831"/>
+            <a:off x="535256" y="1765221"/>
+            <a:ext cx="3287418" cy="865108"/>
           </a:xfrm>
         </p:spPr>
         <p:txBody>
@@ -1366,39 +1366,39 @@
           <a:lstStyle>
             <a:lvl1pPr marL="0" indent="0">
               <a:buNone/>
-              <a:defRPr sz="1890" b="1"/>
+              <a:defRPr sz="2040" b="1"/>
             </a:lvl1pPr>
-            <a:lvl2pPr marL="360045" indent="0">
+            <a:lvl2pPr marL="388529" indent="0">
               <a:buNone/>
-              <a:defRPr sz="1575" b="1"/>
+              <a:defRPr sz="1700" b="1"/>
             </a:lvl2pPr>
-            <a:lvl3pPr marL="720090" indent="0">
+            <a:lvl3pPr marL="777057" indent="0">
               <a:buNone/>
-              <a:defRPr sz="1418" b="1"/>
+              <a:defRPr sz="1530" b="1"/>
             </a:lvl3pPr>
-            <a:lvl4pPr marL="1080135" indent="0">
+            <a:lvl4pPr marL="1165586" indent="0">
               <a:buNone/>
-              <a:defRPr sz="1260" b="1"/>
+              <a:defRPr sz="1360" b="1"/>
             </a:lvl4pPr>
-            <a:lvl5pPr marL="1440180" indent="0">
+            <a:lvl5pPr marL="1554114" indent="0">
               <a:buNone/>
-              <a:defRPr sz="1260" b="1"/>
+              <a:defRPr sz="1360" b="1"/>
             </a:lvl5pPr>
-            <a:lvl6pPr marL="1800225" indent="0">
+            <a:lvl6pPr marL="1942643" indent="0">
               <a:buNone/>
-              <a:defRPr sz="1260" b="1"/>
+              <a:defRPr sz="1360" b="1"/>
             </a:lvl6pPr>
-            <a:lvl7pPr marL="2160270" indent="0">
+            <a:lvl7pPr marL="2331171" indent="0">
               <a:buNone/>
-              <a:defRPr sz="1260" b="1"/>
+              <a:defRPr sz="1360" b="1"/>
             </a:lvl7pPr>
-            <a:lvl8pPr marL="2520315" indent="0">
+            <a:lvl8pPr marL="2719700" indent="0">
               <a:buNone/>
-              <a:defRPr sz="1260" b="1"/>
+              <a:defRPr sz="1360" b="1"/>
             </a:lvl8pPr>
-            <a:lvl9pPr marL="2880360" indent="0">
+            <a:lvl9pPr marL="3108228" indent="0">
               <a:buNone/>
-              <a:defRPr sz="1260" b="1"/>
+              <a:defRPr sz="1360" b="1"/>
             </a:lvl9pPr>
           </a:lstStyle>
           <a:p>
@@ -1422,8 +1422,8 @@
         </p:nvSpPr>
         <p:spPr>
           <a:xfrm>
-            <a:off x="535256" y="1972747"/>
-            <a:ext cx="3287418" cy="2901613"/>
+            <a:off x="535256" y="2630329"/>
+            <a:ext cx="3287418" cy="3868817"/>
           </a:xfrm>
         </p:spPr>
         <p:txBody>
@@ -1479,8 +1479,8 @@
         </p:nvSpPr>
         <p:spPr>
           <a:xfrm>
-            <a:off x="3933974" y="1323916"/>
-            <a:ext cx="3303608" cy="648831"/>
+            <a:off x="3933974" y="1765221"/>
+            <a:ext cx="3303608" cy="865108"/>
           </a:xfrm>
         </p:spPr>
         <p:txBody>
@@ -1488,39 +1488,39 @@
           <a:lstStyle>
             <a:lvl1pPr marL="0" indent="0">
               <a:buNone/>
-              <a:defRPr sz="1890" b="1"/>
+              <a:defRPr sz="2040" b="1"/>
             </a:lvl1pPr>
-            <a:lvl2pPr marL="360045" indent="0">
+            <a:lvl2pPr marL="388529" indent="0">
               <a:buNone/>
-              <a:defRPr sz="1575" b="1"/>
+              <a:defRPr sz="1700" b="1"/>
             </a:lvl2pPr>
-            <a:lvl3pPr marL="720090" indent="0">
+            <a:lvl3pPr marL="777057" indent="0">
               <a:buNone/>
-              <a:defRPr sz="1418" b="1"/>
+              <a:defRPr sz="1530" b="1"/>
             </a:lvl3pPr>
-            <a:lvl4pPr marL="1080135" indent="0">
+            <a:lvl4pPr marL="1165586" indent="0">
               <a:buNone/>
-              <a:defRPr sz="1260" b="1"/>
+              <a:defRPr sz="1360" b="1"/>
             </a:lvl4pPr>
-            <a:lvl5pPr marL="1440180" indent="0">
+            <a:lvl5pPr marL="1554114" indent="0">
               <a:buNone/>
-              <a:defRPr sz="1260" b="1"/>
+              <a:defRPr sz="1360" b="1"/>
             </a:lvl5pPr>
-            <a:lvl6pPr marL="1800225" indent="0">
+            <a:lvl6pPr marL="1942643" indent="0">
               <a:buNone/>
-              <a:defRPr sz="1260" b="1"/>
+              <a:defRPr sz="1360" b="1"/>
             </a:lvl6pPr>
-            <a:lvl7pPr marL="2160270" indent="0">
+            <a:lvl7pPr marL="2331171" indent="0">
               <a:buNone/>
-              <a:defRPr sz="1260" b="1"/>
+              <a:defRPr sz="1360" b="1"/>
             </a:lvl7pPr>
-            <a:lvl8pPr marL="2520315" indent="0">
+            <a:lvl8pPr marL="2719700" indent="0">
               <a:buNone/>
-              <a:defRPr sz="1260" b="1"/>
+              <a:defRPr sz="1360" b="1"/>
             </a:lvl8pPr>
-            <a:lvl9pPr marL="2880360" indent="0">
+            <a:lvl9pPr marL="3108228" indent="0">
               <a:buNone/>
-              <a:defRPr sz="1260" b="1"/>
+              <a:defRPr sz="1360" b="1"/>
             </a:lvl9pPr>
           </a:lstStyle>
           <a:p>
@@ -1544,8 +1544,8 @@
         </p:nvSpPr>
         <p:spPr>
           <a:xfrm>
-            <a:off x="3933974" y="1972747"/>
-            <a:ext cx="3303608" cy="2901613"/>
+            <a:off x="3933974" y="2630329"/>
+            <a:ext cx="3303608" cy="3868817"/>
           </a:xfrm>
         </p:spPr>
         <p:txBody>
@@ -1606,7 +1606,7 @@
           <a:p>
             <a:fld id="{29ECB265-18A1-4B44-AB36-1A05960C5FFF}" type="datetimeFigureOut">
               <a:rPr lang="zh-CN" altLang="en-US" smtClean="0"/>
-              <a:t>2018/9/13</a:t>
+              <a:t>2018/9/18</a:t>
             </a:fld>
             <a:endParaRPr lang="zh-CN" altLang="en-US"/>
           </a:p>
@@ -1657,7 +1657,7 @@
     </p:spTree>
     <p:extLst>
       <p:ext uri="{BB962C8B-B14F-4D97-AF65-F5344CB8AC3E}">
-        <p14:creationId xmlns:p14="http://schemas.microsoft.com/office/powerpoint/2010/main" val="2372891653"/>
+        <p14:creationId xmlns:p14="http://schemas.microsoft.com/office/powerpoint/2010/main" val="3446119850"/>
       </p:ext>
     </p:extLst>
   </p:cSld>
@@ -1724,7 +1724,7 @@
           <a:p>
             <a:fld id="{29ECB265-18A1-4B44-AB36-1A05960C5FFF}" type="datetimeFigureOut">
               <a:rPr lang="zh-CN" altLang="en-US" smtClean="0"/>
-              <a:t>2018/9/13</a:t>
+              <a:t>2018/9/18</a:t>
             </a:fld>
             <a:endParaRPr lang="zh-CN" altLang="en-US"/>
           </a:p>
@@ -1775,7 +1775,7 @@
     </p:spTree>
     <p:extLst>
       <p:ext uri="{BB962C8B-B14F-4D97-AF65-F5344CB8AC3E}">
-        <p14:creationId xmlns:p14="http://schemas.microsoft.com/office/powerpoint/2010/main" val="605592005"/>
+        <p14:creationId xmlns:p14="http://schemas.microsoft.com/office/powerpoint/2010/main" val="1520112442"/>
       </p:ext>
     </p:extLst>
   </p:cSld>
@@ -1819,7 +1819,7 @@
           <a:p>
             <a:fld id="{29ECB265-18A1-4B44-AB36-1A05960C5FFF}" type="datetimeFigureOut">
               <a:rPr lang="zh-CN" altLang="en-US" smtClean="0"/>
-              <a:t>2018/9/13</a:t>
+              <a:t>2018/9/18</a:t>
             </a:fld>
             <a:endParaRPr lang="zh-CN" altLang="en-US"/>
           </a:p>
@@ -1870,7 +1870,7 @@
     </p:spTree>
     <p:extLst>
       <p:ext uri="{BB962C8B-B14F-4D97-AF65-F5344CB8AC3E}">
-        <p14:creationId xmlns:p14="http://schemas.microsoft.com/office/powerpoint/2010/main" val="2047074775"/>
+        <p14:creationId xmlns:p14="http://schemas.microsoft.com/office/powerpoint/2010/main" val="3492603182"/>
       </p:ext>
     </p:extLst>
   </p:cSld>
@@ -1909,15 +1909,15 @@
         </p:nvSpPr>
         <p:spPr>
           <a:xfrm>
-            <a:off x="535256" y="360045"/>
-            <a:ext cx="2506289" cy="1260158"/>
+            <a:off x="535256" y="480060"/>
+            <a:ext cx="2506289" cy="1680210"/>
           </a:xfrm>
         </p:spPr>
         <p:txBody>
           <a:bodyPr anchor="b"/>
           <a:lstStyle>
             <a:lvl1pPr>
-              <a:defRPr sz="2520"/>
+              <a:defRPr sz="2719"/>
             </a:lvl1pPr>
           </a:lstStyle>
           <a:p>
@@ -1941,39 +1941,39 @@
         </p:nvSpPr>
         <p:spPr>
           <a:xfrm>
-            <a:off x="3303608" y="777598"/>
-            <a:ext cx="3933974" cy="3837980"/>
+            <a:off x="3303608" y="1036798"/>
+            <a:ext cx="3933974" cy="5117306"/>
           </a:xfrm>
         </p:spPr>
         <p:txBody>
           <a:bodyPr/>
           <a:lstStyle>
             <a:lvl1pPr>
-              <a:defRPr sz="2520"/>
+              <a:defRPr sz="2719"/>
             </a:lvl1pPr>
             <a:lvl2pPr>
-              <a:defRPr sz="2205"/>
+              <a:defRPr sz="2379"/>
             </a:lvl2pPr>
             <a:lvl3pPr>
-              <a:defRPr sz="1890"/>
+              <a:defRPr sz="2040"/>
             </a:lvl3pPr>
             <a:lvl4pPr>
-              <a:defRPr sz="1575"/>
+              <a:defRPr sz="1700"/>
             </a:lvl4pPr>
             <a:lvl5pPr>
-              <a:defRPr sz="1575"/>
+              <a:defRPr sz="1700"/>
             </a:lvl5pPr>
             <a:lvl6pPr>
-              <a:defRPr sz="1575"/>
+              <a:defRPr sz="1700"/>
             </a:lvl6pPr>
             <a:lvl7pPr>
-              <a:defRPr sz="1575"/>
+              <a:defRPr sz="1700"/>
             </a:lvl7pPr>
             <a:lvl8pPr>
-              <a:defRPr sz="1575"/>
+              <a:defRPr sz="1700"/>
             </a:lvl8pPr>
             <a:lvl9pPr>
-              <a:defRPr sz="1575"/>
+              <a:defRPr sz="1700"/>
             </a:lvl9pPr>
           </a:lstStyle>
           <a:p>
@@ -2026,8 +2026,8 @@
         </p:nvSpPr>
         <p:spPr>
           <a:xfrm>
-            <a:off x="535256" y="1620202"/>
-            <a:ext cx="2506289" cy="3001626"/>
+            <a:off x="535256" y="2160270"/>
+            <a:ext cx="2506289" cy="4002167"/>
           </a:xfrm>
         </p:spPr>
         <p:txBody>
@@ -2035,39 +2035,39 @@
           <a:lstStyle>
             <a:lvl1pPr marL="0" indent="0">
               <a:buNone/>
-              <a:defRPr sz="1260"/>
+              <a:defRPr sz="1360"/>
             </a:lvl1pPr>
-            <a:lvl2pPr marL="360045" indent="0">
+            <a:lvl2pPr marL="388529" indent="0">
               <a:buNone/>
-              <a:defRPr sz="1103"/>
+              <a:defRPr sz="1190"/>
             </a:lvl2pPr>
-            <a:lvl3pPr marL="720090" indent="0">
+            <a:lvl3pPr marL="777057" indent="0">
               <a:buNone/>
-              <a:defRPr sz="945"/>
+              <a:defRPr sz="1020"/>
             </a:lvl3pPr>
-            <a:lvl4pPr marL="1080135" indent="0">
+            <a:lvl4pPr marL="1165586" indent="0">
               <a:buNone/>
-              <a:defRPr sz="788"/>
+              <a:defRPr sz="850"/>
             </a:lvl4pPr>
-            <a:lvl5pPr marL="1440180" indent="0">
+            <a:lvl5pPr marL="1554114" indent="0">
               <a:buNone/>
-              <a:defRPr sz="788"/>
+              <a:defRPr sz="850"/>
             </a:lvl5pPr>
-            <a:lvl6pPr marL="1800225" indent="0">
+            <a:lvl6pPr marL="1942643" indent="0">
               <a:buNone/>
-              <a:defRPr sz="788"/>
+              <a:defRPr sz="850"/>
             </a:lvl6pPr>
-            <a:lvl7pPr marL="2160270" indent="0">
+            <a:lvl7pPr marL="2331171" indent="0">
               <a:buNone/>
-              <a:defRPr sz="788"/>
+              <a:defRPr sz="850"/>
             </a:lvl7pPr>
-            <a:lvl8pPr marL="2520315" indent="0">
+            <a:lvl8pPr marL="2719700" indent="0">
               <a:buNone/>
-              <a:defRPr sz="788"/>
+              <a:defRPr sz="850"/>
             </a:lvl8pPr>
-            <a:lvl9pPr marL="2880360" indent="0">
+            <a:lvl9pPr marL="3108228" indent="0">
               <a:buNone/>
-              <a:defRPr sz="788"/>
+              <a:defRPr sz="850"/>
             </a:lvl9pPr>
           </a:lstStyle>
           <a:p>
@@ -2096,7 +2096,7 @@
           <a:p>
             <a:fld id="{29ECB265-18A1-4B44-AB36-1A05960C5FFF}" type="datetimeFigureOut">
               <a:rPr lang="zh-CN" altLang="en-US" smtClean="0"/>
-              <a:t>2018/9/13</a:t>
+              <a:t>2018/9/18</a:t>
             </a:fld>
             <a:endParaRPr lang="zh-CN" altLang="en-US"/>
           </a:p>
@@ -2147,7 +2147,7 @@
     </p:spTree>
     <p:extLst>
       <p:ext uri="{BB962C8B-B14F-4D97-AF65-F5344CB8AC3E}">
-        <p14:creationId xmlns:p14="http://schemas.microsoft.com/office/powerpoint/2010/main" val="178890660"/>
+        <p14:creationId xmlns:p14="http://schemas.microsoft.com/office/powerpoint/2010/main" val="2706821711"/>
       </p:ext>
     </p:extLst>
   </p:cSld>
@@ -2186,15 +2186,15 @@
         </p:nvSpPr>
         <p:spPr>
           <a:xfrm>
-            <a:off x="535256" y="360045"/>
-            <a:ext cx="2506289" cy="1260158"/>
+            <a:off x="535256" y="480060"/>
+            <a:ext cx="2506289" cy="1680210"/>
           </a:xfrm>
         </p:spPr>
         <p:txBody>
           <a:bodyPr anchor="b"/>
           <a:lstStyle>
             <a:lvl1pPr>
-              <a:defRPr sz="2520"/>
+              <a:defRPr sz="2719"/>
             </a:lvl1pPr>
           </a:lstStyle>
           <a:p>
@@ -2218,8 +2218,8 @@
         </p:nvSpPr>
         <p:spPr>
           <a:xfrm>
-            <a:off x="3303608" y="777598"/>
-            <a:ext cx="3933974" cy="3837980"/>
+            <a:off x="3303608" y="1036798"/>
+            <a:ext cx="3933974" cy="5117306"/>
           </a:xfrm>
         </p:spPr>
         <p:txBody>
@@ -2227,39 +2227,39 @@
           <a:lstStyle>
             <a:lvl1pPr marL="0" indent="0">
               <a:buNone/>
-              <a:defRPr sz="2520"/>
+              <a:defRPr sz="2719"/>
             </a:lvl1pPr>
-            <a:lvl2pPr marL="360045" indent="0">
+            <a:lvl2pPr marL="388529" indent="0">
               <a:buNone/>
-              <a:defRPr sz="2205"/>
+              <a:defRPr sz="2379"/>
             </a:lvl2pPr>
-            <a:lvl3pPr marL="720090" indent="0">
+            <a:lvl3pPr marL="777057" indent="0">
               <a:buNone/>
-              <a:defRPr sz="1890"/>
+              <a:defRPr sz="2040"/>
             </a:lvl3pPr>
-            <a:lvl4pPr marL="1080135" indent="0">
+            <a:lvl4pPr marL="1165586" indent="0">
               <a:buNone/>
-              <a:defRPr sz="1575"/>
+              <a:defRPr sz="1700"/>
             </a:lvl4pPr>
-            <a:lvl5pPr marL="1440180" indent="0">
+            <a:lvl5pPr marL="1554114" indent="0">
               <a:buNone/>
-              <a:defRPr sz="1575"/>
+              <a:defRPr sz="1700"/>
             </a:lvl5pPr>
-            <a:lvl6pPr marL="1800225" indent="0">
+            <a:lvl6pPr marL="1942643" indent="0">
               <a:buNone/>
-              <a:defRPr sz="1575"/>
+              <a:defRPr sz="1700"/>
             </a:lvl6pPr>
-            <a:lvl7pPr marL="2160270" indent="0">
+            <a:lvl7pPr marL="2331171" indent="0">
               <a:buNone/>
-              <a:defRPr sz="1575"/>
+              <a:defRPr sz="1700"/>
             </a:lvl7pPr>
-            <a:lvl8pPr marL="2520315" indent="0">
+            <a:lvl8pPr marL="2719700" indent="0">
               <a:buNone/>
-              <a:defRPr sz="1575"/>
+              <a:defRPr sz="1700"/>
             </a:lvl8pPr>
-            <a:lvl9pPr marL="2880360" indent="0">
+            <a:lvl9pPr marL="3108228" indent="0">
               <a:buNone/>
-              <a:defRPr sz="1575"/>
+              <a:defRPr sz="1700"/>
             </a:lvl9pPr>
           </a:lstStyle>
           <a:p>
@@ -2283,8 +2283,8 @@
         </p:nvSpPr>
         <p:spPr>
           <a:xfrm>
-            <a:off x="535256" y="1620202"/>
-            <a:ext cx="2506289" cy="3001626"/>
+            <a:off x="535256" y="2160270"/>
+            <a:ext cx="2506289" cy="4002167"/>
           </a:xfrm>
         </p:spPr>
         <p:txBody>
@@ -2292,39 +2292,39 @@
           <a:lstStyle>
             <a:lvl1pPr marL="0" indent="0">
               <a:buNone/>
-              <a:defRPr sz="1260"/>
+              <a:defRPr sz="1360"/>
             </a:lvl1pPr>
-            <a:lvl2pPr marL="360045" indent="0">
+            <a:lvl2pPr marL="388529" indent="0">
               <a:buNone/>
-              <a:defRPr sz="1103"/>
+              <a:defRPr sz="1190"/>
             </a:lvl2pPr>
-            <a:lvl3pPr marL="720090" indent="0">
+            <a:lvl3pPr marL="777057" indent="0">
               <a:buNone/>
-              <a:defRPr sz="945"/>
+              <a:defRPr sz="1020"/>
             </a:lvl3pPr>
-            <a:lvl4pPr marL="1080135" indent="0">
+            <a:lvl4pPr marL="1165586" indent="0">
               <a:buNone/>
-              <a:defRPr sz="788"/>
+              <a:defRPr sz="850"/>
             </a:lvl4pPr>
-            <a:lvl5pPr marL="1440180" indent="0">
+            <a:lvl5pPr marL="1554114" indent="0">
               <a:buNone/>
-              <a:defRPr sz="788"/>
+              <a:defRPr sz="850"/>
             </a:lvl5pPr>
-            <a:lvl6pPr marL="1800225" indent="0">
+            <a:lvl6pPr marL="1942643" indent="0">
               <a:buNone/>
-              <a:defRPr sz="788"/>
+              <a:defRPr sz="850"/>
             </a:lvl6pPr>
-            <a:lvl7pPr marL="2160270" indent="0">
+            <a:lvl7pPr marL="2331171" indent="0">
               <a:buNone/>
-              <a:defRPr sz="788"/>
+              <a:defRPr sz="850"/>
             </a:lvl7pPr>
-            <a:lvl8pPr marL="2520315" indent="0">
+            <a:lvl8pPr marL="2719700" indent="0">
               <a:buNone/>
-              <a:defRPr sz="788"/>
+              <a:defRPr sz="850"/>
             </a:lvl8pPr>
-            <a:lvl9pPr marL="2880360" indent="0">
+            <a:lvl9pPr marL="3108228" indent="0">
               <a:buNone/>
-              <a:defRPr sz="788"/>
+              <a:defRPr sz="850"/>
             </a:lvl9pPr>
           </a:lstStyle>
           <a:p>
@@ -2353,7 +2353,7 @@
           <a:p>
             <a:fld id="{29ECB265-18A1-4B44-AB36-1A05960C5FFF}" type="datetimeFigureOut">
               <a:rPr lang="zh-CN" altLang="en-US" smtClean="0"/>
-              <a:t>2018/9/13</a:t>
+              <a:t>2018/9/18</a:t>
             </a:fld>
             <a:endParaRPr lang="zh-CN" altLang="en-US"/>
           </a:p>
@@ -2404,7 +2404,7 @@
     </p:spTree>
     <p:extLst>
       <p:ext uri="{BB962C8B-B14F-4D97-AF65-F5344CB8AC3E}">
-        <p14:creationId xmlns:p14="http://schemas.microsoft.com/office/powerpoint/2010/main" val="3001872639"/>
+        <p14:creationId xmlns:p14="http://schemas.microsoft.com/office/powerpoint/2010/main" val="2979446940"/>
       </p:ext>
     </p:extLst>
   </p:cSld>
@@ -2436,30 +2436,6 @@
           <a:chExt cx="0" cy="0"/>
         </a:xfrm>
       </p:grpSpPr>
-      <p:pic>
-        <p:nvPicPr>
-          <p:cNvPr id="15" name="Picture 4"/>
-          <p:cNvPicPr>
-            <a:picLocks noChangeAspect="1"/>
-          </p:cNvPicPr>
-          <p:nvPr userDrawn="1"/>
-        </p:nvPicPr>
-        <p:blipFill>
-          <a:blip r:embed="rId13"/>
-          <a:stretch>
-            <a:fillRect/>
-          </a:stretch>
-        </p:blipFill>
-        <p:spPr>
-          <a:xfrm>
-            <a:off x="60159" y="52198"/>
-            <a:ext cx="7710654" cy="936859"/>
-          </a:xfrm>
-          <a:prstGeom prst="rect">
-            <a:avLst/>
-          </a:prstGeom>
-        </p:spPr>
-      </p:pic>
       <p:sp>
         <p:nvSpPr>
           <p:cNvPr id="2" name="Title Placeholder 1"/>
@@ -2472,8 +2448,8 @@
         </p:nvSpPr>
         <p:spPr>
           <a:xfrm>
-            <a:off x="534244" y="287537"/>
-            <a:ext cx="6702326" cy="1043881"/>
+            <a:off x="534244" y="383383"/>
+            <a:ext cx="6702326" cy="1391841"/>
           </a:xfrm>
           <a:prstGeom prst="rect">
             <a:avLst/>
@@ -2505,8 +2481,8 @@
         </p:nvSpPr>
         <p:spPr>
           <a:xfrm>
-            <a:off x="534244" y="1437680"/>
-            <a:ext cx="6702326" cy="3426679"/>
+            <a:off x="534244" y="1916906"/>
+            <a:ext cx="6702326" cy="4568905"/>
           </a:xfrm>
           <a:prstGeom prst="rect">
             <a:avLst/>
@@ -2567,8 +2543,8 @@
         </p:nvSpPr>
         <p:spPr>
           <a:xfrm>
-            <a:off x="534243" y="5005627"/>
-            <a:ext cx="1748433" cy="287536"/>
+            <a:off x="534243" y="6674169"/>
+            <a:ext cx="1748433" cy="383381"/>
           </a:xfrm>
           <a:prstGeom prst="rect">
             <a:avLst/>
@@ -2578,7 +2554,7 @@
           <a:bodyPr vert="horz" lIns="91440" tIns="45720" rIns="91440" bIns="45720" rtlCol="0" anchor="ctr"/>
           <a:lstStyle>
             <a:lvl1pPr algn="l">
-              <a:defRPr sz="945">
+              <a:defRPr sz="1020">
                 <a:solidFill>
                   <a:schemeClr val="tx1">
                     <a:tint val="75000"/>
@@ -2590,7 +2566,7 @@
           <a:p>
             <a:fld id="{29ECB265-18A1-4B44-AB36-1A05960C5FFF}" type="datetimeFigureOut">
               <a:rPr lang="zh-CN" altLang="en-US" smtClean="0"/>
-              <a:t>2018/9/13</a:t>
+              <a:t>2018/9/18</a:t>
             </a:fld>
             <a:endParaRPr lang="zh-CN" altLang="en-US"/>
           </a:p>
@@ -2608,8 +2584,8 @@
         </p:nvSpPr>
         <p:spPr>
           <a:xfrm>
-            <a:off x="2574082" y="5005627"/>
-            <a:ext cx="2622649" cy="287536"/>
+            <a:off x="2574082" y="6674169"/>
+            <a:ext cx="2622649" cy="383381"/>
           </a:xfrm>
           <a:prstGeom prst="rect">
             <a:avLst/>
@@ -2619,7 +2595,7 @@
           <a:bodyPr vert="horz" lIns="91440" tIns="45720" rIns="91440" bIns="45720" rtlCol="0" anchor="ctr"/>
           <a:lstStyle>
             <a:lvl1pPr algn="ctr">
-              <a:defRPr sz="945">
+              <a:defRPr sz="1020">
                 <a:solidFill>
                   <a:schemeClr val="tx1">
                     <a:tint val="75000"/>
@@ -2645,8 +2621,8 @@
         </p:nvSpPr>
         <p:spPr>
           <a:xfrm>
-            <a:off x="5488137" y="5005627"/>
-            <a:ext cx="1748433" cy="287536"/>
+            <a:off x="5488137" y="6674169"/>
+            <a:ext cx="1748433" cy="383381"/>
           </a:xfrm>
           <a:prstGeom prst="rect">
             <a:avLst/>
@@ -2656,7 +2632,7 @@
           <a:bodyPr vert="horz" lIns="91440" tIns="45720" rIns="91440" bIns="45720" rtlCol="0" anchor="ctr"/>
           <a:lstStyle>
             <a:lvl1pPr algn="r">
-              <a:defRPr sz="945">
+              <a:defRPr sz="1020">
                 <a:solidFill>
                   <a:schemeClr val="tx1">
                     <a:tint val="75000"/>
@@ -2674,23 +2650,47 @@
           </a:p>
         </p:txBody>
       </p:sp>
+      <p:pic>
+        <p:nvPicPr>
+          <p:cNvPr id="7" name="Picture 4"/>
+          <p:cNvPicPr>
+            <a:picLocks noChangeAspect="1"/>
+          </p:cNvPicPr>
+          <p:nvPr userDrawn="1"/>
+        </p:nvPicPr>
+        <p:blipFill>
+          <a:blip r:embed="rId13"/>
+          <a:stretch>
+            <a:fillRect/>
+          </a:stretch>
+        </p:blipFill>
+        <p:spPr>
+          <a:xfrm>
+            <a:off x="60159" y="69598"/>
+            <a:ext cx="7710654" cy="1249145"/>
+          </a:xfrm>
+          <a:prstGeom prst="rect">
+            <a:avLst/>
+          </a:prstGeom>
+        </p:spPr>
+      </p:pic>
       <p:grpSp>
         <p:nvGrpSpPr>
-          <p:cNvPr id="14" name="组合 13"/>
+          <p:cNvPr id="8" name="组合 7"/>
           <p:cNvGrpSpPr/>
           <p:nvPr userDrawn="1"/>
         </p:nvGrpSpPr>
         <p:grpSpPr>
           <a:xfrm>
-            <a:off x="649705" y="0"/>
-            <a:ext cx="6481011" cy="5400675"/>
+            <a:off x="649706" y="1"/>
+            <a:ext cx="6481011" cy="7200900"/>
             <a:chOff x="649705" y="0"/>
             <a:chExt cx="6481011" cy="10056813"/>
           </a:xfrm>
         </p:grpSpPr>
         <p:cxnSp>
           <p:nvCxnSpPr>
-            <p:cNvPr id="8" name="直接连接符 7"/>
+            <p:cNvPr id="9" name="直接连接符 8"/>
             <p:cNvCxnSpPr/>
             <p:nvPr/>
           </p:nvCxnSpPr>
@@ -2727,7 +2727,7 @@
         </p:cxnSp>
         <p:cxnSp>
           <p:nvCxnSpPr>
-            <p:cNvPr id="9" name="直接连接符 8"/>
+            <p:cNvPr id="10" name="直接连接符 9"/>
             <p:cNvCxnSpPr/>
             <p:nvPr/>
           </p:nvCxnSpPr>
@@ -2764,7 +2764,7 @@
         </p:cxnSp>
         <p:cxnSp>
           <p:nvCxnSpPr>
-            <p:cNvPr id="10" name="直接连接符 9"/>
+            <p:cNvPr id="11" name="直接连接符 10"/>
             <p:cNvCxnSpPr/>
             <p:nvPr/>
           </p:nvCxnSpPr>
@@ -2801,7 +2801,7 @@
         </p:cxnSp>
         <p:cxnSp>
           <p:nvCxnSpPr>
-            <p:cNvPr id="11" name="直接连接符 10"/>
+            <p:cNvPr id="12" name="直接连接符 11"/>
             <p:cNvCxnSpPr/>
             <p:nvPr/>
           </p:nvCxnSpPr>
@@ -2839,13 +2839,13 @@
       </p:grpSp>
       <p:cxnSp>
         <p:nvCxnSpPr>
-          <p:cNvPr id="21" name="直接连接符 20"/>
+          <p:cNvPr id="13" name="直接连接符 12"/>
           <p:cNvCxnSpPr/>
           <p:nvPr userDrawn="1"/>
         </p:nvCxnSpPr>
         <p:spPr>
           <a:xfrm>
-            <a:off x="0" y="1050878"/>
+            <a:off x="1" y="1401171"/>
             <a:ext cx="7770813" cy="0"/>
           </a:xfrm>
           <a:prstGeom prst="line">
@@ -2870,27 +2870,27 @@
     </p:spTree>
     <p:extLst>
       <p:ext uri="{BB962C8B-B14F-4D97-AF65-F5344CB8AC3E}">
-        <p14:creationId xmlns:p14="http://schemas.microsoft.com/office/powerpoint/2010/main" val="4294908675"/>
+        <p14:creationId xmlns:p14="http://schemas.microsoft.com/office/powerpoint/2010/main" val="2569900629"/>
       </p:ext>
     </p:extLst>
   </p:cSld>
   <p:clrMap bg1="lt1" tx1="dk1" bg2="lt2" tx2="dk2" accent1="accent1" accent2="accent2" accent3="accent3" accent4="accent4" accent5="accent5" accent6="accent6" hlink="hlink" folHlink="folHlink"/>
   <p:sldLayoutIdLst>
-    <p:sldLayoutId id="2147483673" r:id="rId1"/>
-    <p:sldLayoutId id="2147483674" r:id="rId2"/>
-    <p:sldLayoutId id="2147483675" r:id="rId3"/>
-    <p:sldLayoutId id="2147483676" r:id="rId4"/>
-    <p:sldLayoutId id="2147483677" r:id="rId5"/>
-    <p:sldLayoutId id="2147483678" r:id="rId6"/>
-    <p:sldLayoutId id="2147483679" r:id="rId7"/>
-    <p:sldLayoutId id="2147483680" r:id="rId8"/>
-    <p:sldLayoutId id="2147483681" r:id="rId9"/>
-    <p:sldLayoutId id="2147483682" r:id="rId10"/>
-    <p:sldLayoutId id="2147483683" r:id="rId11"/>
+    <p:sldLayoutId id="2147483685" r:id="rId1"/>
+    <p:sldLayoutId id="2147483686" r:id="rId2"/>
+    <p:sldLayoutId id="2147483687" r:id="rId3"/>
+    <p:sldLayoutId id="2147483688" r:id="rId4"/>
+    <p:sldLayoutId id="2147483689" r:id="rId5"/>
+    <p:sldLayoutId id="2147483690" r:id="rId6"/>
+    <p:sldLayoutId id="2147483691" r:id="rId7"/>
+    <p:sldLayoutId id="2147483692" r:id="rId8"/>
+    <p:sldLayoutId id="2147483693" r:id="rId9"/>
+    <p:sldLayoutId id="2147483694" r:id="rId10"/>
+    <p:sldLayoutId id="2147483695" r:id="rId11"/>
   </p:sldLayoutIdLst>
   <p:txStyles>
     <p:titleStyle>
-      <a:lvl1pPr algn="l" defTabSz="720090" rtl="0" eaLnBrk="1" latinLnBrk="0" hangingPunct="1">
+      <a:lvl1pPr algn="l" defTabSz="777057" rtl="0" eaLnBrk="1" latinLnBrk="0" hangingPunct="1">
         <a:lnSpc>
           <a:spcPct val="90000"/>
         </a:lnSpc>
@@ -2898,7 +2898,7 @@
           <a:spcPct val="0"/>
         </a:spcBef>
         <a:buNone/>
-        <a:defRPr sz="3465" kern="1200">
+        <a:defRPr sz="3739" kern="1200">
           <a:solidFill>
             <a:schemeClr val="tx1"/>
           </a:solidFill>
@@ -2909,16 +2909,16 @@
       </a:lvl1pPr>
     </p:titleStyle>
     <p:bodyStyle>
-      <a:lvl1pPr marL="180023" indent="-180023" algn="l" defTabSz="720090" rtl="0" eaLnBrk="1" latinLnBrk="0" hangingPunct="1">
+      <a:lvl1pPr marL="194264" indent="-194264" algn="l" defTabSz="777057" rtl="0" eaLnBrk="1" latinLnBrk="0" hangingPunct="1">
         <a:lnSpc>
           <a:spcPct val="90000"/>
         </a:lnSpc>
         <a:spcBef>
-          <a:spcPts val="788"/>
+          <a:spcPts val="850"/>
         </a:spcBef>
         <a:buFont typeface="Arial" panose="020B0604020202020204" pitchFamily="34" charset="0"/>
         <a:buChar char="•"/>
-        <a:defRPr sz="2205" kern="1200">
+        <a:defRPr sz="2379" kern="1200">
           <a:solidFill>
             <a:schemeClr val="tx1"/>
           </a:solidFill>
@@ -2927,16 +2927,16 @@
           <a:cs typeface="+mn-cs"/>
         </a:defRPr>
       </a:lvl1pPr>
-      <a:lvl2pPr marL="540068" indent="-180023" algn="l" defTabSz="720090" rtl="0" eaLnBrk="1" latinLnBrk="0" hangingPunct="1">
+      <a:lvl2pPr marL="582793" indent="-194264" algn="l" defTabSz="777057" rtl="0" eaLnBrk="1" latinLnBrk="0" hangingPunct="1">
         <a:lnSpc>
           <a:spcPct val="90000"/>
         </a:lnSpc>
         <a:spcBef>
-          <a:spcPts val="394"/>
+          <a:spcPts val="425"/>
         </a:spcBef>
         <a:buFont typeface="Arial" panose="020B0604020202020204" pitchFamily="34" charset="0"/>
         <a:buChar char="•"/>
-        <a:defRPr sz="1890" kern="1200">
+        <a:defRPr sz="2040" kern="1200">
           <a:solidFill>
             <a:schemeClr val="tx1"/>
           </a:solidFill>
@@ -2945,16 +2945,16 @@
           <a:cs typeface="+mn-cs"/>
         </a:defRPr>
       </a:lvl2pPr>
-      <a:lvl3pPr marL="900113" indent="-180023" algn="l" defTabSz="720090" rtl="0" eaLnBrk="1" latinLnBrk="0" hangingPunct="1">
+      <a:lvl3pPr marL="971321" indent="-194264" algn="l" defTabSz="777057" rtl="0" eaLnBrk="1" latinLnBrk="0" hangingPunct="1">
         <a:lnSpc>
           <a:spcPct val="90000"/>
         </a:lnSpc>
         <a:spcBef>
-          <a:spcPts val="394"/>
+          <a:spcPts val="425"/>
         </a:spcBef>
         <a:buFont typeface="Arial" panose="020B0604020202020204" pitchFamily="34" charset="0"/>
         <a:buChar char="•"/>
-        <a:defRPr sz="1575" kern="1200">
+        <a:defRPr sz="1700" kern="1200">
           <a:solidFill>
             <a:schemeClr val="tx1"/>
           </a:solidFill>
@@ -2963,16 +2963,16 @@
           <a:cs typeface="+mn-cs"/>
         </a:defRPr>
       </a:lvl3pPr>
-      <a:lvl4pPr marL="1260158" indent="-180023" algn="l" defTabSz="720090" rtl="0" eaLnBrk="1" latinLnBrk="0" hangingPunct="1">
+      <a:lvl4pPr marL="1359850" indent="-194264" algn="l" defTabSz="777057" rtl="0" eaLnBrk="1" latinLnBrk="0" hangingPunct="1">
         <a:lnSpc>
           <a:spcPct val="90000"/>
         </a:lnSpc>
         <a:spcBef>
-          <a:spcPts val="394"/>
+          <a:spcPts val="425"/>
         </a:spcBef>
         <a:buFont typeface="Arial" panose="020B0604020202020204" pitchFamily="34" charset="0"/>
         <a:buChar char="•"/>
-        <a:defRPr sz="1418" kern="1200">
+        <a:defRPr sz="1530" kern="1200">
           <a:solidFill>
             <a:schemeClr val="tx1"/>
           </a:solidFill>
@@ -2981,16 +2981,16 @@
           <a:cs typeface="+mn-cs"/>
         </a:defRPr>
       </a:lvl4pPr>
-      <a:lvl5pPr marL="1620203" indent="-180023" algn="l" defTabSz="720090" rtl="0" eaLnBrk="1" latinLnBrk="0" hangingPunct="1">
+      <a:lvl5pPr marL="1748379" indent="-194264" algn="l" defTabSz="777057" rtl="0" eaLnBrk="1" latinLnBrk="0" hangingPunct="1">
         <a:lnSpc>
           <a:spcPct val="90000"/>
         </a:lnSpc>
         <a:spcBef>
-          <a:spcPts val="394"/>
+          <a:spcPts val="425"/>
         </a:spcBef>
         <a:buFont typeface="Arial" panose="020B0604020202020204" pitchFamily="34" charset="0"/>
         <a:buChar char="•"/>
-        <a:defRPr sz="1418" kern="1200">
+        <a:defRPr sz="1530" kern="1200">
           <a:solidFill>
             <a:schemeClr val="tx1"/>
           </a:solidFill>
@@ -2999,16 +2999,16 @@
           <a:cs typeface="+mn-cs"/>
         </a:defRPr>
       </a:lvl5pPr>
-      <a:lvl6pPr marL="1980248" indent="-180023" algn="l" defTabSz="720090" rtl="0" eaLnBrk="1" latinLnBrk="0" hangingPunct="1">
+      <a:lvl6pPr marL="2136907" indent="-194264" algn="l" defTabSz="777057" rtl="0" eaLnBrk="1" latinLnBrk="0" hangingPunct="1">
         <a:lnSpc>
           <a:spcPct val="90000"/>
         </a:lnSpc>
         <a:spcBef>
-          <a:spcPts val="394"/>
+          <a:spcPts val="425"/>
         </a:spcBef>
         <a:buFont typeface="Arial" panose="020B0604020202020204" pitchFamily="34" charset="0"/>
         <a:buChar char="•"/>
-        <a:defRPr sz="1418" kern="1200">
+        <a:defRPr sz="1530" kern="1200">
           <a:solidFill>
             <a:schemeClr val="tx1"/>
           </a:solidFill>
@@ -3017,16 +3017,16 @@
           <a:cs typeface="+mn-cs"/>
         </a:defRPr>
       </a:lvl6pPr>
-      <a:lvl7pPr marL="2340293" indent="-180023" algn="l" defTabSz="720090" rtl="0" eaLnBrk="1" latinLnBrk="0" hangingPunct="1">
+      <a:lvl7pPr marL="2525436" indent="-194264" algn="l" defTabSz="777057" rtl="0" eaLnBrk="1" latinLnBrk="0" hangingPunct="1">
         <a:lnSpc>
           <a:spcPct val="90000"/>
         </a:lnSpc>
         <a:spcBef>
-          <a:spcPts val="394"/>
+          <a:spcPts val="425"/>
         </a:spcBef>
         <a:buFont typeface="Arial" panose="020B0604020202020204" pitchFamily="34" charset="0"/>
         <a:buChar char="•"/>
-        <a:defRPr sz="1418" kern="1200">
+        <a:defRPr sz="1530" kern="1200">
           <a:solidFill>
             <a:schemeClr val="tx1"/>
           </a:solidFill>
@@ -3035,16 +3035,16 @@
           <a:cs typeface="+mn-cs"/>
         </a:defRPr>
       </a:lvl7pPr>
-      <a:lvl8pPr marL="2700338" indent="-180023" algn="l" defTabSz="720090" rtl="0" eaLnBrk="1" latinLnBrk="0" hangingPunct="1">
+      <a:lvl8pPr marL="2913964" indent="-194264" algn="l" defTabSz="777057" rtl="0" eaLnBrk="1" latinLnBrk="0" hangingPunct="1">
         <a:lnSpc>
           <a:spcPct val="90000"/>
         </a:lnSpc>
         <a:spcBef>
-          <a:spcPts val="394"/>
+          <a:spcPts val="425"/>
         </a:spcBef>
         <a:buFont typeface="Arial" panose="020B0604020202020204" pitchFamily="34" charset="0"/>
         <a:buChar char="•"/>
-        <a:defRPr sz="1418" kern="1200">
+        <a:defRPr sz="1530" kern="1200">
           <a:solidFill>
             <a:schemeClr val="tx1"/>
           </a:solidFill>
@@ -3053,16 +3053,16 @@
           <a:cs typeface="+mn-cs"/>
         </a:defRPr>
       </a:lvl8pPr>
-      <a:lvl9pPr marL="3060383" indent="-180023" algn="l" defTabSz="720090" rtl="0" eaLnBrk="1" latinLnBrk="0" hangingPunct="1">
+      <a:lvl9pPr marL="3302493" indent="-194264" algn="l" defTabSz="777057" rtl="0" eaLnBrk="1" latinLnBrk="0" hangingPunct="1">
         <a:lnSpc>
           <a:spcPct val="90000"/>
         </a:lnSpc>
         <a:spcBef>
-          <a:spcPts val="394"/>
+          <a:spcPts val="425"/>
         </a:spcBef>
         <a:buFont typeface="Arial" panose="020B0604020202020204" pitchFamily="34" charset="0"/>
         <a:buChar char="•"/>
-        <a:defRPr sz="1418" kern="1200">
+        <a:defRPr sz="1530" kern="1200">
           <a:solidFill>
             <a:schemeClr val="tx1"/>
           </a:solidFill>
@@ -3076,8 +3076,8 @@
       <a:defPPr>
         <a:defRPr lang="en-US"/>
       </a:defPPr>
-      <a:lvl1pPr marL="0" algn="l" defTabSz="720090" rtl="0" eaLnBrk="1" latinLnBrk="0" hangingPunct="1">
-        <a:defRPr sz="1418" kern="1200">
+      <a:lvl1pPr marL="0" algn="l" defTabSz="777057" rtl="0" eaLnBrk="1" latinLnBrk="0" hangingPunct="1">
+        <a:defRPr sz="1530" kern="1200">
           <a:solidFill>
             <a:schemeClr val="tx1"/>
           </a:solidFill>
@@ -3086,8 +3086,8 @@
           <a:cs typeface="+mn-cs"/>
         </a:defRPr>
       </a:lvl1pPr>
-      <a:lvl2pPr marL="360045" algn="l" defTabSz="720090" rtl="0" eaLnBrk="1" latinLnBrk="0" hangingPunct="1">
-        <a:defRPr sz="1418" kern="1200">
+      <a:lvl2pPr marL="388529" algn="l" defTabSz="777057" rtl="0" eaLnBrk="1" latinLnBrk="0" hangingPunct="1">
+        <a:defRPr sz="1530" kern="1200">
           <a:solidFill>
             <a:schemeClr val="tx1"/>
           </a:solidFill>
@@ -3096,8 +3096,8 @@
           <a:cs typeface="+mn-cs"/>
         </a:defRPr>
       </a:lvl2pPr>
-      <a:lvl3pPr marL="720090" algn="l" defTabSz="720090" rtl="0" eaLnBrk="1" latinLnBrk="0" hangingPunct="1">
-        <a:defRPr sz="1418" kern="1200">
+      <a:lvl3pPr marL="777057" algn="l" defTabSz="777057" rtl="0" eaLnBrk="1" latinLnBrk="0" hangingPunct="1">
+        <a:defRPr sz="1530" kern="1200">
           <a:solidFill>
             <a:schemeClr val="tx1"/>
           </a:solidFill>
@@ -3106,8 +3106,8 @@
           <a:cs typeface="+mn-cs"/>
         </a:defRPr>
       </a:lvl3pPr>
-      <a:lvl4pPr marL="1080135" algn="l" defTabSz="720090" rtl="0" eaLnBrk="1" latinLnBrk="0" hangingPunct="1">
-        <a:defRPr sz="1418" kern="1200">
+      <a:lvl4pPr marL="1165586" algn="l" defTabSz="777057" rtl="0" eaLnBrk="1" latinLnBrk="0" hangingPunct="1">
+        <a:defRPr sz="1530" kern="1200">
           <a:solidFill>
             <a:schemeClr val="tx1"/>
           </a:solidFill>
@@ -3116,8 +3116,8 @@
           <a:cs typeface="+mn-cs"/>
         </a:defRPr>
       </a:lvl4pPr>
-      <a:lvl5pPr marL="1440180" algn="l" defTabSz="720090" rtl="0" eaLnBrk="1" latinLnBrk="0" hangingPunct="1">
-        <a:defRPr sz="1418" kern="1200">
+      <a:lvl5pPr marL="1554114" algn="l" defTabSz="777057" rtl="0" eaLnBrk="1" latinLnBrk="0" hangingPunct="1">
+        <a:defRPr sz="1530" kern="1200">
           <a:solidFill>
             <a:schemeClr val="tx1"/>
           </a:solidFill>
@@ -3126,8 +3126,8 @@
           <a:cs typeface="+mn-cs"/>
         </a:defRPr>
       </a:lvl5pPr>
-      <a:lvl6pPr marL="1800225" algn="l" defTabSz="720090" rtl="0" eaLnBrk="1" latinLnBrk="0" hangingPunct="1">
-        <a:defRPr sz="1418" kern="1200">
+      <a:lvl6pPr marL="1942643" algn="l" defTabSz="777057" rtl="0" eaLnBrk="1" latinLnBrk="0" hangingPunct="1">
+        <a:defRPr sz="1530" kern="1200">
           <a:solidFill>
             <a:schemeClr val="tx1"/>
           </a:solidFill>
@@ -3136,8 +3136,8 @@
           <a:cs typeface="+mn-cs"/>
         </a:defRPr>
       </a:lvl6pPr>
-      <a:lvl7pPr marL="2160270" algn="l" defTabSz="720090" rtl="0" eaLnBrk="1" latinLnBrk="0" hangingPunct="1">
-        <a:defRPr sz="1418" kern="1200">
+      <a:lvl7pPr marL="2331171" algn="l" defTabSz="777057" rtl="0" eaLnBrk="1" latinLnBrk="0" hangingPunct="1">
+        <a:defRPr sz="1530" kern="1200">
           <a:solidFill>
             <a:schemeClr val="tx1"/>
           </a:solidFill>
@@ -3146,8 +3146,8 @@
           <a:cs typeface="+mn-cs"/>
         </a:defRPr>
       </a:lvl7pPr>
-      <a:lvl8pPr marL="2520315" algn="l" defTabSz="720090" rtl="0" eaLnBrk="1" latinLnBrk="0" hangingPunct="1">
-        <a:defRPr sz="1418" kern="1200">
+      <a:lvl8pPr marL="2719700" algn="l" defTabSz="777057" rtl="0" eaLnBrk="1" latinLnBrk="0" hangingPunct="1">
+        <a:defRPr sz="1530" kern="1200">
           <a:solidFill>
             <a:schemeClr val="tx1"/>
           </a:solidFill>
@@ -3156,8 +3156,8 @@
           <a:cs typeface="+mn-cs"/>
         </a:defRPr>
       </a:lvl8pPr>
-      <a:lvl9pPr marL="2880360" algn="l" defTabSz="720090" rtl="0" eaLnBrk="1" latinLnBrk="0" hangingPunct="1">
-        <a:defRPr sz="1418" kern="1200">
+      <a:lvl9pPr marL="3108228" algn="l" defTabSz="777057" rtl="0" eaLnBrk="1" latinLnBrk="0" hangingPunct="1">
+        <a:defRPr sz="1530" kern="1200">
           <a:solidFill>
             <a:schemeClr val="tx1"/>
           </a:solidFill>
@@ -3188,18 +3188,182 @@
           <a:chExt cx="0" cy="0"/>
         </a:xfrm>
       </p:grpSpPr>
+      <p:sp>
+        <p:nvSpPr>
+          <p:cNvPr id="144" name="矩形 143"/>
+          <p:cNvSpPr/>
+          <p:nvPr/>
+        </p:nvSpPr>
+        <p:spPr>
+          <a:xfrm>
+            <a:off x="1190758" y="5581104"/>
+            <a:ext cx="611143" cy="207583"/>
+          </a:xfrm>
+          <a:prstGeom prst="rect">
+            <a:avLst/>
+          </a:prstGeom>
+          <a:solidFill>
+            <a:srgbClr val="B4A0FF"/>
+          </a:solidFill>
+          <a:ln>
+            <a:solidFill>
+              <a:srgbClr val="5C2D91"/>
+            </a:solidFill>
+          </a:ln>
+        </p:spPr>
+        <p:style>
+          <a:lnRef idx="2">
+            <a:schemeClr val="accent1">
+              <a:shade val="50000"/>
+            </a:schemeClr>
+          </a:lnRef>
+          <a:fillRef idx="1">
+            <a:schemeClr val="accent1"/>
+          </a:fillRef>
+          <a:effectRef idx="0">
+            <a:schemeClr val="accent1"/>
+          </a:effectRef>
+          <a:fontRef idx="minor">
+            <a:schemeClr val="lt1"/>
+          </a:fontRef>
+        </p:style>
+        <p:txBody>
+          <a:bodyPr lIns="0" tIns="0" rIns="0" bIns="0" rtlCol="0" anchor="ctr"/>
+          <a:lstStyle/>
+          <a:p>
+            <a:pPr algn="ctr"/>
+            <a:r>
+              <a:rPr lang="en-US" altLang="zh-CN" sz="800" dirty="0"/>
+              <a:t>float 32</a:t>
+            </a:r>
+            <a:endParaRPr lang="zh-CN" altLang="en-US" sz="800" dirty="0"/>
+          </a:p>
+        </p:txBody>
+      </p:sp>
+      <p:sp>
+        <p:nvSpPr>
+          <p:cNvPr id="145" name="矩形 144"/>
+          <p:cNvSpPr/>
+          <p:nvPr/>
+        </p:nvSpPr>
+        <p:spPr>
+          <a:xfrm>
+            <a:off x="2041194" y="5585239"/>
+            <a:ext cx="610031" cy="207583"/>
+          </a:xfrm>
+          <a:prstGeom prst="rect">
+            <a:avLst/>
+          </a:prstGeom>
+          <a:solidFill>
+            <a:srgbClr val="0078D7"/>
+          </a:solidFill>
+          <a:ln>
+            <a:solidFill>
+              <a:srgbClr val="00188F"/>
+            </a:solidFill>
+          </a:ln>
+        </p:spPr>
+        <p:style>
+          <a:lnRef idx="2">
+            <a:schemeClr val="accent1">
+              <a:shade val="50000"/>
+            </a:schemeClr>
+          </a:lnRef>
+          <a:fillRef idx="1">
+            <a:schemeClr val="accent1"/>
+          </a:fillRef>
+          <a:effectRef idx="0">
+            <a:schemeClr val="accent1"/>
+          </a:effectRef>
+          <a:fontRef idx="minor">
+            <a:schemeClr val="lt1"/>
+          </a:fontRef>
+        </p:style>
+        <p:txBody>
+          <a:bodyPr rtlCol="0" anchor="ctr"/>
+          <a:lstStyle/>
+          <a:p>
+            <a:pPr algn="ctr"/>
+            <a:r>
+              <a:rPr lang="en-US" altLang="zh-CN" sz="800" dirty="0" err="1"/>
+              <a:t>int</a:t>
+            </a:r>
+            <a:r>
+              <a:rPr lang="en-US" altLang="zh-CN" sz="800" dirty="0"/>
+              <a:t> 32</a:t>
+            </a:r>
+            <a:endParaRPr lang="zh-CN" altLang="en-US" sz="800" dirty="0"/>
+          </a:p>
+        </p:txBody>
+      </p:sp>
+      <p:sp>
+        <p:nvSpPr>
+          <p:cNvPr id="146" name="矩形 145"/>
+          <p:cNvSpPr/>
+          <p:nvPr/>
+        </p:nvSpPr>
+        <p:spPr>
+          <a:xfrm>
+            <a:off x="2890518" y="5581103"/>
+            <a:ext cx="604686" cy="207583"/>
+          </a:xfrm>
+          <a:prstGeom prst="rect">
+            <a:avLst/>
+          </a:prstGeom>
+          <a:solidFill>
+            <a:srgbClr val="00B0F0"/>
+          </a:solidFill>
+          <a:ln>
+            <a:solidFill>
+              <a:srgbClr val="002050"/>
+            </a:solidFill>
+          </a:ln>
+        </p:spPr>
+        <p:style>
+          <a:lnRef idx="2">
+            <a:schemeClr val="accent1">
+              <a:shade val="50000"/>
+            </a:schemeClr>
+          </a:lnRef>
+          <a:fillRef idx="1">
+            <a:schemeClr val="accent1"/>
+          </a:fillRef>
+          <a:effectRef idx="0">
+            <a:schemeClr val="accent1"/>
+          </a:effectRef>
+          <a:fontRef idx="minor">
+            <a:schemeClr val="lt1"/>
+          </a:fontRef>
+        </p:style>
+        <p:txBody>
+          <a:bodyPr lIns="0" tIns="0" rIns="0" bIns="0" rtlCol="0" anchor="ctr"/>
+          <a:lstStyle/>
+          <a:p>
+            <a:pPr algn="ctr"/>
+            <a:r>
+              <a:rPr lang="en-US" altLang="zh-CN" sz="800" dirty="0" err="1"/>
+              <a:t>int</a:t>
+            </a:r>
+            <a:r>
+              <a:rPr lang="en-US" altLang="zh-CN" sz="800" dirty="0"/>
+              <a:t> 8</a:t>
+            </a:r>
+            <a:endParaRPr lang="zh-CN" altLang="en-US" sz="800" dirty="0"/>
+          </a:p>
+        </p:txBody>
+      </p:sp>
       <p:grpSp>
         <p:nvGrpSpPr>
-          <p:cNvPr id="148" name="组合 147"/>
+          <p:cNvPr id="79" name="组合 78"/>
           <p:cNvGrpSpPr/>
           <p:nvPr/>
         </p:nvGrpSpPr>
         <p:grpSpPr>
           <a:xfrm>
-            <a:off x="798402" y="1133115"/>
-            <a:ext cx="2522641" cy="2329994"/>
-            <a:chOff x="3590096" y="1133115"/>
-            <a:chExt cx="2522641" cy="2329994"/>
+            <a:off x="1131778" y="3288193"/>
+            <a:ext cx="2522641" cy="2216836"/>
+            <a:chOff x="798403" y="2952642"/>
+            <a:chExt cx="2522641" cy="2216836"/>
           </a:xfrm>
         </p:grpSpPr>
         <p:sp>
@@ -3210,8 +3374,8 @@
           </p:nvSpPr>
           <p:spPr>
             <a:xfrm>
-              <a:off x="3590098" y="1567232"/>
-              <a:ext cx="2522639" cy="1890213"/>
+              <a:off x="798405" y="3386759"/>
+              <a:ext cx="2522639" cy="1782719"/>
             </a:xfrm>
             <a:prstGeom prst="rect">
               <a:avLst/>
@@ -3262,7 +3426,7 @@
               </p:nvSpPr>
               <p:spPr>
                 <a:xfrm>
-                  <a:off x="3651513" y="1629869"/>
+                  <a:off x="859820" y="3449396"/>
                   <a:ext cx="300251" cy="300251"/>
                 </a:xfrm>
                 <a:prstGeom prst="rect">
@@ -3307,14 +3471,14 @@
                         <m:sSub>
                           <m:sSubPr>
                             <m:ctrlPr>
-                              <a:rPr lang="en-US" altLang="zh-CN" sz="800" i="1" smtClean="0">
+                              <a:rPr lang="en-US" altLang="zh-CN" sz="800" i="1">
                                 <a:latin typeface="Cambria Math" panose="02040503050406030204" pitchFamily="18" charset="0"/>
                               </a:rPr>
                             </m:ctrlPr>
                           </m:sSubPr>
                           <m:e>
                             <m:r>
-                              <a:rPr lang="en-US" altLang="zh-CN" sz="800" b="0" i="1" smtClean="0">
+                              <a:rPr lang="en-US" altLang="zh-CN" sz="800" i="1">
                                 <a:latin typeface="Cambria Math" panose="02040503050406030204" pitchFamily="18" charset="0"/>
                               </a:rPr>
                               <m:t>𝑊</m:t>
@@ -3322,7 +3486,7 @@
                           </m:e>
                           <m:sub>
                             <m:r>
-                              <a:rPr lang="en-US" altLang="zh-CN" sz="800" b="0" i="1" smtClean="0">
+                              <a:rPr lang="en-US" altLang="zh-CN" sz="800" i="1">
                                 <a:latin typeface="Cambria Math" panose="02040503050406030204" pitchFamily="18" charset="0"/>
                               </a:rPr>
                               <m:t>𝑖</m:t>
@@ -3348,7 +3512,7 @@
               </p:nvSpPr>
               <p:spPr>
                 <a:xfrm>
-                  <a:off x="3651513" y="1629869"/>
+                  <a:off x="859820" y="3449396"/>
                   <a:ext cx="300251" cy="300251"/>
                 </a:xfrm>
                 <a:prstGeom prst="rect">
@@ -3389,7 +3553,7 @@
           </p:nvSpPr>
           <p:spPr>
             <a:xfrm>
-              <a:off x="4676304" y="1985407"/>
+              <a:off x="1884611" y="3720601"/>
               <a:ext cx="300251" cy="300251"/>
             </a:xfrm>
             <a:prstGeom prst="ellipse">
@@ -3426,7 +3590,7 @@
             <a:p>
               <a:pPr algn="ctr"/>
               <a:r>
-                <a:rPr lang="en-US" altLang="zh-CN" sz="800" dirty="0" smtClean="0">
+                <a:rPr lang="en-US" altLang="zh-CN" sz="800" dirty="0">
                   <a:solidFill>
                     <a:srgbClr val="525252"/>
                   </a:solidFill>
@@ -3449,7 +3613,7 @@
           </p:nvSpPr>
           <p:spPr>
             <a:xfrm>
-              <a:off x="5188096" y="2276389"/>
+              <a:off x="2396403" y="3962536"/>
               <a:ext cx="300251" cy="300251"/>
             </a:xfrm>
             <a:prstGeom prst="ellipse">
@@ -3486,7 +3650,7 @@
             <a:p>
               <a:pPr algn="ctr"/>
               <a:r>
-                <a:rPr lang="en-US" altLang="zh-CN" sz="800" dirty="0" smtClean="0">
+                <a:rPr lang="en-US" altLang="zh-CN" sz="800" dirty="0">
                   <a:solidFill>
                     <a:srgbClr val="525252"/>
                   </a:solidFill>
@@ -3509,7 +3673,7 @@
           </p:nvSpPr>
           <p:spPr>
             <a:xfrm>
-              <a:off x="5694043" y="1629867"/>
+              <a:off x="2902350" y="3449394"/>
               <a:ext cx="300251" cy="300251"/>
             </a:xfrm>
             <a:prstGeom prst="ellipse">
@@ -3546,7 +3710,7 @@
             <a:p>
               <a:pPr algn="ctr"/>
               <a:r>
-                <a:rPr lang="en-US" altLang="zh-CN" sz="800" dirty="0" smtClean="0">
+                <a:rPr lang="en-US" altLang="zh-CN" sz="800" dirty="0">
                   <a:solidFill>
                     <a:srgbClr val="525252"/>
                   </a:solidFill>
@@ -3571,7 +3735,7 @@
               </p:nvSpPr>
               <p:spPr>
                 <a:xfrm>
-                  <a:off x="3651513" y="2276388"/>
+                  <a:off x="858840" y="3962536"/>
                   <a:ext cx="300251" cy="300251"/>
                 </a:xfrm>
                 <a:prstGeom prst="rect">
@@ -3616,20 +3780,20 @@
                         <m:f>
                           <m:fPr>
                             <m:ctrlPr>
-                              <a:rPr lang="en-US" altLang="zh-CN" sz="800" i="1" smtClean="0">
+                              <a:rPr lang="en-US" altLang="zh-CN" sz="800" i="1">
                                 <a:latin typeface="Cambria Math" panose="02040503050406030204" pitchFamily="18" charset="0"/>
                               </a:rPr>
                             </m:ctrlPr>
                           </m:fPr>
                           <m:num>
                             <m:r>
-                              <a:rPr lang="zh-CN" altLang="en-US" sz="800" i="1" smtClean="0">
+                              <a:rPr lang="zh-CN" altLang="en-US" sz="800" i="1">
                                 <a:latin typeface="Cambria Math" panose="02040503050406030204" pitchFamily="18" charset="0"/>
                               </a:rPr>
                               <m:t>𝜕</m:t>
                             </m:r>
                             <m:r>
-                              <a:rPr lang="en-US" altLang="zh-CN" sz="800" b="0" i="1" smtClean="0">
+                              <a:rPr lang="en-US" altLang="zh-CN" sz="800" i="1">
                                 <a:latin typeface="Cambria Math" panose="02040503050406030204" pitchFamily="18" charset="0"/>
                               </a:rPr>
                               <m:t>𝐸</m:t>
@@ -3637,7 +3801,7 @@
                           </m:num>
                           <m:den>
                             <m:r>
-                              <a:rPr lang="zh-CN" altLang="en-US" sz="800" i="1" smtClean="0">
+                              <a:rPr lang="zh-CN" altLang="en-US" sz="800" i="1">
                                 <a:latin typeface="Cambria Math" panose="02040503050406030204" pitchFamily="18" charset="0"/>
                               </a:rPr>
                               <m:t>𝜕</m:t>
@@ -3645,14 +3809,14 @@
                             <m:sSub>
                               <m:sSubPr>
                                 <m:ctrlPr>
-                                  <a:rPr lang="en-US" altLang="zh-CN" sz="800" i="1" smtClean="0">
+                                  <a:rPr lang="en-US" altLang="zh-CN" sz="800" i="1">
                                     <a:latin typeface="Cambria Math" panose="02040503050406030204" pitchFamily="18" charset="0"/>
                                   </a:rPr>
                                 </m:ctrlPr>
                               </m:sSubPr>
                               <m:e>
                                 <m:r>
-                                  <a:rPr lang="en-US" altLang="zh-CN" sz="800" b="0" i="1" smtClean="0">
+                                  <a:rPr lang="en-US" altLang="zh-CN" sz="800" i="1">
                                     <a:latin typeface="Cambria Math" panose="02040503050406030204" pitchFamily="18" charset="0"/>
                                   </a:rPr>
                                   <m:t>𝑊</m:t>
@@ -3660,7 +3824,7 @@
                               </m:e>
                               <m:sub>
                                 <m:r>
-                                  <a:rPr lang="en-US" altLang="zh-CN" sz="800" b="0" i="1" smtClean="0">
+                                  <a:rPr lang="en-US" altLang="zh-CN" sz="800" i="1">
                                     <a:latin typeface="Cambria Math" panose="02040503050406030204" pitchFamily="18" charset="0"/>
                                   </a:rPr>
                                   <m:t>𝑖</m:t>
@@ -3688,7 +3852,7 @@
               </p:nvSpPr>
               <p:spPr>
                 <a:xfrm>
-                  <a:off x="3651513" y="2276388"/>
+                  <a:off x="858840" y="3962536"/>
                   <a:ext cx="300251" cy="300251"/>
                 </a:xfrm>
                 <a:prstGeom prst="rect">
@@ -3731,7 +3895,7 @@
               </p:nvSpPr>
               <p:spPr>
                 <a:xfrm>
-                  <a:off x="4190601" y="1629868"/>
+                  <a:off x="1398908" y="3449395"/>
                   <a:ext cx="300251" cy="300251"/>
                 </a:xfrm>
                 <a:prstGeom prst="rect">
@@ -3776,14 +3940,14 @@
                         <m:sSub>
                           <m:sSubPr>
                             <m:ctrlPr>
-                              <a:rPr lang="en-US" altLang="zh-CN" sz="800" i="1" smtClean="0">
+                              <a:rPr lang="en-US" altLang="zh-CN" sz="800" i="1">
                                 <a:latin typeface="Cambria Math" panose="02040503050406030204" pitchFamily="18" charset="0"/>
                               </a:rPr>
                             </m:ctrlPr>
                           </m:sSubPr>
                           <m:e>
                             <m:r>
-                              <a:rPr lang="en-US" altLang="zh-CN" sz="800" b="0" i="1" smtClean="0">
+                              <a:rPr lang="en-US" altLang="zh-CN" sz="800" i="1">
                                 <a:latin typeface="Cambria Math" panose="02040503050406030204" pitchFamily="18" charset="0"/>
                               </a:rPr>
                               <m:t>𝑊</m:t>
@@ -3791,7 +3955,7 @@
                           </m:e>
                           <m:sub>
                             <m:r>
-                              <a:rPr lang="en-US" altLang="zh-CN" sz="800" b="0" i="1" smtClean="0">
+                              <a:rPr lang="en-US" altLang="zh-CN" sz="800" i="1">
                                 <a:latin typeface="Cambria Math" panose="02040503050406030204" pitchFamily="18" charset="0"/>
                               </a:rPr>
                               <m:t>𝑖</m:t>
@@ -3817,7 +3981,7 @@
               </p:nvSpPr>
               <p:spPr>
                 <a:xfrm>
-                  <a:off x="4190601" y="1629868"/>
+                  <a:off x="1398908" y="3449395"/>
                   <a:ext cx="300251" cy="300251"/>
                 </a:xfrm>
                 <a:prstGeom prst="rect">
@@ -3860,7 +4024,7 @@
               </p:nvSpPr>
               <p:spPr>
                 <a:xfrm>
-                  <a:off x="4676304" y="1200048"/>
+                  <a:off x="1884611" y="3019575"/>
                   <a:ext cx="300251" cy="300251"/>
                 </a:xfrm>
                 <a:prstGeom prst="rect">
@@ -3905,14 +4069,14 @@
                         <m:sSub>
                           <m:sSubPr>
                             <m:ctrlPr>
-                              <a:rPr lang="en-US" altLang="zh-CN" sz="800" i="1" smtClean="0">
+                              <a:rPr lang="en-US" altLang="zh-CN" sz="800" i="1">
                                 <a:latin typeface="Cambria Math" panose="02040503050406030204" pitchFamily="18" charset="0"/>
                               </a:rPr>
                             </m:ctrlPr>
                           </m:sSubPr>
                           <m:e>
                             <m:r>
-                              <a:rPr lang="en-US" altLang="zh-CN" sz="800" b="0" i="1" smtClean="0">
+                              <a:rPr lang="en-US" altLang="zh-CN" sz="800" i="1">
                                 <a:latin typeface="Cambria Math" panose="02040503050406030204" pitchFamily="18" charset="0"/>
                               </a:rPr>
                               <m:t>𝑦</m:t>
@@ -3920,13 +4084,13 @@
                           </m:e>
                           <m:sub>
                             <m:r>
-                              <a:rPr lang="en-US" altLang="zh-CN" sz="800" b="0" i="1" smtClean="0">
+                              <a:rPr lang="en-US" altLang="zh-CN" sz="800" i="1">
                                 <a:latin typeface="Cambria Math" panose="02040503050406030204" pitchFamily="18" charset="0"/>
                               </a:rPr>
                               <m:t>𝑖</m:t>
                             </m:r>
                             <m:r>
-                              <a:rPr lang="en-US" altLang="zh-CN" sz="800" b="0" i="1" smtClean="0">
+                              <a:rPr lang="en-US" altLang="zh-CN" sz="800" i="1">
                                 <a:latin typeface="Cambria Math" panose="02040503050406030204" pitchFamily="18" charset="0"/>
                               </a:rPr>
                               <m:t>−1</m:t>
@@ -3952,7 +4116,7 @@
               </p:nvSpPr>
               <p:spPr>
                 <a:xfrm>
-                  <a:off x="4676304" y="1200048"/>
+                  <a:off x="1884611" y="3019575"/>
                   <a:ext cx="300251" cy="300251"/>
                 </a:xfrm>
                 <a:prstGeom prst="rect">
@@ -3995,7 +4159,7 @@
               </p:nvSpPr>
               <p:spPr>
                 <a:xfrm>
-                  <a:off x="4676304" y="2594665"/>
+                  <a:off x="1884611" y="4316831"/>
                   <a:ext cx="300251" cy="300251"/>
                 </a:xfrm>
                 <a:prstGeom prst="rect">
@@ -4040,14 +4204,14 @@
                         <m:sSub>
                           <m:sSubPr>
                             <m:ctrlPr>
-                              <a:rPr lang="en-US" altLang="zh-CN" sz="800" i="1" smtClean="0">
+                              <a:rPr lang="en-US" altLang="zh-CN" sz="800" i="1">
                                 <a:latin typeface="Cambria Math" panose="02040503050406030204" pitchFamily="18" charset="0"/>
                               </a:rPr>
                             </m:ctrlPr>
                           </m:sSubPr>
                           <m:e>
                             <m:r>
-                              <a:rPr lang="en-US" altLang="zh-CN" sz="800" b="0" i="1" smtClean="0">
+                              <a:rPr lang="en-US" altLang="zh-CN" sz="800" i="1">
                                 <a:latin typeface="Cambria Math" panose="02040503050406030204" pitchFamily="18" charset="0"/>
                               </a:rPr>
                               <m:t>𝑦</m:t>
@@ -4055,7 +4219,7 @@
                           </m:e>
                           <m:sub>
                             <m:r>
-                              <a:rPr lang="en-US" altLang="zh-CN" sz="800" b="0" i="1" smtClean="0">
+                              <a:rPr lang="en-US" altLang="zh-CN" sz="800" i="1">
                                 <a:latin typeface="Cambria Math" panose="02040503050406030204" pitchFamily="18" charset="0"/>
                               </a:rPr>
                               <m:t>𝑖</m:t>
@@ -4081,7 +4245,7 @@
               </p:nvSpPr>
               <p:spPr>
                 <a:xfrm>
-                  <a:off x="4676304" y="2594665"/>
+                  <a:off x="1884611" y="4316831"/>
                   <a:ext cx="300251" cy="300251"/>
                 </a:xfrm>
                 <a:prstGeom prst="rect">
@@ -4124,7 +4288,7 @@
               </p:nvSpPr>
               <p:spPr>
                 <a:xfrm>
-                  <a:off x="5694042" y="2576639"/>
+                  <a:off x="2902349" y="4298805"/>
                   <a:ext cx="300251" cy="300251"/>
                 </a:xfrm>
                 <a:prstGeom prst="rect">
@@ -4169,20 +4333,20 @@
                         <m:f>
                           <m:fPr>
                             <m:ctrlPr>
-                              <a:rPr lang="en-US" altLang="zh-CN" sz="800" i="1" smtClean="0">
+                              <a:rPr lang="en-US" altLang="zh-CN" sz="800" i="1">
                                 <a:latin typeface="Cambria Math" panose="02040503050406030204" pitchFamily="18" charset="0"/>
                               </a:rPr>
                             </m:ctrlPr>
                           </m:fPr>
                           <m:num>
                             <m:r>
-                              <a:rPr lang="zh-CN" altLang="en-US" sz="800" i="1" smtClean="0">
+                              <a:rPr lang="zh-CN" altLang="en-US" sz="800" i="1">
                                 <a:latin typeface="Cambria Math" panose="02040503050406030204" pitchFamily="18" charset="0"/>
                               </a:rPr>
                               <m:t>𝜕</m:t>
                             </m:r>
                             <m:r>
-                              <a:rPr lang="en-US" altLang="zh-CN" sz="800" b="0" i="1" smtClean="0">
+                              <a:rPr lang="en-US" altLang="zh-CN" sz="800" i="1">
                                 <a:latin typeface="Cambria Math" panose="02040503050406030204" pitchFamily="18" charset="0"/>
                               </a:rPr>
                               <m:t>𝐸</m:t>
@@ -4190,7 +4354,7 @@
                           </m:num>
                           <m:den>
                             <m:r>
-                              <a:rPr lang="zh-CN" altLang="en-US" sz="800" i="1" smtClean="0">
+                              <a:rPr lang="zh-CN" altLang="en-US" sz="800" i="1">
                                 <a:latin typeface="Cambria Math" panose="02040503050406030204" pitchFamily="18" charset="0"/>
                               </a:rPr>
                               <m:t>𝜕</m:t>
@@ -4198,14 +4362,14 @@
                             <m:sSub>
                               <m:sSubPr>
                                 <m:ctrlPr>
-                                  <a:rPr lang="en-US" altLang="zh-CN" sz="800" i="1" smtClean="0">
+                                  <a:rPr lang="en-US" altLang="zh-CN" sz="800" i="1">
                                     <a:latin typeface="Cambria Math" panose="02040503050406030204" pitchFamily="18" charset="0"/>
                                   </a:rPr>
                                 </m:ctrlPr>
                               </m:sSubPr>
                               <m:e>
                                 <m:r>
-                                  <a:rPr lang="en-US" altLang="zh-CN" sz="800" b="0" i="1" smtClean="0">
+                                  <a:rPr lang="en-US" altLang="zh-CN" sz="800" i="1">
                                     <a:latin typeface="Cambria Math" panose="02040503050406030204" pitchFamily="18" charset="0"/>
                                   </a:rPr>
                                   <m:t>𝑦</m:t>
@@ -4213,7 +4377,7 @@
                               </m:e>
                               <m:sub>
                                 <m:r>
-                                  <a:rPr lang="en-US" altLang="zh-CN" sz="800" b="0" i="1" smtClean="0">
+                                  <a:rPr lang="en-US" altLang="zh-CN" sz="800" i="1">
                                     <a:latin typeface="Cambria Math" panose="02040503050406030204" pitchFamily="18" charset="0"/>
                                   </a:rPr>
                                   <m:t>𝑖</m:t>
@@ -4241,7 +4405,7 @@
               </p:nvSpPr>
               <p:spPr>
                 <a:xfrm>
-                  <a:off x="5694042" y="2576639"/>
+                  <a:off x="2902349" y="4298805"/>
                   <a:ext cx="300251" cy="300251"/>
                 </a:xfrm>
                 <a:prstGeom prst="rect">
@@ -4250,7 +4414,7 @@
                 <a:blipFill>
                   <a:blip r:embed="rId7"/>
                   <a:stretch>
-                    <a:fillRect b="-3922"/>
+                    <a:fillRect b="-5882"/>
                   </a:stretch>
                 </a:blipFill>
                 <a:ln>
@@ -4284,7 +4448,7 @@
               </p:nvSpPr>
               <p:spPr>
                 <a:xfrm>
-                  <a:off x="5694043" y="1201271"/>
+                  <a:off x="2902350" y="3020798"/>
                   <a:ext cx="300251" cy="300251"/>
                 </a:xfrm>
                 <a:prstGeom prst="rect">
@@ -4329,20 +4493,20 @@
                         <m:f>
                           <m:fPr>
                             <m:ctrlPr>
-                              <a:rPr lang="en-US" altLang="zh-CN" sz="800" i="1" smtClean="0">
+                              <a:rPr lang="en-US" altLang="zh-CN" sz="800" i="1">
                                 <a:latin typeface="Cambria Math" panose="02040503050406030204" pitchFamily="18" charset="0"/>
                               </a:rPr>
                             </m:ctrlPr>
                           </m:fPr>
                           <m:num>
                             <m:r>
-                              <a:rPr lang="zh-CN" altLang="en-US" sz="800" i="1" smtClean="0">
+                              <a:rPr lang="zh-CN" altLang="en-US" sz="800" i="1">
                                 <a:latin typeface="Cambria Math" panose="02040503050406030204" pitchFamily="18" charset="0"/>
                               </a:rPr>
                               <m:t>𝜕</m:t>
                             </m:r>
                             <m:r>
-                              <a:rPr lang="en-US" altLang="zh-CN" sz="800" b="0" i="1" smtClean="0">
+                              <a:rPr lang="en-US" altLang="zh-CN" sz="800" i="1">
                                 <a:latin typeface="Cambria Math" panose="02040503050406030204" pitchFamily="18" charset="0"/>
                               </a:rPr>
                               <m:t>𝐸</m:t>
@@ -4350,7 +4514,7 @@
                           </m:num>
                           <m:den>
                             <m:r>
-                              <a:rPr lang="zh-CN" altLang="en-US" sz="800" i="1" smtClean="0">
+                              <a:rPr lang="zh-CN" altLang="en-US" sz="800" i="1">
                                 <a:latin typeface="Cambria Math" panose="02040503050406030204" pitchFamily="18" charset="0"/>
                               </a:rPr>
                               <m:t>𝜕</m:t>
@@ -4358,14 +4522,14 @@
                             <m:sSub>
                               <m:sSubPr>
                                 <m:ctrlPr>
-                                  <a:rPr lang="en-US" altLang="zh-CN" sz="800" i="1" smtClean="0">
+                                  <a:rPr lang="en-US" altLang="zh-CN" sz="800" i="1">
                                     <a:latin typeface="Cambria Math" panose="02040503050406030204" pitchFamily="18" charset="0"/>
                                   </a:rPr>
                                 </m:ctrlPr>
                               </m:sSubPr>
                               <m:e>
                                 <m:r>
-                                  <a:rPr lang="en-US" altLang="zh-CN" sz="800" b="0" i="1" smtClean="0">
+                                  <a:rPr lang="en-US" altLang="zh-CN" sz="800" i="1">
                                     <a:latin typeface="Cambria Math" panose="02040503050406030204" pitchFamily="18" charset="0"/>
                                   </a:rPr>
                                   <m:t>𝑦</m:t>
@@ -4373,13 +4537,13 @@
                               </m:e>
                               <m:sub>
                                 <m:r>
-                                  <a:rPr lang="en-US" altLang="zh-CN" sz="800" b="0" i="1" smtClean="0">
+                                  <a:rPr lang="en-US" altLang="zh-CN" sz="800" i="1">
                                     <a:latin typeface="Cambria Math" panose="02040503050406030204" pitchFamily="18" charset="0"/>
                                   </a:rPr>
                                   <m:t>𝑖</m:t>
                                 </m:r>
                                 <m:r>
-                                  <a:rPr lang="en-US" altLang="zh-CN" sz="800" b="0" i="1" smtClean="0">
+                                  <a:rPr lang="en-US" altLang="zh-CN" sz="800" i="1">
                                     <a:latin typeface="Cambria Math" panose="02040503050406030204" pitchFamily="18" charset="0"/>
                                   </a:rPr>
                                   <m:t>−1</m:t>
@@ -4407,7 +4571,7 @@
               </p:nvSpPr>
               <p:spPr>
                 <a:xfrm>
-                  <a:off x="5694043" y="1201271"/>
+                  <a:off x="2902350" y="3020798"/>
                   <a:ext cx="300251" cy="300251"/>
                 </a:xfrm>
                 <a:prstGeom prst="rect">
@@ -4451,8 +4615,8 @@
           </p:nvCxnSpPr>
           <p:spPr>
             <a:xfrm flipV="1">
-              <a:off x="3801639" y="1930120"/>
-              <a:ext cx="0" cy="346268"/>
+              <a:off x="1008965" y="3749647"/>
+              <a:ext cx="980" cy="212889"/>
             </a:xfrm>
             <a:prstGeom prst="straightConnector1">
               <a:avLst/>
@@ -4490,7 +4654,7 @@
           </p:nvCxnSpPr>
           <p:spPr>
             <a:xfrm flipV="1">
-              <a:off x="3951764" y="1779994"/>
+              <a:off x="1160071" y="3599521"/>
               <a:ext cx="238837" cy="1"/>
             </a:xfrm>
             <a:prstGeom prst="straightConnector1">
@@ -4529,7 +4693,7 @@
           </p:nvCxnSpPr>
           <p:spPr>
             <a:xfrm flipV="1">
-              <a:off x="4490852" y="1779993"/>
+              <a:off x="1699159" y="3599520"/>
               <a:ext cx="1203191" cy="1"/>
             </a:xfrm>
             <a:prstGeom prst="bentConnector3">
@@ -4570,8 +4734,8 @@
           </p:nvCxnSpPr>
           <p:spPr>
             <a:xfrm>
-              <a:off x="4826430" y="1500299"/>
-              <a:ext cx="0" cy="485108"/>
+              <a:off x="2034736" y="3319826"/>
+              <a:ext cx="0" cy="400775"/>
             </a:xfrm>
             <a:prstGeom prst="straightConnector1">
               <a:avLst/>
@@ -4609,52 +4773,11 @@
           </p:nvCxnSpPr>
           <p:spPr>
             <a:xfrm>
-              <a:off x="4826430" y="2285658"/>
-              <a:ext cx="0" cy="309007"/>
+              <a:off x="2034736" y="4020852"/>
+              <a:ext cx="0" cy="295979"/>
             </a:xfrm>
             <a:prstGeom prst="straightConnector1">
               <a:avLst/>
-            </a:prstGeom>
-            <a:ln w="12700">
-              <a:solidFill>
-                <a:srgbClr val="525252"/>
-              </a:solidFill>
-              <a:tailEnd type="triangle"/>
-            </a:ln>
-          </p:spPr>
-          <p:style>
-            <a:lnRef idx="1">
-              <a:schemeClr val="accent1"/>
-            </a:lnRef>
-            <a:fillRef idx="0">
-              <a:schemeClr val="accent1"/>
-            </a:fillRef>
-            <a:effectRef idx="0">
-              <a:schemeClr val="accent1"/>
-            </a:effectRef>
-            <a:fontRef idx="minor">
-              <a:schemeClr val="tx1"/>
-            </a:fontRef>
-          </p:style>
-        </p:cxnSp>
-        <p:cxnSp>
-          <p:nvCxnSpPr>
-            <p:cNvPr id="36" name="肘形连接符 35"/>
-            <p:cNvCxnSpPr>
-              <a:stCxn id="54" idx="2"/>
-              <a:endCxn id="56" idx="3"/>
-            </p:cNvCxnSpPr>
-            <p:nvPr/>
-          </p:nvCxnSpPr>
-          <p:spPr>
-            <a:xfrm rot="10800000">
-              <a:off x="3951764" y="2426515"/>
-              <a:ext cx="1236332" cy="1"/>
-            </a:xfrm>
-            <a:prstGeom prst="bentConnector3">
-              <a:avLst>
-                <a:gd name="adj1" fmla="val 50000"/>
-              </a:avLst>
             </a:prstGeom>
             <a:ln w="12700">
               <a:solidFill>
@@ -4689,49 +4812,10 @@
           </p:nvCxnSpPr>
           <p:spPr>
             <a:xfrm flipV="1">
-              <a:off x="5844168" y="1930118"/>
-              <a:ext cx="1" cy="646521"/>
+              <a:off x="3052475" y="3749644"/>
+              <a:ext cx="1" cy="549160"/>
             </a:xfrm>
             <a:prstGeom prst="straightConnector1">
-              <a:avLst/>
-            </a:prstGeom>
-            <a:ln w="12700">
-              <a:solidFill>
-                <a:srgbClr val="525252"/>
-              </a:solidFill>
-              <a:tailEnd type="triangle" w="sm" len="med"/>
-            </a:ln>
-          </p:spPr>
-          <p:style>
-            <a:lnRef idx="1">
-              <a:schemeClr val="accent1"/>
-            </a:lnRef>
-            <a:fillRef idx="0">
-              <a:schemeClr val="accent1"/>
-            </a:fillRef>
-            <a:effectRef idx="0">
-              <a:schemeClr val="accent1"/>
-            </a:effectRef>
-            <a:fontRef idx="minor">
-              <a:schemeClr val="tx1"/>
-            </a:fontRef>
-          </p:style>
-        </p:cxnSp>
-        <p:cxnSp>
-          <p:nvCxnSpPr>
-            <p:cNvPr id="47" name="肘形连接符 46"/>
-            <p:cNvCxnSpPr>
-              <a:stCxn id="60" idx="0"/>
-              <a:endCxn id="54" idx="6"/>
-            </p:cNvCxnSpPr>
-            <p:nvPr/>
-          </p:nvCxnSpPr>
-          <p:spPr>
-            <a:xfrm rot="16200000" flipV="1">
-              <a:off x="5591196" y="2323666"/>
-              <a:ext cx="150124" cy="355821"/>
-            </a:xfrm>
-            <a:prstGeom prst="bentConnector2">
               <a:avLst/>
             </a:prstGeom>
             <a:ln w="12700">
@@ -4767,7 +4851,7 @@
           </p:nvCxnSpPr>
           <p:spPr>
             <a:xfrm flipV="1">
-              <a:off x="5844169" y="1501522"/>
+              <a:off x="3052475" y="3321049"/>
               <a:ext cx="0" cy="128345"/>
             </a:xfrm>
             <a:prstGeom prst="straightConnector1">
@@ -4806,8 +4890,8 @@
           </p:nvCxnSpPr>
           <p:spPr>
             <a:xfrm>
-              <a:off x="4976555" y="1350174"/>
-              <a:ext cx="361667" cy="926215"/>
+              <a:off x="2184862" y="3169701"/>
+              <a:ext cx="361667" cy="792835"/>
             </a:xfrm>
             <a:prstGeom prst="bentConnector2">
               <a:avLst/>
@@ -4845,8 +4929,8 @@
           </p:nvCxnSpPr>
           <p:spPr>
             <a:xfrm rot="16200000" flipH="1">
-              <a:off x="4405808" y="1865037"/>
-              <a:ext cx="205414" cy="335577"/>
+              <a:off x="1656282" y="3642397"/>
+              <a:ext cx="121081" cy="335577"/>
             </a:xfrm>
             <a:prstGeom prst="bentConnector2">
               <a:avLst/>
@@ -4883,7 +4967,7 @@
               </p:nvSpPr>
               <p:spPr>
                 <a:xfrm>
-                  <a:off x="4676303" y="3074782"/>
+                  <a:off x="1884610" y="4796948"/>
                   <a:ext cx="300251" cy="300251"/>
                 </a:xfrm>
                 <a:prstGeom prst="rect">
@@ -4928,14 +5012,14 @@
                         <m:sSub>
                           <m:sSubPr>
                             <m:ctrlPr>
-                              <a:rPr lang="en-US" altLang="zh-CN" sz="800" i="1" smtClean="0">
+                              <a:rPr lang="en-US" altLang="zh-CN" sz="800" i="1">
                                 <a:latin typeface="Cambria Math" panose="02040503050406030204" pitchFamily="18" charset="0"/>
                               </a:rPr>
                             </m:ctrlPr>
                           </m:sSubPr>
                           <m:e>
                             <m:r>
-                              <a:rPr lang="en-US" altLang="zh-CN" sz="800" b="0" i="1" smtClean="0">
+                              <a:rPr lang="en-US" altLang="zh-CN" sz="800" i="1">
                                 <a:latin typeface="Cambria Math" panose="02040503050406030204" pitchFamily="18" charset="0"/>
                               </a:rPr>
                               <m:t>𝑦</m:t>
@@ -4943,7 +5027,7 @@
                           </m:e>
                           <m:sub>
                             <m:r>
-                              <a:rPr lang="en-US" altLang="zh-CN" sz="800" b="0" i="1" smtClean="0">
+                              <a:rPr lang="en-US" altLang="zh-CN" sz="800" i="1">
                                 <a:latin typeface="Cambria Math" panose="02040503050406030204" pitchFamily="18" charset="0"/>
                               </a:rPr>
                               <m:t>𝑖</m:t>
@@ -4969,7 +5053,7 @@
               </p:nvSpPr>
               <p:spPr>
                 <a:xfrm>
-                  <a:off x="4676303" y="3074782"/>
+                  <a:off x="1884610" y="4796948"/>
                   <a:ext cx="300251" cy="300251"/>
                 </a:xfrm>
                 <a:prstGeom prst="rect">
@@ -5013,7 +5097,7 @@
           </p:nvCxnSpPr>
           <p:spPr>
             <a:xfrm flipH="1">
-              <a:off x="4826429" y="2894916"/>
+              <a:off x="2034736" y="4617081"/>
               <a:ext cx="1" cy="179866"/>
             </a:xfrm>
             <a:prstGeom prst="straightConnector1">
@@ -5051,7 +5135,7 @@
               </p:nvSpPr>
               <p:spPr>
                 <a:xfrm>
-                  <a:off x="5694042" y="3074782"/>
+                  <a:off x="2902349" y="4796948"/>
                   <a:ext cx="300251" cy="300251"/>
                 </a:xfrm>
                 <a:prstGeom prst="rect">
@@ -5096,20 +5180,20 @@
                         <m:f>
                           <m:fPr>
                             <m:ctrlPr>
-                              <a:rPr lang="en-US" altLang="zh-CN" sz="800" i="1" smtClean="0">
+                              <a:rPr lang="en-US" altLang="zh-CN" sz="800" i="1">
                                 <a:latin typeface="Cambria Math" panose="02040503050406030204" pitchFamily="18" charset="0"/>
                               </a:rPr>
                             </m:ctrlPr>
                           </m:fPr>
                           <m:num>
                             <m:r>
-                              <a:rPr lang="zh-CN" altLang="en-US" sz="800" i="1" smtClean="0">
+                              <a:rPr lang="zh-CN" altLang="en-US" sz="800" i="1">
                                 <a:latin typeface="Cambria Math" panose="02040503050406030204" pitchFamily="18" charset="0"/>
                               </a:rPr>
                               <m:t>𝜕</m:t>
                             </m:r>
                             <m:r>
-                              <a:rPr lang="en-US" altLang="zh-CN" sz="800" b="0" i="1" smtClean="0">
+                              <a:rPr lang="en-US" altLang="zh-CN" sz="800" i="1">
                                 <a:latin typeface="Cambria Math" panose="02040503050406030204" pitchFamily="18" charset="0"/>
                               </a:rPr>
                               <m:t>𝐸</m:t>
@@ -5117,7 +5201,7 @@
                           </m:num>
                           <m:den>
                             <m:r>
-                              <a:rPr lang="zh-CN" altLang="en-US" sz="800" i="1" smtClean="0">
+                              <a:rPr lang="zh-CN" altLang="en-US" sz="800" i="1">
                                 <a:latin typeface="Cambria Math" panose="02040503050406030204" pitchFamily="18" charset="0"/>
                               </a:rPr>
                               <m:t>𝜕</m:t>
@@ -5125,14 +5209,14 @@
                             <m:sSub>
                               <m:sSubPr>
                                 <m:ctrlPr>
-                                  <a:rPr lang="en-US" altLang="zh-CN" sz="800" i="1" smtClean="0">
+                                  <a:rPr lang="en-US" altLang="zh-CN" sz="800" i="1">
                                     <a:latin typeface="Cambria Math" panose="02040503050406030204" pitchFamily="18" charset="0"/>
                                   </a:rPr>
                                 </m:ctrlPr>
                               </m:sSubPr>
                               <m:e>
                                 <m:r>
-                                  <a:rPr lang="en-US" altLang="zh-CN" sz="800" b="0" i="1" smtClean="0">
+                                  <a:rPr lang="en-US" altLang="zh-CN" sz="800" i="1">
                                     <a:latin typeface="Cambria Math" panose="02040503050406030204" pitchFamily="18" charset="0"/>
                                   </a:rPr>
                                   <m:t>𝑦</m:t>
@@ -5140,7 +5224,7 @@
                               </m:e>
                               <m:sub>
                                 <m:r>
-                                  <a:rPr lang="en-US" altLang="zh-CN" sz="800" b="0" i="1" smtClean="0">
+                                  <a:rPr lang="en-US" altLang="zh-CN" sz="800" i="1">
                                     <a:latin typeface="Cambria Math" panose="02040503050406030204" pitchFamily="18" charset="0"/>
                                   </a:rPr>
                                   <m:t>𝑖</m:t>
@@ -5168,7 +5252,7 @@
               </p:nvSpPr>
               <p:spPr>
                 <a:xfrm>
-                  <a:off x="5694042" y="3074782"/>
+                  <a:off x="2902349" y="4796948"/>
                   <a:ext cx="300251" cy="300251"/>
                 </a:xfrm>
                 <a:prstGeom prst="rect">
@@ -5177,7 +5261,7 @@
                 <a:blipFill>
                   <a:blip r:embed="rId10"/>
                   <a:stretch>
-                    <a:fillRect b="-3846"/>
+                    <a:fillRect b="-3922"/>
                   </a:stretch>
                 </a:blipFill>
                 <a:ln>
@@ -5212,7 +5296,7 @@
           </p:nvCxnSpPr>
           <p:spPr>
             <a:xfrm flipV="1">
-              <a:off x="5844168" y="2876890"/>
+              <a:off x="3052474" y="4599055"/>
               <a:ext cx="0" cy="197892"/>
             </a:xfrm>
             <a:prstGeom prst="straightConnector1">
@@ -5222,7 +5306,7 @@
               <a:solidFill>
                 <a:srgbClr val="525252"/>
               </a:solidFill>
-              <a:tailEnd type="triangle"/>
+              <a:tailEnd type="triangle" w="sm" len="med"/>
             </a:ln>
           </p:spPr>
           <p:style>
@@ -5248,7 +5332,7 @@
           </p:nvCxnSpPr>
           <p:spPr>
             <a:xfrm flipV="1">
-              <a:off x="3590098" y="1133115"/>
+              <a:off x="798404" y="2952642"/>
               <a:ext cx="0" cy="434117"/>
             </a:xfrm>
             <a:prstGeom prst="line">
@@ -5284,7 +5368,7 @@
           </p:nvCxnSpPr>
           <p:spPr>
             <a:xfrm flipV="1">
-              <a:off x="6112737" y="1133115"/>
+              <a:off x="3321043" y="2952642"/>
               <a:ext cx="0" cy="434117"/>
             </a:xfrm>
             <a:prstGeom prst="line">
@@ -5320,7 +5404,7 @@
           </p:nvSpPr>
           <p:spPr>
             <a:xfrm>
-              <a:off x="3595704" y="1279832"/>
+              <a:off x="804011" y="3099358"/>
               <a:ext cx="675185" cy="261610"/>
             </a:xfrm>
             <a:prstGeom prst="rect">
@@ -5335,7 +5419,7 @@
             <a:lstStyle/>
             <a:p>
               <a:r>
-                <a:rPr lang="en-US" altLang="zh-CN" sz="1050" dirty="0" smtClean="0"/>
+                <a:rPr lang="en-US" altLang="zh-CN" sz="1050" dirty="0"/>
                 <a:t>Layer i-1</a:t>
               </a:r>
               <a:endParaRPr lang="zh-CN" altLang="en-US" sz="1050" dirty="0"/>
@@ -5350,7 +5434,7 @@
           </p:nvSpPr>
           <p:spPr>
             <a:xfrm>
-              <a:off x="3590096" y="3201499"/>
+              <a:off x="798403" y="4898900"/>
               <a:ext cx="559769" cy="261610"/>
             </a:xfrm>
             <a:prstGeom prst="rect">
@@ -5365,30 +5449,107 @@
             <a:lstStyle/>
             <a:p>
               <a:r>
-                <a:rPr lang="en-US" altLang="zh-CN" sz="1050" dirty="0" smtClean="0"/>
+                <a:rPr lang="en-US" altLang="zh-CN" sz="1050" dirty="0"/>
                 <a:t>Layer </a:t>
               </a:r>
               <a:r>
-                <a:rPr lang="en-US" altLang="zh-CN" sz="1050" dirty="0" err="1" smtClean="0"/>
+                <a:rPr lang="en-US" altLang="zh-CN" sz="1050" dirty="0" err="1"/>
                 <a:t>i</a:t>
               </a:r>
               <a:endParaRPr lang="zh-CN" altLang="en-US" sz="1050" dirty="0"/>
             </a:p>
           </p:txBody>
         </p:sp>
+        <p:cxnSp>
+          <p:nvCxnSpPr>
+            <p:cNvPr id="29" name="直接箭头连接符 28"/>
+            <p:cNvCxnSpPr>
+              <a:stCxn id="54" idx="2"/>
+              <a:endCxn id="56" idx="3"/>
+            </p:cNvCxnSpPr>
+            <p:nvPr/>
+          </p:nvCxnSpPr>
+          <p:spPr>
+            <a:xfrm flipH="1">
+              <a:off x="1159090" y="4112661"/>
+              <a:ext cx="1237312" cy="0"/>
+            </a:xfrm>
+            <a:prstGeom prst="straightConnector1">
+              <a:avLst/>
+            </a:prstGeom>
+            <a:ln w="12700">
+              <a:solidFill>
+                <a:srgbClr val="525252"/>
+              </a:solidFill>
+              <a:tailEnd type="triangle" w="sm" len="med"/>
+            </a:ln>
+          </p:spPr>
+          <p:style>
+            <a:lnRef idx="1">
+              <a:schemeClr val="accent1"/>
+            </a:lnRef>
+            <a:fillRef idx="0">
+              <a:schemeClr val="accent1"/>
+            </a:fillRef>
+            <a:effectRef idx="0">
+              <a:schemeClr val="accent1"/>
+            </a:effectRef>
+            <a:fontRef idx="minor">
+              <a:schemeClr val="tx1"/>
+            </a:fontRef>
+          </p:style>
+        </p:cxnSp>
+        <p:cxnSp>
+          <p:nvCxnSpPr>
+            <p:cNvPr id="32" name="直接连接符 31"/>
+            <p:cNvCxnSpPr>
+              <a:stCxn id="54" idx="6"/>
+            </p:cNvCxnSpPr>
+            <p:nvPr/>
+          </p:nvCxnSpPr>
+          <p:spPr>
+            <a:xfrm flipV="1">
+              <a:off x="2696653" y="4112661"/>
+              <a:ext cx="355820" cy="1"/>
+            </a:xfrm>
+            <a:prstGeom prst="line">
+              <a:avLst/>
+            </a:prstGeom>
+            <a:ln w="12700">
+              <a:solidFill>
+                <a:srgbClr val="525252"/>
+              </a:solidFill>
+              <a:headEnd type="triangle" w="sm" len="med"/>
+            </a:ln>
+          </p:spPr>
+          <p:style>
+            <a:lnRef idx="1">
+              <a:schemeClr val="accent1"/>
+            </a:lnRef>
+            <a:fillRef idx="0">
+              <a:schemeClr val="accent1"/>
+            </a:fillRef>
+            <a:effectRef idx="0">
+              <a:schemeClr val="accent1"/>
+            </a:effectRef>
+            <a:fontRef idx="minor">
+              <a:schemeClr val="tx1"/>
+            </a:fontRef>
+          </p:style>
+        </p:cxnSp>
       </p:grpSp>
       <p:grpSp>
         <p:nvGrpSpPr>
-          <p:cNvPr id="147" name="组合 146"/>
+          <p:cNvPr id="74" name="组合 73"/>
           <p:cNvGrpSpPr/>
           <p:nvPr/>
         </p:nvGrpSpPr>
         <p:grpSpPr>
           <a:xfrm>
-            <a:off x="4312575" y="1133115"/>
-            <a:ext cx="2525076" cy="1858566"/>
-            <a:chOff x="848002" y="1598879"/>
-            <a:chExt cx="2525076" cy="1858566"/>
+            <a:off x="1129342" y="1441410"/>
+            <a:ext cx="2525076" cy="1723182"/>
+            <a:chOff x="4312575" y="1133115"/>
+            <a:chExt cx="2525076" cy="1723182"/>
           </a:xfrm>
         </p:grpSpPr>
         <p:sp>
@@ -5399,8 +5560,8 @@
           </p:nvSpPr>
           <p:spPr>
             <a:xfrm>
-              <a:off x="848004" y="2031441"/>
-              <a:ext cx="2525074" cy="1426004"/>
+              <a:off x="4312577" y="1565677"/>
+              <a:ext cx="2525074" cy="1290620"/>
             </a:xfrm>
             <a:prstGeom prst="rect">
               <a:avLst/>
@@ -5451,7 +5612,7 @@
               </p:nvSpPr>
               <p:spPr>
                 <a:xfrm>
-                  <a:off x="909418" y="2093110"/>
+                  <a:off x="4373991" y="1627346"/>
                   <a:ext cx="300251" cy="300251"/>
                 </a:xfrm>
                 <a:prstGeom prst="rect">
@@ -5496,14 +5657,14 @@
                         <m:sSub>
                           <m:sSubPr>
                             <m:ctrlPr>
-                              <a:rPr lang="en-US" altLang="zh-CN" sz="800" i="1" smtClean="0">
+                              <a:rPr lang="en-US" altLang="zh-CN" sz="800" i="1">
                                 <a:latin typeface="Cambria Math" panose="02040503050406030204" pitchFamily="18" charset="0"/>
                               </a:rPr>
                             </m:ctrlPr>
                           </m:sSubPr>
                           <m:e>
                             <m:r>
-                              <a:rPr lang="en-US" altLang="zh-CN" sz="800" b="0" i="1" smtClean="0">
+                              <a:rPr lang="en-US" altLang="zh-CN" sz="800" i="1">
                                 <a:latin typeface="Cambria Math" panose="02040503050406030204" pitchFamily="18" charset="0"/>
                               </a:rPr>
                               <m:t>𝑊</m:t>
@@ -5511,7 +5672,7 @@
                           </m:e>
                           <m:sub>
                             <m:r>
-                              <a:rPr lang="en-US" altLang="zh-CN" sz="800" b="0" i="1" smtClean="0">
+                              <a:rPr lang="en-US" altLang="zh-CN" sz="800" i="1">
                                 <a:latin typeface="Cambria Math" panose="02040503050406030204" pitchFamily="18" charset="0"/>
                               </a:rPr>
                               <m:t>𝑖</m:t>
@@ -5537,7 +5698,7 @@
               </p:nvSpPr>
               <p:spPr>
                 <a:xfrm>
-                  <a:off x="909418" y="2093110"/>
+                  <a:off x="4373991" y="1627346"/>
                   <a:ext cx="300251" cy="300251"/>
                 </a:xfrm>
                 <a:prstGeom prst="rect">
@@ -5578,7 +5739,7 @@
           </p:nvSpPr>
           <p:spPr>
             <a:xfrm>
-              <a:off x="1930804" y="2425932"/>
+              <a:off x="5395377" y="1901073"/>
               <a:ext cx="300251" cy="300251"/>
             </a:xfrm>
             <a:prstGeom prst="ellipse">
@@ -5615,7 +5776,7 @@
             <a:p>
               <a:pPr algn="ctr"/>
               <a:r>
-                <a:rPr lang="en-US" altLang="zh-CN" sz="800" dirty="0" smtClean="0">
+                <a:rPr lang="en-US" altLang="zh-CN" sz="800" dirty="0">
                   <a:solidFill>
                     <a:srgbClr val="525252"/>
                   </a:solidFill>
@@ -5638,7 +5799,7 @@
           </p:nvSpPr>
           <p:spPr>
             <a:xfrm>
-              <a:off x="2442595" y="2716914"/>
+              <a:off x="5907168" y="2139656"/>
               <a:ext cx="300251" cy="300251"/>
             </a:xfrm>
             <a:prstGeom prst="ellipse">
@@ -5675,7 +5836,7 @@
             <a:p>
               <a:pPr algn="ctr"/>
               <a:r>
-                <a:rPr lang="en-US" altLang="zh-CN" sz="800" dirty="0" smtClean="0">
+                <a:rPr lang="en-US" altLang="zh-CN" sz="800" dirty="0">
                   <a:solidFill>
                     <a:srgbClr val="525252"/>
                   </a:solidFill>
@@ -5698,7 +5859,7 @@
           </p:nvSpPr>
           <p:spPr>
             <a:xfrm>
-              <a:off x="2956576" y="2093108"/>
+              <a:off x="6421149" y="1627344"/>
               <a:ext cx="300251" cy="300251"/>
             </a:xfrm>
             <a:prstGeom prst="ellipse">
@@ -5735,7 +5896,7 @@
             <a:p>
               <a:pPr algn="ctr"/>
               <a:r>
-                <a:rPr lang="en-US" altLang="zh-CN" sz="800" dirty="0" smtClean="0">
+                <a:rPr lang="en-US" altLang="zh-CN" sz="800" dirty="0">
                   <a:solidFill>
                     <a:srgbClr val="525252"/>
                   </a:solidFill>
@@ -5760,7 +5921,7 @@
               </p:nvSpPr>
               <p:spPr>
                 <a:xfrm>
-                  <a:off x="909418" y="2716913"/>
+                  <a:off x="4373991" y="2139656"/>
                   <a:ext cx="300251" cy="300251"/>
                 </a:xfrm>
                 <a:prstGeom prst="rect">
@@ -5805,20 +5966,20 @@
                         <m:f>
                           <m:fPr>
                             <m:ctrlPr>
-                              <a:rPr lang="en-US" altLang="zh-CN" sz="800" i="1" smtClean="0">
+                              <a:rPr lang="en-US" altLang="zh-CN" sz="800" i="1">
                                 <a:latin typeface="Cambria Math" panose="02040503050406030204" pitchFamily="18" charset="0"/>
                               </a:rPr>
                             </m:ctrlPr>
                           </m:fPr>
                           <m:num>
                             <m:r>
-                              <a:rPr lang="zh-CN" altLang="en-US" sz="800" i="1" smtClean="0">
+                              <a:rPr lang="zh-CN" altLang="en-US" sz="800" i="1">
                                 <a:latin typeface="Cambria Math" panose="02040503050406030204" pitchFamily="18" charset="0"/>
                               </a:rPr>
                               <m:t>𝜕</m:t>
                             </m:r>
                             <m:r>
-                              <a:rPr lang="en-US" altLang="zh-CN" sz="800" b="0" i="1" smtClean="0">
+                              <a:rPr lang="en-US" altLang="zh-CN" sz="800" i="1">
                                 <a:latin typeface="Cambria Math" panose="02040503050406030204" pitchFamily="18" charset="0"/>
                               </a:rPr>
                               <m:t>𝐸</m:t>
@@ -5826,7 +5987,7 @@
                           </m:num>
                           <m:den>
                             <m:r>
-                              <a:rPr lang="zh-CN" altLang="en-US" sz="800" i="1" smtClean="0">
+                              <a:rPr lang="zh-CN" altLang="en-US" sz="800" i="1">
                                 <a:latin typeface="Cambria Math" panose="02040503050406030204" pitchFamily="18" charset="0"/>
                               </a:rPr>
                               <m:t>𝜕</m:t>
@@ -5834,14 +5995,14 @@
                             <m:sSub>
                               <m:sSubPr>
                                 <m:ctrlPr>
-                                  <a:rPr lang="en-US" altLang="zh-CN" sz="800" i="1" smtClean="0">
+                                  <a:rPr lang="en-US" altLang="zh-CN" sz="800" i="1">
                                     <a:latin typeface="Cambria Math" panose="02040503050406030204" pitchFamily="18" charset="0"/>
                                   </a:rPr>
                                 </m:ctrlPr>
                               </m:sSubPr>
                               <m:e>
                                 <m:r>
-                                  <a:rPr lang="en-US" altLang="zh-CN" sz="800" b="0" i="1" smtClean="0">
+                                  <a:rPr lang="en-US" altLang="zh-CN" sz="800" i="1">
                                     <a:latin typeface="Cambria Math" panose="02040503050406030204" pitchFamily="18" charset="0"/>
                                   </a:rPr>
                                   <m:t>𝑊</m:t>
@@ -5849,7 +6010,7 @@
                               </m:e>
                               <m:sub>
                                 <m:r>
-                                  <a:rPr lang="en-US" altLang="zh-CN" sz="800" b="0" i="1" smtClean="0">
+                                  <a:rPr lang="en-US" altLang="zh-CN" sz="800" i="1">
                                     <a:latin typeface="Cambria Math" panose="02040503050406030204" pitchFamily="18" charset="0"/>
                                   </a:rPr>
                                   <m:t>𝑖</m:t>
@@ -5877,7 +6038,7 @@
               </p:nvSpPr>
               <p:spPr>
                 <a:xfrm>
-                  <a:off x="909418" y="2716913"/>
+                  <a:off x="4373991" y="2139656"/>
                   <a:ext cx="300251" cy="300251"/>
                 </a:xfrm>
                 <a:prstGeom prst="rect">
@@ -5920,7 +6081,7 @@
               </p:nvSpPr>
               <p:spPr>
                 <a:xfrm>
-                  <a:off x="1930804" y="1642732"/>
+                  <a:off x="5395377" y="1176968"/>
                   <a:ext cx="300251" cy="300251"/>
                 </a:xfrm>
                 <a:prstGeom prst="rect">
@@ -5965,14 +6126,14 @@
                         <m:sSub>
                           <m:sSubPr>
                             <m:ctrlPr>
-                              <a:rPr lang="en-US" altLang="zh-CN" sz="800" i="1" smtClean="0">
+                              <a:rPr lang="en-US" altLang="zh-CN" sz="800" i="1">
                                 <a:latin typeface="Cambria Math" panose="02040503050406030204" pitchFamily="18" charset="0"/>
                               </a:rPr>
                             </m:ctrlPr>
                           </m:sSubPr>
                           <m:e>
                             <m:r>
-                              <a:rPr lang="en-US" altLang="zh-CN" sz="800" b="0" i="1" smtClean="0">
+                              <a:rPr lang="en-US" altLang="zh-CN" sz="800" i="1">
                                 <a:latin typeface="Cambria Math" panose="02040503050406030204" pitchFamily="18" charset="0"/>
                               </a:rPr>
                               <m:t>𝑦</m:t>
@@ -5980,13 +6141,13 @@
                           </m:e>
                           <m:sub>
                             <m:r>
-                              <a:rPr lang="en-US" altLang="zh-CN" sz="800" b="0" i="1" smtClean="0">
+                              <a:rPr lang="en-US" altLang="zh-CN" sz="800" i="1">
                                 <a:latin typeface="Cambria Math" panose="02040503050406030204" pitchFamily="18" charset="0"/>
                               </a:rPr>
                               <m:t>𝑖</m:t>
                             </m:r>
                             <m:r>
-                              <a:rPr lang="en-US" altLang="zh-CN" sz="800" b="0" i="1" smtClean="0">
+                              <a:rPr lang="en-US" altLang="zh-CN" sz="800" i="1">
                                 <a:latin typeface="Cambria Math" panose="02040503050406030204" pitchFamily="18" charset="0"/>
                               </a:rPr>
                               <m:t>−1</m:t>
@@ -6012,7 +6173,7 @@
               </p:nvSpPr>
               <p:spPr>
                 <a:xfrm>
-                  <a:off x="1930804" y="1642732"/>
+                  <a:off x="5395377" y="1176968"/>
                   <a:ext cx="300251" cy="300251"/>
                 </a:xfrm>
                 <a:prstGeom prst="rect">
@@ -6055,7 +6216,7 @@
               </p:nvSpPr>
               <p:spPr>
                 <a:xfrm>
-                  <a:off x="2956576" y="1639522"/>
+                  <a:off x="6421149" y="1173758"/>
                   <a:ext cx="300251" cy="300251"/>
                 </a:xfrm>
                 <a:prstGeom prst="rect">
@@ -6100,20 +6261,20 @@
                         <m:f>
                           <m:fPr>
                             <m:ctrlPr>
-                              <a:rPr lang="en-US" altLang="zh-CN" sz="800" i="1" smtClean="0">
+                              <a:rPr lang="en-US" altLang="zh-CN" sz="800" i="1">
                                 <a:latin typeface="Cambria Math" panose="02040503050406030204" pitchFamily="18" charset="0"/>
                               </a:rPr>
                             </m:ctrlPr>
                           </m:fPr>
                           <m:num>
                             <m:r>
-                              <a:rPr lang="zh-CN" altLang="en-US" sz="800" i="1" smtClean="0">
+                              <a:rPr lang="zh-CN" altLang="en-US" sz="800" i="1">
                                 <a:latin typeface="Cambria Math" panose="02040503050406030204" pitchFamily="18" charset="0"/>
                               </a:rPr>
                               <m:t>𝜕</m:t>
                             </m:r>
                             <m:r>
-                              <a:rPr lang="en-US" altLang="zh-CN" sz="800" b="0" i="1" smtClean="0">
+                              <a:rPr lang="en-US" altLang="zh-CN" sz="800" i="1">
                                 <a:latin typeface="Cambria Math" panose="02040503050406030204" pitchFamily="18" charset="0"/>
                               </a:rPr>
                               <m:t>𝐸</m:t>
@@ -6121,7 +6282,7 @@
                           </m:num>
                           <m:den>
                             <m:r>
-                              <a:rPr lang="zh-CN" altLang="en-US" sz="800" i="1" smtClean="0">
+                              <a:rPr lang="zh-CN" altLang="en-US" sz="800" i="1">
                                 <a:latin typeface="Cambria Math" panose="02040503050406030204" pitchFamily="18" charset="0"/>
                               </a:rPr>
                               <m:t>𝜕</m:t>
@@ -6129,14 +6290,14 @@
                             <m:sSub>
                               <m:sSubPr>
                                 <m:ctrlPr>
-                                  <a:rPr lang="en-US" altLang="zh-CN" sz="800" i="1" smtClean="0">
+                                  <a:rPr lang="en-US" altLang="zh-CN" sz="800" i="1">
                                     <a:latin typeface="Cambria Math" panose="02040503050406030204" pitchFamily="18" charset="0"/>
                                   </a:rPr>
                                 </m:ctrlPr>
                               </m:sSubPr>
                               <m:e>
                                 <m:r>
-                                  <a:rPr lang="en-US" altLang="zh-CN" sz="800" b="0" i="1" smtClean="0">
+                                  <a:rPr lang="en-US" altLang="zh-CN" sz="800" i="1">
                                     <a:latin typeface="Cambria Math" panose="02040503050406030204" pitchFamily="18" charset="0"/>
                                   </a:rPr>
                                   <m:t>𝑦</m:t>
@@ -6144,13 +6305,13 @@
                               </m:e>
                               <m:sub>
                                 <m:r>
-                                  <a:rPr lang="en-US" altLang="zh-CN" sz="800" b="0" i="1" smtClean="0">
+                                  <a:rPr lang="en-US" altLang="zh-CN" sz="800" i="1">
                                     <a:latin typeface="Cambria Math" panose="02040503050406030204" pitchFamily="18" charset="0"/>
                                   </a:rPr>
                                   <m:t>𝑖</m:t>
                                 </m:r>
                                 <m:r>
-                                  <a:rPr lang="en-US" altLang="zh-CN" sz="800" b="0" i="1" smtClean="0">
+                                  <a:rPr lang="en-US" altLang="zh-CN" sz="800" i="1">
                                     <a:latin typeface="Cambria Math" panose="02040503050406030204" pitchFamily="18" charset="0"/>
                                   </a:rPr>
                                   <m:t>−1</m:t>
@@ -6178,7 +6339,7 @@
               </p:nvSpPr>
               <p:spPr>
                 <a:xfrm>
-                  <a:off x="2956576" y="1639522"/>
+                  <a:off x="6421149" y="1173758"/>
                   <a:ext cx="300251" cy="300251"/>
                 </a:xfrm>
                 <a:prstGeom prst="rect">
@@ -6187,7 +6348,7 @@
                 <a:blipFill>
                   <a:blip r:embed="rId14"/>
                   <a:stretch>
-                    <a:fillRect l="-3846" b="-3922"/>
+                    <a:fillRect l="-3922" b="-5882"/>
                   </a:stretch>
                 </a:blipFill>
                 <a:ln>
@@ -6222,8 +6383,8 @@
           </p:nvCxnSpPr>
           <p:spPr>
             <a:xfrm flipV="1">
-              <a:off x="1059544" y="2393361"/>
-              <a:ext cx="0" cy="323552"/>
+              <a:off x="4524117" y="1927597"/>
+              <a:ext cx="0" cy="212059"/>
             </a:xfrm>
             <a:prstGeom prst="straightConnector1">
               <a:avLst/>
@@ -6261,7 +6422,7 @@
           </p:nvCxnSpPr>
           <p:spPr>
             <a:xfrm flipV="1">
-              <a:off x="1209669" y="2243234"/>
+              <a:off x="4674242" y="1777470"/>
               <a:ext cx="1746907" cy="2"/>
             </a:xfrm>
             <a:prstGeom prst="bentConnector3">
@@ -6302,8 +6463,8 @@
           </p:nvCxnSpPr>
           <p:spPr>
             <a:xfrm>
-              <a:off x="2080930" y="1942983"/>
-              <a:ext cx="0" cy="482949"/>
+              <a:off x="5545503" y="1477219"/>
+              <a:ext cx="0" cy="423854"/>
             </a:xfrm>
             <a:prstGeom prst="straightConnector1">
               <a:avLst/>
@@ -6341,52 +6502,11 @@
           </p:nvCxnSpPr>
           <p:spPr>
             <a:xfrm flipH="1">
-              <a:off x="2080929" y="2726183"/>
-              <a:ext cx="1" cy="367911"/>
+              <a:off x="5545502" y="2201324"/>
+              <a:ext cx="1" cy="272336"/>
             </a:xfrm>
             <a:prstGeom prst="straightConnector1">
               <a:avLst/>
-            </a:prstGeom>
-            <a:ln w="12700">
-              <a:solidFill>
-                <a:srgbClr val="525252"/>
-              </a:solidFill>
-              <a:tailEnd type="triangle"/>
-            </a:ln>
-          </p:spPr>
-          <p:style>
-            <a:lnRef idx="1">
-              <a:schemeClr val="accent1"/>
-            </a:lnRef>
-            <a:fillRef idx="0">
-              <a:schemeClr val="accent1"/>
-            </a:fillRef>
-            <a:effectRef idx="0">
-              <a:schemeClr val="accent1"/>
-            </a:effectRef>
-            <a:fontRef idx="minor">
-              <a:schemeClr val="tx1"/>
-            </a:fontRef>
-          </p:style>
-        </p:cxnSp>
-        <p:cxnSp>
-          <p:nvCxnSpPr>
-            <p:cNvPr id="72" name="肘形连接符 71"/>
-            <p:cNvCxnSpPr>
-              <a:stCxn id="48" idx="2"/>
-              <a:endCxn id="52" idx="3"/>
-            </p:cNvCxnSpPr>
-            <p:nvPr/>
-          </p:nvCxnSpPr>
-          <p:spPr>
-            <a:xfrm rot="10800000">
-              <a:off x="1209669" y="2867040"/>
-              <a:ext cx="1232926" cy="1"/>
-            </a:xfrm>
-            <a:prstGeom prst="bentConnector3">
-              <a:avLst>
-                <a:gd name="adj1" fmla="val 50000"/>
-              </a:avLst>
             </a:prstGeom>
             <a:ln w="12700">
               <a:solidFill>
@@ -6421,7 +6541,7 @@
           </p:nvCxnSpPr>
           <p:spPr>
             <a:xfrm flipV="1">
-              <a:off x="3106702" y="1939773"/>
+              <a:off x="6571275" y="1474009"/>
               <a:ext cx="0" cy="153335"/>
             </a:xfrm>
             <a:prstGeom prst="straightConnector1">
@@ -6460,8 +6580,8 @@
           </p:nvCxnSpPr>
           <p:spPr>
             <a:xfrm>
-              <a:off x="2231055" y="1792858"/>
-              <a:ext cx="361666" cy="924056"/>
+              <a:off x="5695628" y="1327094"/>
+              <a:ext cx="361666" cy="812562"/>
             </a:xfrm>
             <a:prstGeom prst="bentConnector2">
               <a:avLst/>
@@ -6499,8 +6619,8 @@
           </p:nvCxnSpPr>
           <p:spPr>
             <a:xfrm>
-              <a:off x="1209669" y="2243236"/>
-              <a:ext cx="721135" cy="332822"/>
+              <a:off x="4674242" y="1777472"/>
+              <a:ext cx="721135" cy="273727"/>
             </a:xfrm>
             <a:prstGeom prst="bentConnector3">
               <a:avLst>
@@ -6539,7 +6659,7 @@
               </p:nvSpPr>
               <p:spPr>
                 <a:xfrm>
-                  <a:off x="1930803" y="3094094"/>
+                  <a:off x="5395376" y="2473660"/>
                   <a:ext cx="300251" cy="300251"/>
                 </a:xfrm>
                 <a:prstGeom prst="rect">
@@ -6584,14 +6704,14 @@
                         <m:sSub>
                           <m:sSubPr>
                             <m:ctrlPr>
-                              <a:rPr lang="en-US" altLang="zh-CN" sz="800" i="1" smtClean="0">
+                              <a:rPr lang="en-US" altLang="zh-CN" sz="800" i="1">
                                 <a:latin typeface="Cambria Math" panose="02040503050406030204" pitchFamily="18" charset="0"/>
                               </a:rPr>
                             </m:ctrlPr>
                           </m:sSubPr>
                           <m:e>
                             <m:r>
-                              <a:rPr lang="en-US" altLang="zh-CN" sz="800" b="0" i="1" smtClean="0">
+                              <a:rPr lang="en-US" altLang="zh-CN" sz="800" i="1">
                                 <a:latin typeface="Cambria Math" panose="02040503050406030204" pitchFamily="18" charset="0"/>
                               </a:rPr>
                               <m:t>𝑦</m:t>
@@ -6599,7 +6719,7 @@
                           </m:e>
                           <m:sub>
                             <m:r>
-                              <a:rPr lang="en-US" altLang="zh-CN" sz="800" b="0" i="1" smtClean="0">
+                              <a:rPr lang="en-US" altLang="zh-CN" sz="800" i="1">
                                 <a:latin typeface="Cambria Math" panose="02040503050406030204" pitchFamily="18" charset="0"/>
                               </a:rPr>
                               <m:t>𝑖</m:t>
@@ -6625,7 +6745,7 @@
               </p:nvSpPr>
               <p:spPr>
                 <a:xfrm>
-                  <a:off x="1930803" y="3094094"/>
+                  <a:off x="5395376" y="2473660"/>
                   <a:ext cx="300251" cy="300251"/>
                 </a:xfrm>
                 <a:prstGeom prst="rect">
@@ -6668,7 +6788,7 @@
               </p:nvSpPr>
               <p:spPr>
                 <a:xfrm>
-                  <a:off x="2956575" y="3094094"/>
+                  <a:off x="6421148" y="2473660"/>
                   <a:ext cx="300251" cy="300251"/>
                 </a:xfrm>
                 <a:prstGeom prst="rect">
@@ -6713,20 +6833,20 @@
                         <m:f>
                           <m:fPr>
                             <m:ctrlPr>
-                              <a:rPr lang="en-US" altLang="zh-CN" sz="800" i="1" smtClean="0">
+                              <a:rPr lang="en-US" altLang="zh-CN" sz="800" i="1">
                                 <a:latin typeface="Cambria Math" panose="02040503050406030204" pitchFamily="18" charset="0"/>
                               </a:rPr>
                             </m:ctrlPr>
                           </m:fPr>
                           <m:num>
                             <m:r>
-                              <a:rPr lang="zh-CN" altLang="en-US" sz="800" i="1" smtClean="0">
+                              <a:rPr lang="zh-CN" altLang="en-US" sz="800" i="1">
                                 <a:latin typeface="Cambria Math" panose="02040503050406030204" pitchFamily="18" charset="0"/>
                               </a:rPr>
                               <m:t>𝜕</m:t>
                             </m:r>
                             <m:r>
-                              <a:rPr lang="en-US" altLang="zh-CN" sz="800" b="0" i="1" smtClean="0">
+                              <a:rPr lang="en-US" altLang="zh-CN" sz="800" i="1">
                                 <a:latin typeface="Cambria Math" panose="02040503050406030204" pitchFamily="18" charset="0"/>
                               </a:rPr>
                               <m:t>𝐸</m:t>
@@ -6734,7 +6854,7 @@
                           </m:num>
                           <m:den>
                             <m:r>
-                              <a:rPr lang="zh-CN" altLang="en-US" sz="800" i="1" smtClean="0">
+                              <a:rPr lang="zh-CN" altLang="en-US" sz="800" i="1">
                                 <a:latin typeface="Cambria Math" panose="02040503050406030204" pitchFamily="18" charset="0"/>
                               </a:rPr>
                               <m:t>𝜕</m:t>
@@ -6742,14 +6862,14 @@
                             <m:sSub>
                               <m:sSubPr>
                                 <m:ctrlPr>
-                                  <a:rPr lang="en-US" altLang="zh-CN" sz="800" i="1" smtClean="0">
+                                  <a:rPr lang="en-US" altLang="zh-CN" sz="800" i="1">
                                     <a:latin typeface="Cambria Math" panose="02040503050406030204" pitchFamily="18" charset="0"/>
                                   </a:rPr>
                                 </m:ctrlPr>
                               </m:sSubPr>
                               <m:e>
                                 <m:r>
-                                  <a:rPr lang="en-US" altLang="zh-CN" sz="800" b="0" i="1" smtClean="0">
+                                  <a:rPr lang="en-US" altLang="zh-CN" sz="800" i="1">
                                     <a:latin typeface="Cambria Math" panose="02040503050406030204" pitchFamily="18" charset="0"/>
                                   </a:rPr>
                                   <m:t>𝑦</m:t>
@@ -6757,7 +6877,7 @@
                               </m:e>
                               <m:sub>
                                 <m:r>
-                                  <a:rPr lang="en-US" altLang="zh-CN" sz="800" b="0" i="1" smtClean="0">
+                                  <a:rPr lang="en-US" altLang="zh-CN" sz="800" i="1">
                                     <a:latin typeface="Cambria Math" panose="02040503050406030204" pitchFamily="18" charset="0"/>
                                   </a:rPr>
                                   <m:t>𝑖</m:t>
@@ -6785,7 +6905,7 @@
               </p:nvSpPr>
               <p:spPr>
                 <a:xfrm>
-                  <a:off x="2956575" y="3094094"/>
+                  <a:off x="6421148" y="2473660"/>
                   <a:ext cx="300251" cy="300251"/>
                 </a:xfrm>
                 <a:prstGeom prst="rect">
@@ -6794,7 +6914,7 @@
                 <a:blipFill>
                   <a:blip r:embed="rId16"/>
                   <a:stretch>
-                    <a:fillRect b="-5882"/>
+                    <a:fillRect b="-3846"/>
                   </a:stretch>
                 </a:blipFill>
                 <a:ln>
@@ -6829,8 +6949,8 @@
           </p:nvCxnSpPr>
           <p:spPr>
             <a:xfrm flipV="1">
-              <a:off x="3106701" y="2393359"/>
-              <a:ext cx="1" cy="700735"/>
+              <a:off x="6571274" y="1927595"/>
+              <a:ext cx="1" cy="546065"/>
             </a:xfrm>
             <a:prstGeom prst="straightConnector1">
               <a:avLst/>
@@ -6839,7 +6959,7 @@
               <a:solidFill>
                 <a:srgbClr val="525252"/>
               </a:solidFill>
-              <a:tailEnd type="triangle"/>
+              <a:tailEnd type="triangle" w="sm" len="med"/>
             </a:ln>
           </p:spPr>
           <p:style>
@@ -6865,7 +6985,7 @@
           </p:nvCxnSpPr>
           <p:spPr>
             <a:xfrm flipV="1">
-              <a:off x="848003" y="1598879"/>
+              <a:off x="4312576" y="1133115"/>
               <a:ext cx="0" cy="434117"/>
             </a:xfrm>
             <a:prstGeom prst="line">
@@ -6901,7 +7021,7 @@
           </p:nvCxnSpPr>
           <p:spPr>
             <a:xfrm flipV="1">
-              <a:off x="3373077" y="1598879"/>
+              <a:off x="6837650" y="1133115"/>
               <a:ext cx="0" cy="434117"/>
             </a:xfrm>
             <a:prstGeom prst="line">
@@ -6937,7 +7057,7 @@
           </p:nvSpPr>
           <p:spPr>
             <a:xfrm>
-              <a:off x="853609" y="1745596"/>
+              <a:off x="4318182" y="1279832"/>
               <a:ext cx="675185" cy="261610"/>
             </a:xfrm>
             <a:prstGeom prst="rect">
@@ -6952,7 +7072,7 @@
             <a:lstStyle/>
             <a:p>
               <a:r>
-                <a:rPr lang="en-US" altLang="zh-CN" sz="1050" dirty="0" smtClean="0"/>
+                <a:rPr lang="en-US" altLang="zh-CN" sz="1050" dirty="0"/>
                 <a:t>Layer i-1</a:t>
               </a:r>
               <a:endParaRPr lang="zh-CN" altLang="en-US" sz="1050" dirty="0"/>
@@ -6967,7 +7087,7 @@
           </p:nvSpPr>
           <p:spPr>
             <a:xfrm>
-              <a:off x="848002" y="3145801"/>
+              <a:off x="4312575" y="2541066"/>
               <a:ext cx="559769" cy="261610"/>
             </a:xfrm>
             <a:prstGeom prst="rect">
@@ -6982,11 +7102,11 @@
             <a:lstStyle/>
             <a:p>
               <a:r>
-                <a:rPr lang="en-US" altLang="zh-CN" sz="1050" dirty="0" smtClean="0"/>
+                <a:rPr lang="en-US" altLang="zh-CN" sz="1050" dirty="0"/>
                 <a:t>Layer </a:t>
               </a:r>
               <a:r>
-                <a:rPr lang="en-US" altLang="zh-CN" sz="1050" dirty="0" err="1" smtClean="0"/>
+                <a:rPr lang="en-US" altLang="zh-CN" sz="1050" dirty="0" err="1"/>
                 <a:t>i</a:t>
               </a:r>
               <a:endParaRPr lang="zh-CN" altLang="en-US" sz="1050" dirty="0"/>
@@ -7003,7 +7123,7 @@
           </p:nvCxnSpPr>
           <p:spPr>
             <a:xfrm flipH="1">
-              <a:off x="2742846" y="2867040"/>
+              <a:off x="6207419" y="2289782"/>
               <a:ext cx="361662" cy="0"/>
             </a:xfrm>
             <a:prstGeom prst="straightConnector1">
@@ -7031,168 +7151,115 @@
             </a:fontRef>
           </p:style>
         </p:cxnSp>
+        <p:cxnSp>
+          <p:nvCxnSpPr>
+            <p:cNvPr id="73" name="直接箭头连接符 72"/>
+            <p:cNvCxnSpPr>
+              <a:stCxn id="48" idx="2"/>
+              <a:endCxn id="52" idx="3"/>
+            </p:cNvCxnSpPr>
+            <p:nvPr/>
+          </p:nvCxnSpPr>
+          <p:spPr>
+            <a:xfrm flipH="1">
+              <a:off x="4674242" y="2289782"/>
+              <a:ext cx="1232926" cy="0"/>
+            </a:xfrm>
+            <a:prstGeom prst="straightConnector1">
+              <a:avLst/>
+            </a:prstGeom>
+            <a:ln w="12700">
+              <a:solidFill>
+                <a:srgbClr val="525252"/>
+              </a:solidFill>
+              <a:tailEnd type="triangle" w="sm" len="med"/>
+            </a:ln>
+          </p:spPr>
+          <p:style>
+            <a:lnRef idx="1">
+              <a:schemeClr val="accent1"/>
+            </a:lnRef>
+            <a:fillRef idx="0">
+              <a:schemeClr val="accent1"/>
+            </a:fillRef>
+            <a:effectRef idx="0">
+              <a:schemeClr val="accent1"/>
+            </a:effectRef>
+            <a:fontRef idx="minor">
+              <a:schemeClr val="tx1"/>
+            </a:fontRef>
+          </p:style>
+        </p:cxnSp>
       </p:grpSp>
       <p:sp>
         <p:nvSpPr>
-          <p:cNvPr id="144" name="矩形 143"/>
-          <p:cNvSpPr/>
+          <p:cNvPr id="88" name="文本框 87"/>
+          <p:cNvSpPr txBox="1"/>
           <p:nvPr/>
         </p:nvSpPr>
         <p:spPr>
           <a:xfrm>
-            <a:off x="4423666" y="3216661"/>
-            <a:ext cx="611143" cy="207583"/>
+            <a:off x="724967" y="2353447"/>
+            <a:ext cx="312906" cy="230832"/>
           </a:xfrm>
           <a:prstGeom prst="rect">
             <a:avLst/>
           </a:prstGeom>
-          <a:solidFill>
-            <a:srgbClr val="B4A0FF"/>
-          </a:solidFill>
-          <a:ln>
-            <a:solidFill>
-              <a:srgbClr val="5C2D91"/>
-            </a:solidFill>
-          </a:ln>
+          <a:noFill/>
         </p:spPr>
-        <p:style>
-          <a:lnRef idx="2">
-            <a:schemeClr val="accent1">
-              <a:shade val="50000"/>
-            </a:schemeClr>
-          </a:lnRef>
-          <a:fillRef idx="1">
-            <a:schemeClr val="accent1"/>
-          </a:fillRef>
-          <a:effectRef idx="0">
-            <a:schemeClr val="accent1"/>
-          </a:effectRef>
-          <a:fontRef idx="minor">
-            <a:schemeClr val="lt1"/>
-          </a:fontRef>
-        </p:style>
         <p:txBody>
-          <a:bodyPr lIns="0" tIns="0" rIns="0" bIns="0" rtlCol="0" anchor="ctr"/>
+          <a:bodyPr wrap="none" rtlCol="0">
+            <a:spAutoFit/>
+          </a:bodyPr>
           <a:lstStyle/>
           <a:p>
-            <a:pPr algn="ctr"/>
             <a:r>
-              <a:rPr lang="en-US" altLang="zh-CN" sz="800" dirty="0" smtClean="0"/>
-              <a:t>float 32</a:t>
+              <a:rPr lang="en-US" altLang="zh-CN" sz="900" dirty="0" smtClean="0">
+                <a:latin typeface="Times New Roman" panose="02020603050405020304" pitchFamily="18" charset="0"/>
+                <a:cs typeface="Times New Roman" panose="02020603050405020304" pitchFamily="18" charset="0"/>
+              </a:rPr>
+              <a:t>(a)</a:t>
             </a:r>
-            <a:endParaRPr lang="zh-CN" altLang="en-US" sz="800" dirty="0"/>
+            <a:endParaRPr lang="zh-CN" altLang="en-US" sz="900" dirty="0">
+              <a:latin typeface="Times New Roman" panose="02020603050405020304" pitchFamily="18" charset="0"/>
+              <a:cs typeface="Times New Roman" panose="02020603050405020304" pitchFamily="18" charset="0"/>
+            </a:endParaRPr>
           </a:p>
         </p:txBody>
       </p:sp>
       <p:sp>
         <p:nvSpPr>
-          <p:cNvPr id="145" name="矩形 144"/>
-          <p:cNvSpPr/>
+          <p:cNvPr id="95" name="文本框 94"/>
+          <p:cNvSpPr txBox="1"/>
           <p:nvPr/>
         </p:nvSpPr>
         <p:spPr>
           <a:xfrm>
-            <a:off x="5274102" y="3220796"/>
-            <a:ext cx="610031" cy="207583"/>
+            <a:off x="724967" y="4336380"/>
+            <a:ext cx="319318" cy="230832"/>
           </a:xfrm>
           <a:prstGeom prst="rect">
             <a:avLst/>
           </a:prstGeom>
-          <a:solidFill>
-            <a:srgbClr val="0078D7"/>
-          </a:solidFill>
-          <a:ln>
-            <a:solidFill>
-              <a:srgbClr val="00188F"/>
-            </a:solidFill>
-          </a:ln>
+          <a:noFill/>
         </p:spPr>
-        <p:style>
-          <a:lnRef idx="2">
-            <a:schemeClr val="accent1">
-              <a:shade val="50000"/>
-            </a:schemeClr>
-          </a:lnRef>
-          <a:fillRef idx="1">
-            <a:schemeClr val="accent1"/>
-          </a:fillRef>
-          <a:effectRef idx="0">
-            <a:schemeClr val="accent1"/>
-          </a:effectRef>
-          <a:fontRef idx="minor">
-            <a:schemeClr val="lt1"/>
-          </a:fontRef>
-        </p:style>
         <p:txBody>
-          <a:bodyPr rtlCol="0" anchor="ctr"/>
+          <a:bodyPr wrap="none" rtlCol="0">
+            <a:spAutoFit/>
+          </a:bodyPr>
           <a:lstStyle/>
           <a:p>
-            <a:pPr algn="ctr"/>
             <a:r>
-              <a:rPr lang="en-US" altLang="zh-CN" sz="800" dirty="0" err="1" smtClean="0"/>
-              <a:t>int</a:t>
+              <a:rPr lang="en-US" altLang="zh-CN" sz="900" dirty="0" smtClean="0">
+                <a:latin typeface="Times New Roman" panose="02020603050405020304" pitchFamily="18" charset="0"/>
+                <a:cs typeface="Times New Roman" panose="02020603050405020304" pitchFamily="18" charset="0"/>
+              </a:rPr>
+              <a:t>(b)</a:t>
             </a:r>
-            <a:r>
-              <a:rPr lang="en-US" altLang="zh-CN" sz="800" dirty="0" smtClean="0"/>
-              <a:t> 32</a:t>
-            </a:r>
-            <a:endParaRPr lang="zh-CN" altLang="en-US" sz="800" dirty="0"/>
-          </a:p>
-        </p:txBody>
-      </p:sp>
-      <p:sp>
-        <p:nvSpPr>
-          <p:cNvPr id="146" name="矩形 145"/>
-          <p:cNvSpPr/>
-          <p:nvPr/>
-        </p:nvSpPr>
-        <p:spPr>
-          <a:xfrm>
-            <a:off x="6123427" y="3216660"/>
-            <a:ext cx="604686" cy="207583"/>
-          </a:xfrm>
-          <a:prstGeom prst="rect">
-            <a:avLst/>
-          </a:prstGeom>
-          <a:solidFill>
-            <a:srgbClr val="00B0F0"/>
-          </a:solidFill>
-          <a:ln>
-            <a:solidFill>
-              <a:srgbClr val="002050"/>
-            </a:solidFill>
-          </a:ln>
-        </p:spPr>
-        <p:style>
-          <a:lnRef idx="2">
-            <a:schemeClr val="accent1">
-              <a:shade val="50000"/>
-            </a:schemeClr>
-          </a:lnRef>
-          <a:fillRef idx="1">
-            <a:schemeClr val="accent1"/>
-          </a:fillRef>
-          <a:effectRef idx="0">
-            <a:schemeClr val="accent1"/>
-          </a:effectRef>
-          <a:fontRef idx="minor">
-            <a:schemeClr val="lt1"/>
-          </a:fontRef>
-        </p:style>
-        <p:txBody>
-          <a:bodyPr lIns="0" tIns="0" rIns="0" bIns="0" rtlCol="0" anchor="ctr"/>
-          <a:lstStyle/>
-          <a:p>
-            <a:pPr algn="ctr"/>
-            <a:r>
-              <a:rPr lang="en-US" altLang="zh-CN" sz="800" dirty="0" err="1" smtClean="0"/>
-              <a:t>int</a:t>
-            </a:r>
-            <a:r>
-              <a:rPr lang="en-US" altLang="zh-CN" sz="800" dirty="0" smtClean="0"/>
-              <a:t> 8</a:t>
-            </a:r>
-            <a:endParaRPr lang="zh-CN" altLang="en-US" sz="800" dirty="0"/>
+            <a:endParaRPr lang="zh-CN" altLang="en-US" sz="900" dirty="0">
+              <a:latin typeface="Times New Roman" panose="02020603050405020304" pitchFamily="18" charset="0"/>
+              <a:cs typeface="Times New Roman" panose="02020603050405020304" pitchFamily="18" charset="0"/>
+            </a:endParaRPr>
           </a:p>
         </p:txBody>
       </p:sp>
